--- a/ads ppt.pptx
+++ b/ads ppt.pptx
@@ -5,7 +5,7 @@
     <p:sldMasterId id="2147483660" r:id="rId1"/>
   </p:sldMasterIdLst>
   <p:notesMasterIdLst>
-    <p:notesMasterId r:id="rId18"/>
+    <p:notesMasterId r:id="rId19"/>
   </p:notesMasterIdLst>
   <p:sldIdLst>
     <p:sldId id="256" r:id="rId2"/>
@@ -22,8 +22,9 @@
     <p:sldId id="281" r:id="rId13"/>
     <p:sldId id="311" r:id="rId14"/>
     <p:sldId id="287" r:id="rId15"/>
-    <p:sldId id="300" r:id="rId16"/>
-    <p:sldId id="310" r:id="rId17"/>
+    <p:sldId id="313" r:id="rId16"/>
+    <p:sldId id="300" r:id="rId17"/>
+    <p:sldId id="310" r:id="rId18"/>
   </p:sldIdLst>
   <p:sldSz cx="9144000" cy="6858000" type="screen4x3"/>
   <p:notesSz cx="6858000" cy="9144000"/>
@@ -124,7 +125,18 @@
   </p:defaultTextStyle>
   <p:extLst>
     <p:ext uri="{EFAFB233-063F-42B5-8137-9DF3F51BA10A}">
-      <p15:sldGuideLst xmlns:p15="http://schemas.microsoft.com/office/powerpoint/2012/main" xmlns=""/>
+      <p15:sldGuideLst xmlns:p15="http://schemas.microsoft.com/office/powerpoint/2012/main">
+        <p15:guide id="1" orient="horz" pos="2160">
+          <p15:clr>
+            <a:srgbClr val="A4A3A4"/>
+          </p15:clr>
+        </p15:guide>
+        <p15:guide id="2" pos="2880">
+          <p15:clr>
+            <a:srgbClr val="A4A3A4"/>
+          </p15:clr>
+        </p15:guide>
+      </p15:sldGuideLst>
     </p:ext>
   </p:extLst>
 </p:presentation>
@@ -3391,13 +3403,6 @@
         </dgm:presLayoutVars>
       </dgm:prSet>
       <dgm:spPr/>
-      <dgm:t>
-        <a:bodyPr/>
-        <a:lstStyle/>
-        <a:p>
-          <a:endParaRPr lang="zh-CN" altLang="en-US"/>
-        </a:p>
-      </dgm:t>
     </dgm:pt>
     <dgm:pt modelId="{1B87CC5D-EBBF-40F1-B622-91B300DE8AA6}" type="pres">
       <dgm:prSet presAssocID="{8DE84A37-7861-4180-A727-749BA42C97B4}" presName="parentText" presStyleLbl="node1" presStyleIdx="0" presStyleCnt="6">
@@ -3407,13 +3412,6 @@
         </dgm:presLayoutVars>
       </dgm:prSet>
       <dgm:spPr/>
-      <dgm:t>
-        <a:bodyPr/>
-        <a:lstStyle/>
-        <a:p>
-          <a:endParaRPr lang="zh-CN" altLang="en-US"/>
-        </a:p>
-      </dgm:t>
     </dgm:pt>
     <dgm:pt modelId="{4592C023-3603-4DA4-82BE-35E017158623}" type="pres">
       <dgm:prSet presAssocID="{63F3396A-3B74-4845-95BF-ABE3C5A2B873}" presName="spacer" presStyleCnt="0"/>
@@ -3427,13 +3425,6 @@
         </dgm:presLayoutVars>
       </dgm:prSet>
       <dgm:spPr/>
-      <dgm:t>
-        <a:bodyPr/>
-        <a:lstStyle/>
-        <a:p>
-          <a:endParaRPr lang="zh-CN" altLang="en-US"/>
-        </a:p>
-      </dgm:t>
     </dgm:pt>
     <dgm:pt modelId="{F92FF8AB-28C2-4DE7-B154-7397508F2FBC}" type="pres">
       <dgm:prSet presAssocID="{12E2F347-D667-418B-A061-1898B66E926D}" presName="spacer" presStyleCnt="0"/>
@@ -3447,13 +3438,6 @@
         </dgm:presLayoutVars>
       </dgm:prSet>
       <dgm:spPr/>
-      <dgm:t>
-        <a:bodyPr/>
-        <a:lstStyle/>
-        <a:p>
-          <a:endParaRPr lang="zh-CN" altLang="en-US"/>
-        </a:p>
-      </dgm:t>
     </dgm:pt>
     <dgm:pt modelId="{EF13823A-0A74-4F92-A29D-16CCEFAA535F}" type="pres">
       <dgm:prSet presAssocID="{0E963D60-58A5-406F-B46B-8447E4A0A123}" presName="spacer" presStyleCnt="0"/>
@@ -3467,13 +3451,6 @@
         </dgm:presLayoutVars>
       </dgm:prSet>
       <dgm:spPr/>
-      <dgm:t>
-        <a:bodyPr/>
-        <a:lstStyle/>
-        <a:p>
-          <a:endParaRPr lang="zh-CN" altLang="en-US"/>
-        </a:p>
-      </dgm:t>
     </dgm:pt>
     <dgm:pt modelId="{8E4DF9C7-5224-4E69-8CD1-E900CE72FBD1}" type="pres">
       <dgm:prSet presAssocID="{53B6F48E-2983-48B2-9B60-DB2D37A6BF6A}" presName="spacer" presStyleCnt="0"/>
@@ -3487,13 +3464,6 @@
         </dgm:presLayoutVars>
       </dgm:prSet>
       <dgm:spPr/>
-      <dgm:t>
-        <a:bodyPr/>
-        <a:lstStyle/>
-        <a:p>
-          <a:endParaRPr lang="zh-CN" altLang="en-US"/>
-        </a:p>
-      </dgm:t>
     </dgm:pt>
     <dgm:pt modelId="{12DC6B91-CFB2-400F-BFBB-4F543E28FB65}" type="pres">
       <dgm:prSet presAssocID="{ECDA4254-53D3-49AB-976D-132683902F24}" presName="spacer" presStyleCnt="0"/>
@@ -3507,29 +3477,22 @@
         </dgm:presLayoutVars>
       </dgm:prSet>
       <dgm:spPr/>
-      <dgm:t>
-        <a:bodyPr/>
-        <a:lstStyle/>
-        <a:p>
-          <a:endParaRPr lang="zh-CN" altLang="en-US"/>
-        </a:p>
-      </dgm:t>
     </dgm:pt>
   </dgm:ptLst>
   <dgm:cxnLst>
+    <dgm:cxn modelId="{0937B102-6C42-4C30-9B99-485EEE885256}" srcId="{C923C996-0D77-41D4-98AE-ACFFC299891E}" destId="{FA796792-EAF8-49EA-8E4E-6DE41342366D}" srcOrd="1" destOrd="0" parTransId="{BFB3D4F3-2005-45D8-99DC-8C8F75BA07C0}" sibTransId="{12E2F347-D667-418B-A061-1898B66E926D}"/>
+    <dgm:cxn modelId="{200ACC05-1AA9-4E70-B95F-74B8454533D3}" type="presOf" srcId="{FA796792-EAF8-49EA-8E4E-6DE41342366D}" destId="{572B2919-2688-4A1B-B9FC-80B20E3471A4}" srcOrd="0" destOrd="0" presId="urn:microsoft.com/office/officeart/2005/8/layout/vList2"/>
+    <dgm:cxn modelId="{D1A02B5B-A371-4192-B6C0-259E680B5D9E}" type="presOf" srcId="{581FDA1E-6F37-4FE5-98F8-0963CA910E06}" destId="{892FF4B7-CADA-42A7-B1F4-9E33CA8B3385}" srcOrd="0" destOrd="0" presId="urn:microsoft.com/office/officeart/2005/8/layout/vList2"/>
+    <dgm:cxn modelId="{A8B5B648-F72B-4A3D-8E29-CBC4A8446A55}" srcId="{C923C996-0D77-41D4-98AE-ACFFC299891E}" destId="{3F6BF271-AF7E-4E85-AAFE-315036D693E2}" srcOrd="5" destOrd="0" parTransId="{1121051D-AF17-4168-92EA-C010392A5C5F}" sibTransId="{77DE0E9A-0A5E-41E3-837C-B0121997A442}"/>
     <dgm:cxn modelId="{F601FF6E-2EB5-4F7A-92FA-B59B123438CB}" type="presOf" srcId="{C923C996-0D77-41D4-98AE-ACFFC299891E}" destId="{9A42F0BF-5A21-4390-BA10-E25A137B7B9F}" srcOrd="0" destOrd="0" presId="urn:microsoft.com/office/officeart/2005/8/layout/vList2"/>
+    <dgm:cxn modelId="{A266737D-A999-4672-8C94-AAB35F9A56B2}" type="presOf" srcId="{8DE84A37-7861-4180-A727-749BA42C97B4}" destId="{1B87CC5D-EBBF-40F1-B622-91B300DE8AA6}" srcOrd="0" destOrd="0" presId="urn:microsoft.com/office/officeart/2005/8/layout/vList2"/>
     <dgm:cxn modelId="{74945B84-B2D2-412C-8771-7E0C0715025C}" srcId="{C923C996-0D77-41D4-98AE-ACFFC299891E}" destId="{EF882205-4C18-4610-A65D-3EA2D625EEF7}" srcOrd="4" destOrd="0" parTransId="{9BCE9E39-AE34-4021-AC49-1C08A1845513}" sibTransId="{ECDA4254-53D3-49AB-976D-132683902F24}"/>
-    <dgm:cxn modelId="{D1A02B5B-A371-4192-B6C0-259E680B5D9E}" type="presOf" srcId="{581FDA1E-6F37-4FE5-98F8-0963CA910E06}" destId="{892FF4B7-CADA-42A7-B1F4-9E33CA8B3385}" srcOrd="0" destOrd="0" presId="urn:microsoft.com/office/officeart/2005/8/layout/vList2"/>
-    <dgm:cxn modelId="{E815B1F1-B08C-4D68-AC11-44874EFAEEE6}" srcId="{C923C996-0D77-41D4-98AE-ACFFC299891E}" destId="{8DE84A37-7861-4180-A727-749BA42C97B4}" srcOrd="0" destOrd="0" parTransId="{C5A2AEA2-929A-40F5-8049-2AE41524959A}" sibTransId="{63F3396A-3B74-4845-95BF-ABE3C5A2B873}"/>
-    <dgm:cxn modelId="{0937B102-6C42-4C30-9B99-485EEE885256}" srcId="{C923C996-0D77-41D4-98AE-ACFFC299891E}" destId="{FA796792-EAF8-49EA-8E4E-6DE41342366D}" srcOrd="1" destOrd="0" parTransId="{BFB3D4F3-2005-45D8-99DC-8C8F75BA07C0}" sibTransId="{12E2F347-D667-418B-A061-1898B66E926D}"/>
-    <dgm:cxn modelId="{9B82F8C7-5256-498B-86FE-D4A89B4CD414}" type="presOf" srcId="{EF882205-4C18-4610-A65D-3EA2D625EEF7}" destId="{E69714B3-BC6C-4EA8-A602-CE658111E4EC}" srcOrd="0" destOrd="0" presId="urn:microsoft.com/office/officeart/2005/8/layout/vList2"/>
+    <dgm:cxn modelId="{221158A4-7B50-415C-98AD-B9712B9B81CD}" srcId="{C923C996-0D77-41D4-98AE-ACFFC299891E}" destId="{581FDA1E-6F37-4FE5-98F8-0963CA910E06}" srcOrd="2" destOrd="0" parTransId="{CB3603B1-17AC-4367-9C87-265161C1C3F1}" sibTransId="{0E963D60-58A5-406F-B46B-8447E4A0A123}"/>
     <dgm:cxn modelId="{F5132CBA-CE49-4200-A145-E276EC86E4B6}" type="presOf" srcId="{3F6BF271-AF7E-4E85-AAFE-315036D693E2}" destId="{DAAD1597-23AF-4DEF-8677-E7F0A4C586AA}" srcOrd="0" destOrd="0" presId="urn:microsoft.com/office/officeart/2005/8/layout/vList2"/>
     <dgm:cxn modelId="{8AA433BC-82F9-4110-A600-6FF7E29E6651}" type="presOf" srcId="{C351403F-0D6B-496F-9B26-DC423B11E3EC}" destId="{DEA3A19F-428E-41B0-BFB1-036DBBC2624E}" srcOrd="0" destOrd="0" presId="urn:microsoft.com/office/officeart/2005/8/layout/vList2"/>
-    <dgm:cxn modelId="{200ACC05-1AA9-4E70-B95F-74B8454533D3}" type="presOf" srcId="{FA796792-EAF8-49EA-8E4E-6DE41342366D}" destId="{572B2919-2688-4A1B-B9FC-80B20E3471A4}" srcOrd="0" destOrd="0" presId="urn:microsoft.com/office/officeart/2005/8/layout/vList2"/>
-    <dgm:cxn modelId="{A8B5B648-F72B-4A3D-8E29-CBC4A8446A55}" srcId="{C923C996-0D77-41D4-98AE-ACFFC299891E}" destId="{3F6BF271-AF7E-4E85-AAFE-315036D693E2}" srcOrd="5" destOrd="0" parTransId="{1121051D-AF17-4168-92EA-C010392A5C5F}" sibTransId="{77DE0E9A-0A5E-41E3-837C-B0121997A442}"/>
-    <dgm:cxn modelId="{A266737D-A999-4672-8C94-AAB35F9A56B2}" type="presOf" srcId="{8DE84A37-7861-4180-A727-749BA42C97B4}" destId="{1B87CC5D-EBBF-40F1-B622-91B300DE8AA6}" srcOrd="0" destOrd="0" presId="urn:microsoft.com/office/officeart/2005/8/layout/vList2"/>
+    <dgm:cxn modelId="{9B82F8C7-5256-498B-86FE-D4A89B4CD414}" type="presOf" srcId="{EF882205-4C18-4610-A65D-3EA2D625EEF7}" destId="{E69714B3-BC6C-4EA8-A602-CE658111E4EC}" srcOrd="0" destOrd="0" presId="urn:microsoft.com/office/officeart/2005/8/layout/vList2"/>
     <dgm:cxn modelId="{88C499DB-20D7-4612-A4C4-675D5E4B6803}" srcId="{C923C996-0D77-41D4-98AE-ACFFC299891E}" destId="{C351403F-0D6B-496F-9B26-DC423B11E3EC}" srcOrd="3" destOrd="0" parTransId="{08025A75-E6E2-4F3F-8801-0C85C0222932}" sibTransId="{53B6F48E-2983-48B2-9B60-DB2D37A6BF6A}"/>
-    <dgm:cxn modelId="{221158A4-7B50-415C-98AD-B9712B9B81CD}" srcId="{C923C996-0D77-41D4-98AE-ACFFC299891E}" destId="{581FDA1E-6F37-4FE5-98F8-0963CA910E06}" srcOrd="2" destOrd="0" parTransId="{CB3603B1-17AC-4367-9C87-265161C1C3F1}" sibTransId="{0E963D60-58A5-406F-B46B-8447E4A0A123}"/>
+    <dgm:cxn modelId="{E815B1F1-B08C-4D68-AC11-44874EFAEEE6}" srcId="{C923C996-0D77-41D4-98AE-ACFFC299891E}" destId="{8DE84A37-7861-4180-A727-749BA42C97B4}" srcOrd="0" destOrd="0" parTransId="{C5A2AEA2-929A-40F5-8049-2AE41524959A}" sibTransId="{63F3396A-3B74-4845-95BF-ABE3C5A2B873}"/>
     <dgm:cxn modelId="{DED16298-D154-41BF-9CD4-DC07C843C1A2}" type="presParOf" srcId="{9A42F0BF-5A21-4390-BA10-E25A137B7B9F}" destId="{1B87CC5D-EBBF-40F1-B622-91B300DE8AA6}" srcOrd="0" destOrd="0" presId="urn:microsoft.com/office/officeart/2005/8/layout/vList2"/>
     <dgm:cxn modelId="{7C2175B9-9F40-44B4-A513-0F12C9C71945}" type="presParOf" srcId="{9A42F0BF-5A21-4390-BA10-E25A137B7B9F}" destId="{4592C023-3603-4DA4-82BE-35E017158623}" srcOrd="1" destOrd="0" presId="urn:microsoft.com/office/officeart/2005/8/layout/vList2"/>
     <dgm:cxn modelId="{8163A0F5-4CCE-4573-A21D-59DB533E3AEB}" type="presParOf" srcId="{9A42F0BF-5A21-4390-BA10-E25A137B7B9F}" destId="{572B2919-2688-4A1B-B9FC-80B20E3471A4}" srcOrd="2" destOrd="0" presId="urn:microsoft.com/office/officeart/2005/8/layout/vList2"/>
@@ -3574,23 +3537,18 @@
         <a:lstStyle/>
         <a:p>
           <a:r>
-            <a:rPr lang="en-US" altLang="zh-CN" sz="1600" dirty="0" smtClean="0"/>
+            <a:rPr lang="en-US" altLang="zh-CN" sz="1600" dirty="0"/>
             <a:t>Re</a:t>
           </a:r>
           <a:r>
-            <a:rPr lang="en-US" sz="1600" dirty="0" smtClean="0"/>
+            <a:rPr lang="en-US" sz="1600" dirty="0"/>
             <a:t>scale</a:t>
           </a:r>
-          <a:endParaRPr lang="en-US" sz="1600" dirty="0"/>
         </a:p>
         <a:p>
           <a:r>
-            <a:rPr lang="en-US" sz="1600" dirty="0" smtClean="0"/>
-            <a:t>150</a:t>
-          </a:r>
-          <a:r>
             <a:rPr lang="en-US" sz="1600" dirty="0"/>
-            <a:t>*150</a:t>
+            <a:t>150*150</a:t>
           </a:r>
         </a:p>
       </dgm:t>
@@ -3679,13 +3637,6 @@
         </dgm:presLayoutVars>
       </dgm:prSet>
       <dgm:spPr/>
-      <dgm:t>
-        <a:bodyPr/>
-        <a:lstStyle/>
-        <a:p>
-          <a:endParaRPr lang="zh-CN" altLang="en-US"/>
-        </a:p>
-      </dgm:t>
     </dgm:pt>
     <dgm:pt modelId="{1E1A0B3B-A684-40E1-AF8B-FD421A99EE3D}" type="pres">
       <dgm:prSet presAssocID="{135436C4-557C-4494-8AA5-F40D6A70244E}" presName="compositeNode" presStyleCnt="0">
@@ -3698,13 +3649,6 @@
     <dgm:pt modelId="{69FF66A2-5B9B-49DD-A0FD-735B7AAE743E}" type="pres">
       <dgm:prSet presAssocID="{135436C4-557C-4494-8AA5-F40D6A70244E}" presName="bgRect" presStyleLbl="bgAccFollowNode1" presStyleIdx="0" presStyleCnt="2"/>
       <dgm:spPr/>
-      <dgm:t>
-        <a:bodyPr/>
-        <a:lstStyle/>
-        <a:p>
-          <a:endParaRPr lang="zh-CN" altLang="en-US"/>
-        </a:p>
-      </dgm:t>
     </dgm:pt>
     <dgm:pt modelId="{17F8531A-CA53-4BAF-B1B1-FC0CC7C55CD3}" type="pres">
       <dgm:prSet presAssocID="{5851A77A-1108-4F23-A22E-EC10EBD7CF06}" presName="sibTransNodeCircle" presStyleLbl="alignNode1" presStyleIdx="0" presStyleCnt="4">
@@ -3714,13 +3658,6 @@
         </dgm:presLayoutVars>
       </dgm:prSet>
       <dgm:spPr/>
-      <dgm:t>
-        <a:bodyPr/>
-        <a:lstStyle/>
-        <a:p>
-          <a:endParaRPr lang="zh-CN" altLang="en-US"/>
-        </a:p>
-      </dgm:t>
     </dgm:pt>
     <dgm:pt modelId="{512C0EC1-6D5D-405A-B3BA-5A2AAD7F9096}" type="pres">
       <dgm:prSet presAssocID="{135436C4-557C-4494-8AA5-F40D6A70244E}" presName="bottomLine" presStyleLbl="alignNode1" presStyleIdx="1" presStyleCnt="4">
@@ -3735,13 +3672,6 @@
         </dgm:presLayoutVars>
       </dgm:prSet>
       <dgm:spPr/>
-      <dgm:t>
-        <a:bodyPr/>
-        <a:lstStyle/>
-        <a:p>
-          <a:endParaRPr lang="zh-CN" altLang="en-US"/>
-        </a:p>
-      </dgm:t>
     </dgm:pt>
     <dgm:pt modelId="{7FDAF89D-9279-4E14-BDAF-6594AAD16B04}" type="pres">
       <dgm:prSet presAssocID="{5851A77A-1108-4F23-A22E-EC10EBD7CF06}" presName="sibTrans" presStyleCnt="0"/>
@@ -3758,13 +3688,6 @@
     <dgm:pt modelId="{B3C065BC-768D-4760-AC5B-DEB13E61249E}" type="pres">
       <dgm:prSet presAssocID="{86EA7826-D5B9-4565-A164-8B0EA1C7C706}" presName="bgRect" presStyleLbl="bgAccFollowNode1" presStyleIdx="1" presStyleCnt="2"/>
       <dgm:spPr/>
-      <dgm:t>
-        <a:bodyPr/>
-        <a:lstStyle/>
-        <a:p>
-          <a:endParaRPr lang="zh-CN" altLang="en-US"/>
-        </a:p>
-      </dgm:t>
     </dgm:pt>
     <dgm:pt modelId="{1DC9E185-95CF-4E8D-8FB5-5B4A755A297E}" type="pres">
       <dgm:prSet presAssocID="{A38BE7B1-DD75-4F48-9D65-FEC4FD714096}" presName="sibTransNodeCircle" presStyleLbl="alignNode1" presStyleIdx="2" presStyleCnt="4">
@@ -3774,13 +3697,6 @@
         </dgm:presLayoutVars>
       </dgm:prSet>
       <dgm:spPr/>
-      <dgm:t>
-        <a:bodyPr/>
-        <a:lstStyle/>
-        <a:p>
-          <a:endParaRPr lang="zh-CN" altLang="en-US"/>
-        </a:p>
-      </dgm:t>
     </dgm:pt>
     <dgm:pt modelId="{BAA8C341-16F8-4A19-859E-C611C35B0E93}" type="pres">
       <dgm:prSet presAssocID="{86EA7826-D5B9-4565-A164-8B0EA1C7C706}" presName="bottomLine" presStyleLbl="alignNode1" presStyleIdx="3" presStyleCnt="4">
@@ -3795,25 +3711,18 @@
         </dgm:presLayoutVars>
       </dgm:prSet>
       <dgm:spPr/>
-      <dgm:t>
-        <a:bodyPr/>
-        <a:lstStyle/>
-        <a:p>
-          <a:endParaRPr lang="zh-CN" altLang="en-US"/>
-        </a:p>
-      </dgm:t>
     </dgm:pt>
   </dgm:ptLst>
   <dgm:cxnLst>
+    <dgm:cxn modelId="{80E43208-F60F-43AA-925A-2721A71B48EC}" type="presOf" srcId="{86EA7826-D5B9-4565-A164-8B0EA1C7C706}" destId="{7B67C5BC-A780-4E72-866B-7A49962EC7A2}" srcOrd="1" destOrd="0" presId="urn:microsoft.com/office/officeart/2016/7/layout/BasicLinearProcessNumbered"/>
+    <dgm:cxn modelId="{B45D2809-4D9B-42BC-A68D-AED8D51B4B18}" type="presOf" srcId="{86EA7826-D5B9-4565-A164-8B0EA1C7C706}" destId="{B3C065BC-768D-4760-AC5B-DEB13E61249E}" srcOrd="0" destOrd="0" presId="urn:microsoft.com/office/officeart/2016/7/layout/BasicLinearProcessNumbered"/>
+    <dgm:cxn modelId="{3C642012-EF4A-4258-90D5-E5494605D733}" type="presOf" srcId="{135436C4-557C-4494-8AA5-F40D6A70244E}" destId="{1268CEDF-C165-4425-8534-1BEEE14736C9}" srcOrd="1" destOrd="0" presId="urn:microsoft.com/office/officeart/2016/7/layout/BasicLinearProcessNumbered"/>
+    <dgm:cxn modelId="{ACAA8B15-A881-4227-B614-CD63D0F8BB10}" type="presOf" srcId="{4D7EA2FF-CE3A-4B01-B13A-9A3D4E196808}" destId="{6196FD66-4FA0-42F2-8697-4580014ABE2A}" srcOrd="0" destOrd="0" presId="urn:microsoft.com/office/officeart/2016/7/layout/BasicLinearProcessNumbered"/>
+    <dgm:cxn modelId="{3A09E26C-7422-4149-9E74-E618058F8A74}" srcId="{4D7EA2FF-CE3A-4B01-B13A-9A3D4E196808}" destId="{86EA7826-D5B9-4565-A164-8B0EA1C7C706}" srcOrd="1" destOrd="0" parTransId="{4AC62C07-CF44-46F0-B923-57CD5B53AA5A}" sibTransId="{A38BE7B1-DD75-4F48-9D65-FEC4FD714096}"/>
     <dgm:cxn modelId="{ACB62A8F-25C3-4717-B6D2-FF9FA6C9E06C}" type="presOf" srcId="{135436C4-557C-4494-8AA5-F40D6A70244E}" destId="{69FF66A2-5B9B-49DD-A0FD-735B7AAE743E}" srcOrd="0" destOrd="0" presId="urn:microsoft.com/office/officeart/2016/7/layout/BasicLinearProcessNumbered"/>
-    <dgm:cxn modelId="{80E43208-F60F-43AA-925A-2721A71B48EC}" type="presOf" srcId="{86EA7826-D5B9-4565-A164-8B0EA1C7C706}" destId="{7B67C5BC-A780-4E72-866B-7A49962EC7A2}" srcOrd="1" destOrd="0" presId="urn:microsoft.com/office/officeart/2016/7/layout/BasicLinearProcessNumbered"/>
-    <dgm:cxn modelId="{3A09E26C-7422-4149-9E74-E618058F8A74}" srcId="{4D7EA2FF-CE3A-4B01-B13A-9A3D4E196808}" destId="{86EA7826-D5B9-4565-A164-8B0EA1C7C706}" srcOrd="1" destOrd="0" parTransId="{4AC62C07-CF44-46F0-B923-57CD5B53AA5A}" sibTransId="{A38BE7B1-DD75-4F48-9D65-FEC4FD714096}"/>
+    <dgm:cxn modelId="{CAB4A1CC-D229-4C64-AF8B-7B7988B100DC}" type="presOf" srcId="{A38BE7B1-DD75-4F48-9D65-FEC4FD714096}" destId="{1DC9E185-95CF-4E8D-8FB5-5B4A755A297E}" srcOrd="0" destOrd="0" presId="urn:microsoft.com/office/officeart/2016/7/layout/BasicLinearProcessNumbered"/>
     <dgm:cxn modelId="{57C851D0-AD69-489E-A17D-71E3B27F911A}" type="presOf" srcId="{5851A77A-1108-4F23-A22E-EC10EBD7CF06}" destId="{17F8531A-CA53-4BAF-B1B1-FC0CC7C55CD3}" srcOrd="0" destOrd="0" presId="urn:microsoft.com/office/officeart/2016/7/layout/BasicLinearProcessNumbered"/>
-    <dgm:cxn modelId="{3C642012-EF4A-4258-90D5-E5494605D733}" type="presOf" srcId="{135436C4-557C-4494-8AA5-F40D6A70244E}" destId="{1268CEDF-C165-4425-8534-1BEEE14736C9}" srcOrd="1" destOrd="0" presId="urn:microsoft.com/office/officeart/2016/7/layout/BasicLinearProcessNumbered"/>
-    <dgm:cxn modelId="{B45D2809-4D9B-42BC-A68D-AED8D51B4B18}" type="presOf" srcId="{86EA7826-D5B9-4565-A164-8B0EA1C7C706}" destId="{B3C065BC-768D-4760-AC5B-DEB13E61249E}" srcOrd="0" destOrd="0" presId="urn:microsoft.com/office/officeart/2016/7/layout/BasicLinearProcessNumbered"/>
-    <dgm:cxn modelId="{CAB4A1CC-D229-4C64-AF8B-7B7988B100DC}" type="presOf" srcId="{A38BE7B1-DD75-4F48-9D65-FEC4FD714096}" destId="{1DC9E185-95CF-4E8D-8FB5-5B4A755A297E}" srcOrd="0" destOrd="0" presId="urn:microsoft.com/office/officeart/2016/7/layout/BasicLinearProcessNumbered"/>
     <dgm:cxn modelId="{9A5B02D9-72DC-45BE-81C0-80003D6D79D6}" srcId="{4D7EA2FF-CE3A-4B01-B13A-9A3D4E196808}" destId="{135436C4-557C-4494-8AA5-F40D6A70244E}" srcOrd="0" destOrd="0" parTransId="{835A2D79-E3A0-480E-9FC6-EFD468A17B90}" sibTransId="{5851A77A-1108-4F23-A22E-EC10EBD7CF06}"/>
-    <dgm:cxn modelId="{ACAA8B15-A881-4227-B614-CD63D0F8BB10}" type="presOf" srcId="{4D7EA2FF-CE3A-4B01-B13A-9A3D4E196808}" destId="{6196FD66-4FA0-42F2-8697-4580014ABE2A}" srcOrd="0" destOrd="0" presId="urn:microsoft.com/office/officeart/2016/7/layout/BasicLinearProcessNumbered"/>
     <dgm:cxn modelId="{4624AAD0-F385-4ACC-A98E-80FE777D8618}" type="presParOf" srcId="{6196FD66-4FA0-42F2-8697-4580014ABE2A}" destId="{1E1A0B3B-A684-40E1-AF8B-FD421A99EE3D}" srcOrd="0" destOrd="0" presId="urn:microsoft.com/office/officeart/2016/7/layout/BasicLinearProcessNumbered"/>
     <dgm:cxn modelId="{B17F9004-CBF9-4FED-898D-9D6311CC0303}" type="presParOf" srcId="{1E1A0B3B-A684-40E1-AF8B-FD421A99EE3D}" destId="{69FF66A2-5B9B-49DD-A0FD-735B7AAE743E}" srcOrd="0" destOrd="0" presId="urn:microsoft.com/office/officeart/2016/7/layout/BasicLinearProcessNumbered"/>
     <dgm:cxn modelId="{2B04DFFC-0B89-462A-9C7F-82CE2324B3F6}" type="presParOf" srcId="{1E1A0B3B-A684-40E1-AF8B-FD421A99EE3D}" destId="{17F8531A-CA53-4BAF-B1B1-FC0CC7C55CD3}" srcOrd="1" destOrd="0" presId="urn:microsoft.com/office/officeart/2016/7/layout/BasicLinearProcessNumbered"/>
@@ -4044,13 +3953,6 @@
         </dgm:presLayoutVars>
       </dgm:prSet>
       <dgm:spPr/>
-      <dgm:t>
-        <a:bodyPr/>
-        <a:lstStyle/>
-        <a:p>
-          <a:endParaRPr lang="zh-CN" altLang="en-US"/>
-        </a:p>
-      </dgm:t>
     </dgm:pt>
     <dgm:pt modelId="{7BE919D6-1C19-4752-81CB-66E092208734}" type="pres">
       <dgm:prSet presAssocID="{E76B26EC-95C5-47CF-960F-9FD165FD539E}" presName="parAndChTx" presStyleLbl="node1" presStyleIdx="0" presStyleCnt="2" custScaleY="216814">
@@ -4059,13 +3961,6 @@
         </dgm:presLayoutVars>
       </dgm:prSet>
       <dgm:spPr/>
-      <dgm:t>
-        <a:bodyPr/>
-        <a:lstStyle/>
-        <a:p>
-          <a:endParaRPr lang="zh-CN" altLang="en-US"/>
-        </a:p>
-      </dgm:t>
     </dgm:pt>
     <dgm:pt modelId="{8839107B-702D-4316-B264-E84F3C78022B}" type="pres">
       <dgm:prSet presAssocID="{340B5F76-AB12-4854-A429-5B2F2163D468}" presName="parAndChSpace" presStyleCnt="0"/>
@@ -4078,27 +3973,20 @@
         </dgm:presLayoutVars>
       </dgm:prSet>
       <dgm:spPr/>
-      <dgm:t>
-        <a:bodyPr/>
-        <a:lstStyle/>
-        <a:p>
-          <a:endParaRPr lang="zh-CN" altLang="en-US"/>
-        </a:p>
-      </dgm:t>
     </dgm:pt>
   </dgm:ptLst>
   <dgm:cxnLst>
     <dgm:cxn modelId="{3EAA6625-BAF1-49B9-ACBB-20D6FDC0C3D4}" type="presOf" srcId="{B22230FC-C3B1-47B8-9699-06EC7FE74C27}" destId="{F0BBD06E-D559-4AF4-8362-17DE82FA8E91}" srcOrd="0" destOrd="3" presId="urn:microsoft.com/office/officeart/2005/8/layout/hChevron3"/>
+    <dgm:cxn modelId="{1158E82C-E1A7-46B5-AC14-F7DBE4D916A9}" srcId="{CB8E84FC-564A-409E-A432-5E922A1780AA}" destId="{E76B26EC-95C5-47CF-960F-9FD165FD539E}" srcOrd="0" destOrd="0" parTransId="{1797B6CB-169B-4F12-B1D5-07DA6679F6DF}" sibTransId="{340B5F76-AB12-4854-A429-5B2F2163D468}"/>
+    <dgm:cxn modelId="{541E7331-B590-477D-9F44-478E7C56B748}" srcId="{CB8E84FC-564A-409E-A432-5E922A1780AA}" destId="{6714CFF2-B332-4686-9B7C-614442F4B3B0}" srcOrd="1" destOrd="0" parTransId="{10CD4A03-5064-47A8-B8A4-8A1011485676}" sibTransId="{E135C89A-B72D-4ADB-BD23-F9EDB4E56F37}"/>
+    <dgm:cxn modelId="{60BA9735-364A-4D69-9FD6-169C684953DE}" type="presOf" srcId="{CB8E84FC-564A-409E-A432-5E922A1780AA}" destId="{0A472D6E-FF9D-4E73-A6EF-05F1935BB21B}" srcOrd="0" destOrd="0" presId="urn:microsoft.com/office/officeart/2005/8/layout/hChevron3"/>
+    <dgm:cxn modelId="{181C3D49-2137-4F28-B3E0-661EE8AF04D0}" srcId="{6714CFF2-B332-4686-9B7C-614442F4B3B0}" destId="{B22230FC-C3B1-47B8-9699-06EC7FE74C27}" srcOrd="2" destOrd="0" parTransId="{9BE190B2-F038-4C82-807D-BD2A140334E9}" sibTransId="{FC6922C3-BC18-4181-A2F9-DC2E45F1AA20}"/>
     <dgm:cxn modelId="{F987A74F-B416-4BAA-A7EC-47CC54348A11}" type="presOf" srcId="{2CE3FEE3-48B9-4A45-B639-747FA526E995}" destId="{F0BBD06E-D559-4AF4-8362-17DE82FA8E91}" srcOrd="0" destOrd="2" presId="urn:microsoft.com/office/officeart/2005/8/layout/hChevron3"/>
-    <dgm:cxn modelId="{1158E82C-E1A7-46B5-AC14-F7DBE4D916A9}" srcId="{CB8E84FC-564A-409E-A432-5E922A1780AA}" destId="{E76B26EC-95C5-47CF-960F-9FD165FD539E}" srcOrd="0" destOrd="0" parTransId="{1797B6CB-169B-4F12-B1D5-07DA6679F6DF}" sibTransId="{340B5F76-AB12-4854-A429-5B2F2163D468}"/>
-    <dgm:cxn modelId="{8B578CF3-BB1E-424C-A7F5-B5E75DE0860E}" type="presOf" srcId="{C3EB24D1-7FF2-4F3B-A359-1ED5F23145C6}" destId="{F0BBD06E-D559-4AF4-8362-17DE82FA8E91}" srcOrd="0" destOrd="1" presId="urn:microsoft.com/office/officeart/2005/8/layout/hChevron3"/>
     <dgm:cxn modelId="{AE0D997D-A360-4847-ABAE-6C2F71310BDC}" srcId="{6714CFF2-B332-4686-9B7C-614442F4B3B0}" destId="{C3EB24D1-7FF2-4F3B-A359-1ED5F23145C6}" srcOrd="0" destOrd="0" parTransId="{75F4F10E-0AF8-4B92-BC32-57ACA2D709D1}" sibTransId="{47837895-A055-4ADC-A059-8D141D3D992F}"/>
     <dgm:cxn modelId="{F1125492-E0C7-4737-832E-C16D8CC8146C}" type="presOf" srcId="{E76B26EC-95C5-47CF-960F-9FD165FD539E}" destId="{7BE919D6-1C19-4752-81CB-66E092208734}" srcOrd="0" destOrd="0" presId="urn:microsoft.com/office/officeart/2005/8/layout/hChevron3"/>
-    <dgm:cxn modelId="{60BA9735-364A-4D69-9FD6-169C684953DE}" type="presOf" srcId="{CB8E84FC-564A-409E-A432-5E922A1780AA}" destId="{0A472D6E-FF9D-4E73-A6EF-05F1935BB21B}" srcOrd="0" destOrd="0" presId="urn:microsoft.com/office/officeart/2005/8/layout/hChevron3"/>
-    <dgm:cxn modelId="{541E7331-B590-477D-9F44-478E7C56B748}" srcId="{CB8E84FC-564A-409E-A432-5E922A1780AA}" destId="{6714CFF2-B332-4686-9B7C-614442F4B3B0}" srcOrd="1" destOrd="0" parTransId="{10CD4A03-5064-47A8-B8A4-8A1011485676}" sibTransId="{E135C89A-B72D-4ADB-BD23-F9EDB4E56F37}"/>
-    <dgm:cxn modelId="{181C3D49-2137-4F28-B3E0-661EE8AF04D0}" srcId="{6714CFF2-B332-4686-9B7C-614442F4B3B0}" destId="{B22230FC-C3B1-47B8-9699-06EC7FE74C27}" srcOrd="2" destOrd="0" parTransId="{9BE190B2-F038-4C82-807D-BD2A140334E9}" sibTransId="{FC6922C3-BC18-4181-A2F9-DC2E45F1AA20}"/>
+    <dgm:cxn modelId="{FF3D4497-8753-4F67-95E4-66C3BF51859E}" type="presOf" srcId="{6714CFF2-B332-4686-9B7C-614442F4B3B0}" destId="{F0BBD06E-D559-4AF4-8362-17DE82FA8E91}" srcOrd="0" destOrd="0" presId="urn:microsoft.com/office/officeart/2005/8/layout/hChevron3"/>
     <dgm:cxn modelId="{D13DEFF1-CA97-4462-A4F7-1DF86D0374D1}" srcId="{6714CFF2-B332-4686-9B7C-614442F4B3B0}" destId="{2CE3FEE3-48B9-4A45-B639-747FA526E995}" srcOrd="1" destOrd="0" parTransId="{C13EDE59-32E6-44B5-9A44-9DF7D3B08B97}" sibTransId="{62712A7F-F7EA-4C68-80A5-624CFEA01467}"/>
-    <dgm:cxn modelId="{FF3D4497-8753-4F67-95E4-66C3BF51859E}" type="presOf" srcId="{6714CFF2-B332-4686-9B7C-614442F4B3B0}" destId="{F0BBD06E-D559-4AF4-8362-17DE82FA8E91}" srcOrd="0" destOrd="0" presId="urn:microsoft.com/office/officeart/2005/8/layout/hChevron3"/>
+    <dgm:cxn modelId="{8B578CF3-BB1E-424C-A7F5-B5E75DE0860E}" type="presOf" srcId="{C3EB24D1-7FF2-4F3B-A359-1ED5F23145C6}" destId="{F0BBD06E-D559-4AF4-8362-17DE82FA8E91}" srcOrd="0" destOrd="1" presId="urn:microsoft.com/office/officeart/2005/8/layout/hChevron3"/>
     <dgm:cxn modelId="{DB9475FA-2D94-480B-A608-9DB9B0ECEA18}" type="presParOf" srcId="{0A472D6E-FF9D-4E73-A6EF-05F1935BB21B}" destId="{7BE919D6-1C19-4752-81CB-66E092208734}" srcOrd="0" destOrd="0" presId="urn:microsoft.com/office/officeart/2005/8/layout/hChevron3"/>
     <dgm:cxn modelId="{7311CF4E-A4BC-443A-8321-874180844D21}" type="presParOf" srcId="{0A472D6E-FF9D-4E73-A6EF-05F1935BB21B}" destId="{8839107B-702D-4316-B264-E84F3C78022B}" srcOrd="1" destOrd="0" presId="urn:microsoft.com/office/officeart/2005/8/layout/hChevron3"/>
     <dgm:cxn modelId="{B90EF90C-1D9D-4D89-9E44-27B3BF765CDB}" type="presParOf" srcId="{0A472D6E-FF9D-4E73-A6EF-05F1935BB21B}" destId="{F0BBD06E-D559-4AF4-8362-17DE82FA8E91}" srcOrd="2" destOrd="0" presId="urn:microsoft.com/office/officeart/2005/8/layout/hChevron3"/>
@@ -4135,15 +4023,15 @@
         <a:lstStyle/>
         <a:p>
           <a:r>
-            <a:rPr lang="en-US" altLang="zh-CN" dirty="0" smtClean="0"/>
+            <a:rPr lang="en-US" altLang="zh-CN" dirty="0"/>
             <a:t>Linear</a:t>
           </a:r>
           <a:r>
-            <a:rPr lang="zh-CN" altLang="en-US" dirty="0" smtClean="0"/>
+            <a:rPr lang="zh-CN" altLang="en-US" dirty="0"/>
             <a:t> </a:t>
           </a:r>
           <a:r>
-            <a:rPr lang="en-US" altLang="zh-CN" dirty="0" smtClean="0"/>
+            <a:rPr lang="en-US" altLang="zh-CN" dirty="0"/>
             <a:t>Filter</a:t>
           </a:r>
           <a:endParaRPr lang="en-US" dirty="0"/>
@@ -4180,19 +4068,19 @@
         <a:lstStyle/>
         <a:p>
           <a:r>
-            <a:rPr lang="en-US" altLang="zh-CN" dirty="0" smtClean="0"/>
+            <a:rPr lang="en-US" altLang="zh-CN" dirty="0"/>
             <a:t>Loss</a:t>
           </a:r>
           <a:r>
-            <a:rPr lang="zh-CN" altLang="en-US" dirty="0" smtClean="0"/>
+            <a:rPr lang="zh-CN" altLang="en-US" dirty="0"/>
             <a:t> </a:t>
           </a:r>
           <a:r>
-            <a:rPr lang="en-US" altLang="zh-CN" dirty="0" smtClean="0"/>
+            <a:rPr lang="en-US" altLang="zh-CN" dirty="0"/>
             <a:t>Function</a:t>
           </a:r>
           <a:r>
-            <a:rPr lang="zh-CN" altLang="en-US" dirty="0" smtClean="0"/>
+            <a:rPr lang="zh-CN" altLang="en-US" dirty="0"/>
             <a:t>  </a:t>
           </a:r>
           <a:endParaRPr lang="en-US" dirty="0"/>
@@ -4229,15 +4117,15 @@
         <a:lstStyle/>
         <a:p>
           <a:r>
-            <a:rPr lang="en-US" altLang="zh-CN" dirty="0" smtClean="0"/>
+            <a:rPr lang="en-US" altLang="zh-CN" dirty="0"/>
             <a:t>Cross</a:t>
           </a:r>
           <a:r>
-            <a:rPr lang="zh-CN" altLang="en-US" dirty="0" smtClean="0"/>
+            <a:rPr lang="zh-CN" altLang="en-US" dirty="0"/>
             <a:t> </a:t>
           </a:r>
           <a:r>
-            <a:rPr lang="en-US" altLang="zh-CN" dirty="0" smtClean="0"/>
+            <a:rPr lang="en-US" altLang="zh-CN" dirty="0"/>
             <a:t>Validation</a:t>
           </a:r>
           <a:endParaRPr lang="en-US" dirty="0"/>
@@ -4274,13 +4162,6 @@
         </dgm:presLayoutVars>
       </dgm:prSet>
       <dgm:spPr/>
-      <dgm:t>
-        <a:bodyPr/>
-        <a:lstStyle/>
-        <a:p>
-          <a:endParaRPr lang="zh-CN" altLang="en-US"/>
-        </a:p>
-      </dgm:t>
     </dgm:pt>
     <dgm:pt modelId="{751C27BC-DFB8-42EF-807A-11E469FB6070}" type="pres">
       <dgm:prSet presAssocID="{B3E38C28-2203-4DB9-BEDC-5A72592E4D0D}" presName="parentText" presStyleLbl="node1" presStyleIdx="0" presStyleCnt="3">
@@ -4290,13 +4171,6 @@
         </dgm:presLayoutVars>
       </dgm:prSet>
       <dgm:spPr/>
-      <dgm:t>
-        <a:bodyPr/>
-        <a:lstStyle/>
-        <a:p>
-          <a:endParaRPr lang="zh-CN" altLang="en-US"/>
-        </a:p>
-      </dgm:t>
     </dgm:pt>
     <dgm:pt modelId="{5015D4F1-3A1C-4150-89A2-F4D077EDE23F}" type="pres">
       <dgm:prSet presAssocID="{B899E113-BB90-4DC0-9FD3-220BB12A5485}" presName="spacer" presStyleCnt="0"/>
@@ -4310,13 +4184,6 @@
         </dgm:presLayoutVars>
       </dgm:prSet>
       <dgm:spPr/>
-      <dgm:t>
-        <a:bodyPr/>
-        <a:lstStyle/>
-        <a:p>
-          <a:endParaRPr lang="zh-CN" altLang="en-US"/>
-        </a:p>
-      </dgm:t>
     </dgm:pt>
     <dgm:pt modelId="{C15ACD4E-BDF5-40A0-8DCF-0C654DBF5967}" type="pres">
       <dgm:prSet presAssocID="{1E19422E-B7BB-4C93-8548-E72CEB33751F}" presName="spacer" presStyleCnt="0"/>
@@ -4330,21 +4197,14 @@
         </dgm:presLayoutVars>
       </dgm:prSet>
       <dgm:spPr/>
-      <dgm:t>
-        <a:bodyPr/>
-        <a:lstStyle/>
-        <a:p>
-          <a:endParaRPr lang="zh-CN" altLang="en-US"/>
-        </a:p>
-      </dgm:t>
     </dgm:pt>
   </dgm:ptLst>
   <dgm:cxnLst>
+    <dgm:cxn modelId="{6DBEB511-A4F6-4AEC-844A-D0C7946A2373}" type="presOf" srcId="{B3E38C28-2203-4DB9-BEDC-5A72592E4D0D}" destId="{751C27BC-DFB8-42EF-807A-11E469FB6070}" srcOrd="0" destOrd="0" presId="urn:microsoft.com/office/officeart/2005/8/layout/vList2"/>
     <dgm:cxn modelId="{8D75691B-ABE1-4522-BB86-F1DF1D16D21E}" type="presOf" srcId="{A8BC5568-F517-46FB-9568-FE10E35F3295}" destId="{243E9457-BC05-4D2B-8039-04E76402E88E}" srcOrd="0" destOrd="0" presId="urn:microsoft.com/office/officeart/2005/8/layout/vList2"/>
+    <dgm:cxn modelId="{C0B73C37-A61C-4DE2-8EEA-5459B18FE066}" srcId="{184218A4-3CDE-4A89-A089-BB3D1F5922A2}" destId="{B3E38C28-2203-4DB9-BEDC-5A72592E4D0D}" srcOrd="0" destOrd="0" parTransId="{BB15E932-700D-48F8-BBE2-084B3F68CEE6}" sibTransId="{B899E113-BB90-4DC0-9FD3-220BB12A5485}"/>
     <dgm:cxn modelId="{2D392D49-A80C-4C9F-B953-ED59B7F1E603}" type="presOf" srcId="{184218A4-3CDE-4A89-A089-BB3D1F5922A2}" destId="{4565BA22-F3B7-4386-A5EE-960800158D5C}" srcOrd="0" destOrd="0" presId="urn:microsoft.com/office/officeart/2005/8/layout/vList2"/>
-    <dgm:cxn modelId="{C0B73C37-A61C-4DE2-8EEA-5459B18FE066}" srcId="{184218A4-3CDE-4A89-A089-BB3D1F5922A2}" destId="{B3E38C28-2203-4DB9-BEDC-5A72592E4D0D}" srcOrd="0" destOrd="0" parTransId="{BB15E932-700D-48F8-BBE2-084B3F68CEE6}" sibTransId="{B899E113-BB90-4DC0-9FD3-220BB12A5485}"/>
     <dgm:cxn modelId="{0ECA5A94-98B1-41B2-B301-0D84A7F0FA1E}" srcId="{184218A4-3CDE-4A89-A089-BB3D1F5922A2}" destId="{A8BC5568-F517-46FB-9568-FE10E35F3295}" srcOrd="1" destOrd="0" parTransId="{527DA5A5-9250-49A3-8C02-BD46F0E90169}" sibTransId="{1E19422E-B7BB-4C93-8548-E72CEB33751F}"/>
-    <dgm:cxn modelId="{6DBEB511-A4F6-4AEC-844A-D0C7946A2373}" type="presOf" srcId="{B3E38C28-2203-4DB9-BEDC-5A72592E4D0D}" destId="{751C27BC-DFB8-42EF-807A-11E469FB6070}" srcOrd="0" destOrd="0" presId="urn:microsoft.com/office/officeart/2005/8/layout/vList2"/>
     <dgm:cxn modelId="{B0D9F4AB-1918-4630-B2D6-5D1CF0451DB3}" srcId="{184218A4-3CDE-4A89-A089-BB3D1F5922A2}" destId="{E3868FB3-791D-4BF3-BB9D-6C2657147176}" srcOrd="2" destOrd="0" parTransId="{14863251-8A94-446A-A793-F24054B91CD2}" sibTransId="{11BE71A5-BB55-48D4-BF8E-E0E8895B8D44}"/>
     <dgm:cxn modelId="{FA26E7AC-2ADF-4AE8-9EBF-2031560A3044}" type="presOf" srcId="{E3868FB3-791D-4BF3-BB9D-6C2657147176}" destId="{D2470C60-FB68-49D2-AA3D-9CA7BEDF5AD3}" srcOrd="0" destOrd="0" presId="urn:microsoft.com/office/officeart/2005/8/layout/vList2"/>
     <dgm:cxn modelId="{3406965D-C40E-45D3-B070-95BC7BB8EA35}" type="presParOf" srcId="{4565BA22-F3B7-4386-A5EE-960800158D5C}" destId="{751C27BC-DFB8-42EF-807A-11E469FB6070}" srcOrd="0" destOrd="0" presId="urn:microsoft.com/office/officeart/2005/8/layout/vList2"/>
@@ -4454,7 +4314,7 @@
         </a:bodyPr>
         <a:lstStyle/>
         <a:p>
-          <a:pPr lvl="0" algn="l" defTabSz="1111250">
+          <a:pPr marL="0" lvl="0" indent="0" algn="l" defTabSz="1111250">
             <a:lnSpc>
               <a:spcPct val="90000"/>
             </a:lnSpc>
@@ -4464,6 +4324,7 @@
             <a:spcAft>
               <a:spcPct val="35000"/>
             </a:spcAft>
+            <a:buNone/>
           </a:pPr>
           <a:r>
             <a:rPr lang="en-US" sz="2500" kern="1200"/>
@@ -4559,7 +4420,7 @@
         </a:bodyPr>
         <a:lstStyle/>
         <a:p>
-          <a:pPr lvl="0" algn="l" defTabSz="1111250">
+          <a:pPr marL="0" lvl="0" indent="0" algn="l" defTabSz="1111250">
             <a:lnSpc>
               <a:spcPct val="90000"/>
             </a:lnSpc>
@@ -4569,6 +4430,7 @@
             <a:spcAft>
               <a:spcPct val="35000"/>
             </a:spcAft>
+            <a:buNone/>
           </a:pPr>
           <a:r>
             <a:rPr lang="en-US" sz="2500" kern="1200"/>
@@ -4664,7 +4526,7 @@
         </a:bodyPr>
         <a:lstStyle/>
         <a:p>
-          <a:pPr lvl="0" algn="l" defTabSz="1111250">
+          <a:pPr marL="0" lvl="0" indent="0" algn="l" defTabSz="1111250">
             <a:lnSpc>
               <a:spcPct val="90000"/>
             </a:lnSpc>
@@ -4674,6 +4536,7 @@
             <a:spcAft>
               <a:spcPct val="35000"/>
             </a:spcAft>
+            <a:buNone/>
           </a:pPr>
           <a:r>
             <a:rPr lang="en-US" sz="2500" kern="1200"/>
@@ -4769,7 +4632,7 @@
         </a:bodyPr>
         <a:lstStyle/>
         <a:p>
-          <a:pPr lvl="0" algn="l" defTabSz="1111250">
+          <a:pPr marL="0" lvl="0" indent="0" algn="l" defTabSz="1111250">
             <a:lnSpc>
               <a:spcPct val="90000"/>
             </a:lnSpc>
@@ -4779,6 +4642,7 @@
             <a:spcAft>
               <a:spcPct val="35000"/>
             </a:spcAft>
+            <a:buNone/>
           </a:pPr>
           <a:r>
             <a:rPr lang="en-US" sz="2500" kern="1200"/>
@@ -4874,7 +4738,7 @@
         </a:bodyPr>
         <a:lstStyle/>
         <a:p>
-          <a:pPr lvl="0" algn="l" defTabSz="1111250">
+          <a:pPr marL="0" lvl="0" indent="0" algn="l" defTabSz="1111250">
             <a:lnSpc>
               <a:spcPct val="90000"/>
             </a:lnSpc>
@@ -4884,6 +4748,7 @@
             <a:spcAft>
               <a:spcPct val="35000"/>
             </a:spcAft>
+            <a:buNone/>
           </a:pPr>
           <a:r>
             <a:rPr lang="en-US" sz="2500" kern="1200"/>
@@ -4979,7 +4844,7 @@
         </a:bodyPr>
         <a:lstStyle/>
         <a:p>
-          <a:pPr lvl="0" algn="l" defTabSz="1111250">
+          <a:pPr marL="0" lvl="0" indent="0" algn="l" defTabSz="1111250">
             <a:lnSpc>
               <a:spcPct val="90000"/>
             </a:lnSpc>
@@ -4989,6 +4854,7 @@
             <a:spcAft>
               <a:spcPct val="35000"/>
             </a:spcAft>
+            <a:buNone/>
           </a:pPr>
           <a:r>
             <a:rPr lang="en-US" sz="2500" kern="1200"/>
@@ -5070,7 +4936,7 @@
         </a:bodyPr>
         <a:lstStyle/>
         <a:p>
-          <a:pPr lvl="0" algn="l" defTabSz="711200">
+          <a:pPr marL="0" lvl="0" indent="0" algn="l" defTabSz="711200">
             <a:lnSpc>
               <a:spcPct val="90000"/>
             </a:lnSpc>
@@ -5080,19 +4946,19 @@
             <a:spcAft>
               <a:spcPct val="35000"/>
             </a:spcAft>
+            <a:buNone/>
           </a:pPr>
           <a:r>
-            <a:rPr lang="en-US" altLang="zh-CN" sz="1600" kern="1200" dirty="0" smtClean="0"/>
+            <a:rPr lang="en-US" altLang="zh-CN" sz="1600" kern="1200" dirty="0"/>
             <a:t>Re</a:t>
           </a:r>
           <a:r>
-            <a:rPr lang="en-US" sz="1600" kern="1200" dirty="0" smtClean="0"/>
+            <a:rPr lang="en-US" sz="1600" kern="1200" dirty="0"/>
             <a:t>scale</a:t>
           </a:r>
-          <a:endParaRPr lang="en-US" sz="1600" kern="1200" dirty="0"/>
         </a:p>
         <a:p>
-          <a:pPr lvl="0" algn="l" defTabSz="711200">
+          <a:pPr marL="0" lvl="0" indent="0" algn="l" defTabSz="711200">
             <a:lnSpc>
               <a:spcPct val="90000"/>
             </a:lnSpc>
@@ -5102,14 +4968,11 @@
             <a:spcAft>
               <a:spcPct val="35000"/>
             </a:spcAft>
+            <a:buNone/>
           </a:pPr>
           <a:r>
-            <a:rPr lang="en-US" sz="1600" kern="1200" dirty="0" smtClean="0"/>
-            <a:t>150</a:t>
-          </a:r>
-          <a:r>
             <a:rPr lang="en-US" sz="1600" kern="1200" dirty="0"/>
-            <a:t>*150</a:t>
+            <a:t>150*150</a:t>
           </a:r>
         </a:p>
       </dsp:txBody>
@@ -5209,7 +5072,7 @@
         </a:bodyPr>
         <a:lstStyle/>
         <a:p>
-          <a:pPr lvl="0" algn="ctr" defTabSz="2044700">
+          <a:pPr marL="0" lvl="0" indent="0" algn="ctr" defTabSz="2044700">
             <a:lnSpc>
               <a:spcPct val="90000"/>
             </a:lnSpc>
@@ -5219,6 +5082,7 @@
             <a:spcAft>
               <a:spcPct val="35000"/>
             </a:spcAft>
+            <a:buNone/>
           </a:pPr>
           <a:r>
             <a:rPr lang="en-US" sz="4600" kern="1200"/>
@@ -5334,7 +5198,7 @@
           <a:schemeClr val="accent2">
             <a:tint val="40000"/>
             <a:alpha val="90000"/>
-            <a:hueOff val="-849227"/>
+            <a:hueOff val="-849226"/>
             <a:satOff val="-75346"/>
             <a:lumOff val="-769"/>
             <a:alphaOff val="0"/>
@@ -5345,7 +5209,7 @@
             <a:schemeClr val="accent2">
               <a:tint val="40000"/>
               <a:alpha val="90000"/>
-              <a:hueOff val="-849227"/>
+              <a:hueOff val="-849226"/>
               <a:satOff val="-75346"/>
               <a:lumOff val="-769"/>
               <a:alphaOff val="0"/>
@@ -5374,7 +5238,7 @@
         </a:bodyPr>
         <a:lstStyle/>
         <a:p>
-          <a:pPr lvl="0" algn="l" defTabSz="711200">
+          <a:pPr marL="0" lvl="0" indent="0" algn="l" defTabSz="711200">
             <a:lnSpc>
               <a:spcPct val="90000"/>
             </a:lnSpc>
@@ -5384,6 +5248,7 @@
             <a:spcAft>
               <a:spcPct val="35000"/>
             </a:spcAft>
+            <a:buNone/>
           </a:pPr>
           <a:r>
             <a:rPr lang="en-US" sz="1600" kern="1200" dirty="0"/>
@@ -5391,7 +5256,7 @@
           </a:r>
         </a:p>
         <a:p>
-          <a:pPr lvl="0" algn="l" defTabSz="711200">
+          <a:pPr marL="0" lvl="0" indent="0" algn="l" defTabSz="711200">
             <a:lnSpc>
               <a:spcPct val="90000"/>
             </a:lnSpc>
@@ -5401,6 +5266,7 @@
             <a:spcAft>
               <a:spcPct val="35000"/>
             </a:spcAft>
+            <a:buNone/>
           </a:pPr>
           <a:r>
             <a:rPr lang="en-US" sz="1600" kern="1200" dirty="0"/>
@@ -5408,7 +5274,7 @@
           </a:r>
         </a:p>
         <a:p>
-          <a:pPr lvl="0" algn="l" defTabSz="711200">
+          <a:pPr marL="0" lvl="0" indent="0" algn="l" defTabSz="711200">
             <a:lnSpc>
               <a:spcPct val="90000"/>
             </a:lnSpc>
@@ -5418,6 +5284,7 @@
             <a:spcAft>
               <a:spcPct val="35000"/>
             </a:spcAft>
+            <a:buNone/>
           </a:pPr>
           <a:r>
             <a:rPr lang="en-US" sz="1600" kern="1200" dirty="0"/>
@@ -5521,7 +5388,7 @@
         </a:bodyPr>
         <a:lstStyle/>
         <a:p>
-          <a:pPr lvl="0" algn="ctr" defTabSz="2044700">
+          <a:pPr marL="0" lvl="0" indent="0" algn="ctr" defTabSz="2044700">
             <a:lnSpc>
               <a:spcPct val="90000"/>
             </a:lnSpc>
@@ -5531,6 +5398,7 @@
             <a:spcAft>
               <a:spcPct val="35000"/>
             </a:spcAft>
+            <a:buNone/>
           </a:pPr>
           <a:r>
             <a:rPr lang="en-US" sz="4600" kern="1200"/>
@@ -5698,7 +5566,7 @@
         </a:bodyPr>
         <a:lstStyle/>
         <a:p>
-          <a:pPr lvl="0" algn="ctr" defTabSz="1200150">
+          <a:pPr marL="0" lvl="0" indent="0" algn="ctr" defTabSz="1200150">
             <a:lnSpc>
               <a:spcPct val="90000"/>
             </a:lnSpc>
@@ -5708,6 +5576,7 @@
             <a:spcAft>
               <a:spcPct val="35000"/>
             </a:spcAft>
+            <a:buNone/>
           </a:pPr>
           <a:r>
             <a:rPr lang="en-US" sz="2700" kern="1200" dirty="0"/>
@@ -5777,7 +5646,7 @@
         </a:bodyPr>
         <a:lstStyle/>
         <a:p>
-          <a:pPr lvl="0" algn="l" defTabSz="1066800">
+          <a:pPr marL="0" lvl="0" indent="0" algn="l" defTabSz="1066800">
             <a:lnSpc>
               <a:spcPct val="90000"/>
             </a:lnSpc>
@@ -5787,11 +5656,12 @@
             <a:spcAft>
               <a:spcPct val="35000"/>
             </a:spcAft>
+            <a:buNone/>
           </a:pPr>
           <a:endParaRPr lang="en-US" sz="2400" kern="1200" dirty="0"/>
         </a:p>
         <a:p>
-          <a:pPr lvl="0" algn="l" defTabSz="1066800">
+          <a:pPr marL="0" lvl="0" indent="0" algn="l" defTabSz="1066800">
             <a:lnSpc>
               <a:spcPct val="90000"/>
             </a:lnSpc>
@@ -5801,11 +5671,12 @@
             <a:spcAft>
               <a:spcPct val="35000"/>
             </a:spcAft>
+            <a:buNone/>
           </a:pPr>
           <a:endParaRPr lang="en-US" sz="2400" kern="1200" dirty="0"/>
         </a:p>
         <a:p>
-          <a:pPr lvl="0" algn="l" defTabSz="1066800">
+          <a:pPr marL="0" lvl="0" indent="0" algn="l" defTabSz="1066800">
             <a:lnSpc>
               <a:spcPct val="90000"/>
             </a:lnSpc>
@@ -5815,6 +5686,7 @@
             <a:spcAft>
               <a:spcPct val="35000"/>
             </a:spcAft>
+            <a:buNone/>
           </a:pPr>
           <a:r>
             <a:rPr lang="en-US" sz="2400" kern="1200" dirty="0"/>
@@ -5832,7 +5704,7 @@
             <a:spcAft>
               <a:spcPct val="15000"/>
             </a:spcAft>
-            <a:buChar char="••"/>
+            <a:buChar char="•"/>
           </a:pPr>
           <a:r>
             <a:rPr lang="en-US" sz="1700" kern="1200" dirty="0"/>
@@ -5850,7 +5722,7 @@
             <a:spcAft>
               <a:spcPct val="15000"/>
             </a:spcAft>
-            <a:buChar char="••"/>
+            <a:buChar char="•"/>
           </a:pPr>
           <a:r>
             <a:rPr lang="en-US" sz="1700" kern="1200" dirty="0"/>
@@ -5868,7 +5740,7 @@
             <a:spcAft>
               <a:spcPct val="15000"/>
             </a:spcAft>
-            <a:buChar char="••"/>
+            <a:buChar char="•"/>
           </a:pPr>
           <a:r>
             <a:rPr lang="en-US" sz="1700" kern="1200" dirty="0"/>
@@ -5948,7 +5820,7 @@
         </a:bodyPr>
         <a:lstStyle/>
         <a:p>
-          <a:pPr lvl="0" algn="l" defTabSz="2178050">
+          <a:pPr marL="0" lvl="0" indent="0" algn="l" defTabSz="2178050">
             <a:lnSpc>
               <a:spcPct val="90000"/>
             </a:lnSpc>
@@ -5958,17 +5830,18 @@
             <a:spcAft>
               <a:spcPct val="35000"/>
             </a:spcAft>
+            <a:buNone/>
           </a:pPr>
           <a:r>
-            <a:rPr lang="en-US" altLang="zh-CN" sz="4900" kern="1200" dirty="0" smtClean="0"/>
+            <a:rPr lang="en-US" altLang="zh-CN" sz="4900" kern="1200" dirty="0"/>
             <a:t>Linear</a:t>
           </a:r>
           <a:r>
-            <a:rPr lang="zh-CN" altLang="en-US" sz="4900" kern="1200" dirty="0" smtClean="0"/>
+            <a:rPr lang="zh-CN" altLang="en-US" sz="4900" kern="1200" dirty="0"/>
             <a:t> </a:t>
           </a:r>
           <a:r>
-            <a:rPr lang="en-US" altLang="zh-CN" sz="4900" kern="1200" dirty="0" smtClean="0"/>
+            <a:rPr lang="en-US" altLang="zh-CN" sz="4900" kern="1200" dirty="0"/>
             <a:t>Filter</a:t>
           </a:r>
           <a:endParaRPr lang="en-US" sz="4900" kern="1200" dirty="0"/>
@@ -6034,7 +5907,7 @@
         </a:bodyPr>
         <a:lstStyle/>
         <a:p>
-          <a:pPr lvl="0" algn="l" defTabSz="2178050">
+          <a:pPr marL="0" lvl="0" indent="0" algn="l" defTabSz="2178050">
             <a:lnSpc>
               <a:spcPct val="90000"/>
             </a:lnSpc>
@@ -6044,21 +5917,22 @@
             <a:spcAft>
               <a:spcPct val="35000"/>
             </a:spcAft>
+            <a:buNone/>
           </a:pPr>
           <a:r>
-            <a:rPr lang="en-US" altLang="zh-CN" sz="4900" kern="1200" dirty="0" smtClean="0"/>
+            <a:rPr lang="en-US" altLang="zh-CN" sz="4900" kern="1200" dirty="0"/>
             <a:t>Loss</a:t>
           </a:r>
           <a:r>
-            <a:rPr lang="zh-CN" altLang="en-US" sz="4900" kern="1200" dirty="0" smtClean="0"/>
+            <a:rPr lang="zh-CN" altLang="en-US" sz="4900" kern="1200" dirty="0"/>
             <a:t> </a:t>
           </a:r>
           <a:r>
-            <a:rPr lang="en-US" altLang="zh-CN" sz="4900" kern="1200" dirty="0" smtClean="0"/>
+            <a:rPr lang="en-US" altLang="zh-CN" sz="4900" kern="1200" dirty="0"/>
             <a:t>Function</a:t>
           </a:r>
           <a:r>
-            <a:rPr lang="zh-CN" altLang="en-US" sz="4900" kern="1200" dirty="0" smtClean="0"/>
+            <a:rPr lang="zh-CN" altLang="en-US" sz="4900" kern="1200" dirty="0"/>
             <a:t>  </a:t>
           </a:r>
           <a:endParaRPr lang="en-US" sz="4900" kern="1200" dirty="0"/>
@@ -6124,7 +5998,7 @@
         </a:bodyPr>
         <a:lstStyle/>
         <a:p>
-          <a:pPr lvl="0" algn="l" defTabSz="2178050">
+          <a:pPr marL="0" lvl="0" indent="0" algn="l" defTabSz="2178050">
             <a:lnSpc>
               <a:spcPct val="90000"/>
             </a:lnSpc>
@@ -6134,17 +6008,18 @@
             <a:spcAft>
               <a:spcPct val="35000"/>
             </a:spcAft>
+            <a:buNone/>
           </a:pPr>
           <a:r>
-            <a:rPr lang="en-US" altLang="zh-CN" sz="4900" kern="1200" dirty="0" smtClean="0"/>
+            <a:rPr lang="en-US" altLang="zh-CN" sz="4900" kern="1200" dirty="0"/>
             <a:t>Cross</a:t>
           </a:r>
           <a:r>
-            <a:rPr lang="zh-CN" altLang="en-US" sz="4900" kern="1200" dirty="0" smtClean="0"/>
+            <a:rPr lang="zh-CN" altLang="en-US" sz="4900" kern="1200" dirty="0"/>
             <a:t> </a:t>
           </a:r>
           <a:r>
-            <a:rPr lang="en-US" altLang="zh-CN" sz="4900" kern="1200" dirty="0" smtClean="0"/>
+            <a:rPr lang="en-US" altLang="zh-CN" sz="4900" kern="1200" dirty="0"/>
             <a:t>Validation</a:t>
           </a:r>
           <a:endParaRPr lang="en-US" sz="4900" kern="1200" dirty="0"/>
@@ -6591,7 +6466,7 @@
   </dgm:layoutNode>
   <dgm:extLst>
     <a:ext uri="{4F341089-5ED1-44EC-B178-C955D00A3D55}">
-      <dgm1611:autoBuNodeInfoLst xmlns:dgm1611="http://schemas.microsoft.com/office/drawing/2016/11/diagram" xmlns="">
+      <dgm1611:autoBuNodeInfoLst xmlns:dgm1611="http://schemas.microsoft.com/office/drawing/2016/11/diagram">
         <dgm1611:autoBuNodeInfo lvl="1" ptType="sibTrans">
           <dgm1611:buPr prefix="" leadZeros="0">
             <a:buAutoNum type="arabicParenBoth"/>
@@ -11286,7 +11161,7 @@
           <a:p>
             <a:fld id="{1402B515-D088-41AA-ACF5-3740860FCF78}" type="datetimeFigureOut">
               <a:rPr lang="zh-CN" altLang="en-US" smtClean="0"/>
-              <a:t>18-11-7</a:t>
+              <a:t>2018/11/28</a:t>
             </a:fld>
             <a:endParaRPr lang="zh-CN" altLang="en-US"/>
           </a:p>
@@ -11635,7 +11510,7 @@
           <a:p>
             <a:fld id="{63F0F76F-C6F0-45EE-863E-751CA698C037}" type="slidenum">
               <a:rPr lang="zh-CN" altLang="en-US" smtClean="0"/>
-              <a:t>16</a:t>
+              <a:t>17</a:t>
             </a:fld>
             <a:endParaRPr lang="zh-CN" altLang="en-US"/>
           </a:p>
@@ -11785,7 +11660,7 @@
           <a:p>
             <a:fld id="{AA6BFAB8-3DC2-400E-A51B-479A22733A02}" type="datetime1">
               <a:rPr lang="zh-CN" altLang="en-US" smtClean="0"/>
-              <a:t>18-11-7</a:t>
+              <a:t>2018/11/28</a:t>
             </a:fld>
             <a:endParaRPr lang="zh-CN" altLang="en-US"/>
           </a:p>
@@ -11843,7 +11718,7 @@
   <p:clrMapOvr>
     <a:masterClrMapping/>
   </p:clrMapOvr>
-  <p:transition xmlns:p14="http://schemas.microsoft.com/office/powerpoint/2010/main">
+  <p:transition>
     <p:fade/>
   </p:transition>
 </p:sldLayout>
@@ -11958,7 +11833,7 @@
           <a:p>
             <a:fld id="{25767A12-586F-4141-AF83-250E15C62D76}" type="datetime1">
               <a:rPr lang="zh-CN" altLang="en-US" smtClean="0"/>
-              <a:t>18-11-7</a:t>
+              <a:t>2018/11/28</a:t>
             </a:fld>
             <a:endParaRPr lang="zh-CN" altLang="en-US"/>
           </a:p>
@@ -12016,7 +11891,7 @@
   <p:clrMapOvr>
     <a:masterClrMapping/>
   </p:clrMapOvr>
-  <p:transition xmlns:p14="http://schemas.microsoft.com/office/powerpoint/2010/main">
+  <p:transition>
     <p:fade/>
   </p:transition>
 </p:sldLayout>
@@ -12141,7 +12016,7 @@
           <a:p>
             <a:fld id="{701C502B-BA8D-45A4-8B8D-2C26E7FA1B86}" type="datetime1">
               <a:rPr lang="zh-CN" altLang="en-US" smtClean="0"/>
-              <a:t>18-11-7</a:t>
+              <a:t>2018/11/28</a:t>
             </a:fld>
             <a:endParaRPr lang="zh-CN" altLang="en-US"/>
           </a:p>
@@ -12199,7 +12074,7 @@
   <p:clrMapOvr>
     <a:masterClrMapping/>
   </p:clrMapOvr>
-  <p:transition xmlns:p14="http://schemas.microsoft.com/office/powerpoint/2010/main">
+  <p:transition>
     <p:fade/>
   </p:transition>
 </p:sldLayout>
@@ -12314,7 +12189,7 @@
           <a:p>
             <a:fld id="{6EFB5CA1-7C64-417E-8DEB-5C886B201CB1}" type="datetime1">
               <a:rPr lang="zh-CN" altLang="en-US" smtClean="0"/>
-              <a:t>18-11-7</a:t>
+              <a:t>2018/11/28</a:t>
             </a:fld>
             <a:endParaRPr lang="zh-CN" altLang="en-US"/>
           </a:p>
@@ -12372,7 +12247,7 @@
   <p:clrMapOvr>
     <a:masterClrMapping/>
   </p:clrMapOvr>
-  <p:transition xmlns:p14="http://schemas.microsoft.com/office/powerpoint/2010/main">
+  <p:transition>
     <p:fade/>
   </p:transition>
 </p:sldLayout>
@@ -12561,7 +12436,7 @@
           <a:p>
             <a:fld id="{965904D6-85F9-475F-AA4B-93805A92AB90}" type="datetime1">
               <a:rPr lang="zh-CN" altLang="en-US" smtClean="0"/>
-              <a:t>18-11-7</a:t>
+              <a:t>2018/11/28</a:t>
             </a:fld>
             <a:endParaRPr lang="zh-CN" altLang="en-US"/>
           </a:p>
@@ -12619,7 +12494,7 @@
   <p:clrMapOvr>
     <a:masterClrMapping/>
   </p:clrMapOvr>
-  <p:transition xmlns:p14="http://schemas.microsoft.com/office/powerpoint/2010/main">
+  <p:transition>
     <p:fade/>
   </p:transition>
 </p:sldLayout>
@@ -12796,7 +12671,7 @@
           <a:p>
             <a:fld id="{E4EAC7B2-558E-4673-B837-04F537A7BCFE}" type="datetime1">
               <a:rPr lang="zh-CN" altLang="en-US" smtClean="0"/>
-              <a:t>18-11-7</a:t>
+              <a:t>2018/11/28</a:t>
             </a:fld>
             <a:endParaRPr lang="zh-CN" altLang="en-US"/>
           </a:p>
@@ -12854,7 +12729,7 @@
   <p:clrMapOvr>
     <a:masterClrMapping/>
   </p:clrMapOvr>
-  <p:transition xmlns:p14="http://schemas.microsoft.com/office/powerpoint/2010/main">
+  <p:transition>
     <p:fade/>
   </p:transition>
 </p:sldLayout>
@@ -13166,7 +13041,7 @@
           <a:p>
             <a:fld id="{6730C70C-AE5F-4D08-8839-9ED1B59F8E16}" type="datetime1">
               <a:rPr lang="zh-CN" altLang="en-US" smtClean="0"/>
-              <a:t>18-11-7</a:t>
+              <a:t>2018/11/28</a:t>
             </a:fld>
             <a:endParaRPr lang="zh-CN" altLang="en-US"/>
           </a:p>
@@ -13224,7 +13099,7 @@
   <p:clrMapOvr>
     <a:masterClrMapping/>
   </p:clrMapOvr>
-  <p:transition xmlns:p14="http://schemas.microsoft.com/office/powerpoint/2010/main">
+  <p:transition>
     <p:fade/>
   </p:transition>
 </p:sldLayout>
@@ -13287,7 +13162,7 @@
           <a:p>
             <a:fld id="{5E4C5CD7-041C-4700-A752-E77666D72F17}" type="datetime1">
               <a:rPr lang="zh-CN" altLang="en-US" smtClean="0"/>
-              <a:t>18-11-7</a:t>
+              <a:t>2018/11/28</a:t>
             </a:fld>
             <a:endParaRPr lang="zh-CN" altLang="en-US"/>
           </a:p>
@@ -13345,7 +13220,7 @@
   <p:clrMapOvr>
     <a:masterClrMapping/>
   </p:clrMapOvr>
-  <p:transition xmlns:p14="http://schemas.microsoft.com/office/powerpoint/2010/main">
+  <p:transition>
     <p:fade/>
   </p:transition>
 </p:sldLayout>
@@ -13385,7 +13260,7 @@
           <a:p>
             <a:fld id="{D43A3DFE-D0F5-4289-9DDA-F80DE3896C59}" type="datetime1">
               <a:rPr lang="zh-CN" altLang="en-US" smtClean="0"/>
-              <a:t>18-11-7</a:t>
+              <a:t>2018/11/28</a:t>
             </a:fld>
             <a:endParaRPr lang="zh-CN" altLang="en-US"/>
           </a:p>
@@ -13443,7 +13318,7 @@
   <p:clrMapOvr>
     <a:masterClrMapping/>
   </p:clrMapOvr>
-  <p:transition xmlns:p14="http://schemas.microsoft.com/office/powerpoint/2010/main">
+  <p:transition>
     <p:fade/>
   </p:transition>
 </p:sldLayout>
@@ -13665,7 +13540,7 @@
           <a:p>
             <a:fld id="{333E77D9-D7E1-4EC4-85EC-96BC498490F4}" type="datetime1">
               <a:rPr lang="zh-CN" altLang="en-US" smtClean="0"/>
-              <a:t>18-11-7</a:t>
+              <a:t>2018/11/28</a:t>
             </a:fld>
             <a:endParaRPr lang="zh-CN" altLang="en-US"/>
           </a:p>
@@ -13723,7 +13598,7 @@
   <p:clrMapOvr>
     <a:masterClrMapping/>
   </p:clrMapOvr>
-  <p:transition xmlns:p14="http://schemas.microsoft.com/office/powerpoint/2010/main">
+  <p:transition>
     <p:fade/>
   </p:transition>
 </p:sldLayout>
@@ -13925,7 +13800,7 @@
           <a:p>
             <a:fld id="{7044EF51-554C-424A-87D7-D012EBBDA00A}" type="datetime1">
               <a:rPr lang="zh-CN" altLang="en-US" smtClean="0"/>
-              <a:t>18-11-7</a:t>
+              <a:t>2018/11/28</a:t>
             </a:fld>
             <a:endParaRPr lang="zh-CN" altLang="en-US"/>
           </a:p>
@@ -13983,7 +13858,7 @@
   <p:clrMapOvr>
     <a:masterClrMapping/>
   </p:clrMapOvr>
-  <p:transition xmlns:p14="http://schemas.microsoft.com/office/powerpoint/2010/main">
+  <p:transition>
     <p:fade/>
   </p:transition>
 </p:sldLayout>
@@ -14141,7 +14016,7 @@
           <a:p>
             <a:fld id="{5A902FED-9274-4041-AF32-4A74A553611F}" type="datetime1">
               <a:rPr lang="zh-CN" altLang="en-US" smtClean="0"/>
-              <a:t>18-11-7</a:t>
+              <a:t>2018/11/28</a:t>
             </a:fld>
             <a:endParaRPr lang="zh-CN" altLang="en-US"/>
           </a:p>
@@ -14246,7 +14121,7 @@
     <p:sldLayoutId id="2147483670" r:id="rId10"/>
     <p:sldLayoutId id="2147483671" r:id="rId11"/>
   </p:sldLayoutIdLst>
-  <p:transition xmlns:p14="http://schemas.microsoft.com/office/powerpoint/2010/main">
+  <p:transition>
     <p:fade/>
   </p:transition>
   <p:hf hdr="0" ftr="0" dt="0"/>
@@ -14563,10 +14438,10 @@
           <p:cNvPr id="8" name="Rectangle 7">
             <a:extLst>
               <a:ext uri="{FF2B5EF4-FFF2-40B4-BE49-F238E27FC236}">
-                <a16:creationId xmlns:a16="http://schemas.microsoft.com/office/drawing/2014/main" xmlns="" id="{2A8AA5BC-4F7A-4226-8F99-6D824B226A97}"/>
+                <a16:creationId xmlns:a16="http://schemas.microsoft.com/office/drawing/2014/main" id="{2A8AA5BC-4F7A-4226-8F99-6D824B226A97}"/>
               </a:ext>
               <a:ext uri="{C183D7F6-B498-43B3-948B-1728B52AA6E4}">
-                <adec:decorative xmlns:adec="http://schemas.microsoft.com/office/drawing/2017/decorative" xmlns="" val="1"/>
+                <adec:decorative xmlns:adec="http://schemas.microsoft.com/office/drawing/2017/decorative" val="1"/>
               </a:ext>
             </a:extLst>
           </p:cNvPr>
@@ -14576,7 +14451,7 @@
           <p:nvPr>
             <p:extLst>
               <p:ext uri="{386F3935-93C4-4BCD-93E2-E3B085C9AB24}">
-                <p16:designElem xmlns:p16="http://schemas.microsoft.com/office/powerpoint/2015/main" xmlns="" val="1"/>
+                <p16:designElem xmlns:p16="http://schemas.microsoft.com/office/powerpoint/2015/main" val="1"/>
               </p:ext>
             </p:extLst>
           </p:nvPr>
@@ -14626,10 +14501,10 @@
           <p:cNvPr id="10" name="Rectangle 9">
             <a:extLst>
               <a:ext uri="{FF2B5EF4-FFF2-40B4-BE49-F238E27FC236}">
-                <a16:creationId xmlns:a16="http://schemas.microsoft.com/office/drawing/2014/main" xmlns="" id="{3E5445C6-DD42-4979-86FF-03730E8C6DB0}"/>
+                <a16:creationId xmlns:a16="http://schemas.microsoft.com/office/drawing/2014/main" id="{3E5445C6-DD42-4979-86FF-03730E8C6DB0}"/>
               </a:ext>
               <a:ext uri="{C183D7F6-B498-43B3-948B-1728B52AA6E4}">
-                <adec:decorative xmlns:adec="http://schemas.microsoft.com/office/drawing/2017/decorative" xmlns="" val="1"/>
+                <adec:decorative xmlns:adec="http://schemas.microsoft.com/office/drawing/2017/decorative" val="1"/>
               </a:ext>
             </a:extLst>
           </p:cNvPr>
@@ -14639,7 +14514,7 @@
           <p:nvPr>
             <p:extLst>
               <p:ext uri="{386F3935-93C4-4BCD-93E2-E3B085C9AB24}">
-                <p16:designElem xmlns:p16="http://schemas.microsoft.com/office/powerpoint/2015/main" xmlns="" val="1"/>
+                <p16:designElem xmlns:p16="http://schemas.microsoft.com/office/powerpoint/2015/main" val="1"/>
               </p:ext>
             </p:extLst>
           </p:nvPr>
@@ -14697,7 +14572,7 @@
           <p:cNvPr id="2" name="标题 1">
             <a:extLst>
               <a:ext uri="{FF2B5EF4-FFF2-40B4-BE49-F238E27FC236}">
-                <a16:creationId xmlns:a16="http://schemas.microsoft.com/office/drawing/2014/main" xmlns="" id="{02120F2A-825C-42D6-A22C-28D17258FBC9}"/>
+                <a16:creationId xmlns:a16="http://schemas.microsoft.com/office/drawing/2014/main" id="{02120F2A-825C-42D6-A22C-28D17258FBC9}"/>
               </a:ext>
             </a:extLst>
           </p:cNvPr>
@@ -14721,66 +14596,62 @@
           <a:lstStyle/>
           <a:p>
             <a:r>
-              <a:rPr lang="en-US" altLang="zh-CN" sz="5000" dirty="0" smtClean="0"/>
+              <a:rPr lang="en-US" altLang="zh-CN" sz="5000" dirty="0"/>
               <a:t>Predictive</a:t>
             </a:r>
             <a:r>
-              <a:rPr lang="zh-CN" altLang="en-US" sz="5000" dirty="0" smtClean="0"/>
+              <a:rPr lang="zh-CN" altLang="en-US" sz="5000" dirty="0"/>
               <a:t> </a:t>
             </a:r>
             <a:r>
-              <a:rPr lang="en-US" altLang="zh-CN" sz="5000" dirty="0" smtClean="0"/>
+              <a:rPr lang="en-US" altLang="zh-CN" sz="5000" dirty="0"/>
               <a:t>Modeling</a:t>
             </a:r>
             <a:r>
-              <a:rPr lang="zh-CN" altLang="en-US" sz="5000" dirty="0" smtClean="0"/>
+              <a:rPr lang="zh-CN" altLang="en-US" sz="5000" dirty="0"/>
               <a:t> </a:t>
             </a:r>
             <a:r>
-              <a:rPr lang="en-US" altLang="zh-CN" sz="5000" dirty="0" smtClean="0"/>
+              <a:rPr lang="en-US" altLang="zh-CN" sz="5000" dirty="0"/>
               <a:t>–</a:t>
             </a:r>
             <a:r>
-              <a:rPr lang="zh-CN" altLang="en-US" sz="5000" dirty="0" smtClean="0"/>
+              <a:rPr lang="zh-CN" altLang="en-US" sz="5000" dirty="0"/>
               <a:t> </a:t>
             </a:r>
             <a:r>
-              <a:rPr lang="en-US" altLang="zh-CN" sz="5000" dirty="0" smtClean="0"/>
+              <a:rPr lang="en-US" altLang="zh-CN" sz="5000" dirty="0"/>
               <a:t>CNN</a:t>
             </a:r>
             <a:r>
-              <a:rPr lang="zh-CN" altLang="en-US" sz="5000" dirty="0" smtClean="0"/>
+              <a:rPr lang="zh-CN" altLang="en-US" sz="5000" dirty="0"/>
               <a:t> </a:t>
             </a:r>
             <a:r>
-              <a:rPr lang="en-US" altLang="zh-CN" sz="5000" dirty="0" smtClean="0"/>
+              <a:rPr lang="en-US" altLang="zh-CN" sz="5000" dirty="0"/>
               <a:t>Practice</a:t>
             </a:r>
             <a:r>
-              <a:rPr lang="zh-CN" altLang="en-US" sz="5000" dirty="0" smtClean="0"/>
+              <a:rPr lang="zh-CN" altLang="en-US" sz="5000" dirty="0"/>
               <a:t> </a:t>
             </a:r>
-            <a:r>
-              <a:rPr lang="en-US" altLang="zh-CN" sz="5000" dirty="0" smtClean="0"/>
-              <a:t/>
-            </a:r>
             <a:br>
-              <a:rPr lang="en-US" altLang="zh-CN" sz="5000" dirty="0" smtClean="0"/>
+              <a:rPr lang="en-US" altLang="zh-CN" sz="5000" dirty="0"/>
             </a:br>
             <a:r>
-              <a:rPr lang="en-US" altLang="zh-CN" sz="3200" dirty="0" smtClean="0"/>
+              <a:rPr lang="en-US" altLang="zh-CN" sz="3200" dirty="0"/>
               <a:t>by</a:t>
             </a:r>
             <a:r>
-              <a:rPr lang="zh-CN" altLang="en-US" sz="3200" dirty="0" smtClean="0"/>
+              <a:rPr lang="zh-CN" altLang="en-US" sz="3200" dirty="0"/>
               <a:t> </a:t>
             </a:r>
             <a:r>
-              <a:rPr lang="en-US" altLang="zh-CN" sz="3200" dirty="0" smtClean="0"/>
+              <a:rPr lang="en-US" altLang="zh-CN" sz="3200" dirty="0"/>
               <a:t>Group</a:t>
             </a:r>
             <a:r>
-              <a:rPr lang="zh-CN" altLang="en-US" sz="3200" dirty="0" smtClean="0"/>
+              <a:rPr lang="zh-CN" altLang="en-US" sz="3200" dirty="0"/>
               <a:t> </a:t>
             </a:r>
             <a:r>
@@ -14796,7 +14667,7 @@
           <p:cNvPr id="3" name="副标题 2">
             <a:extLst>
               <a:ext uri="{FF2B5EF4-FFF2-40B4-BE49-F238E27FC236}">
-                <a16:creationId xmlns:a16="http://schemas.microsoft.com/office/drawing/2014/main" xmlns="" id="{0376274A-15DD-494F-AD42-7ECAB9D45CBF}"/>
+                <a16:creationId xmlns:a16="http://schemas.microsoft.com/office/drawing/2014/main" id="{0376274A-15DD-494F-AD42-7ECAB9D45CBF}"/>
               </a:ext>
             </a:extLst>
           </p:cNvPr>
@@ -14820,62 +14691,59 @@
           <a:lstStyle/>
           <a:p>
             <a:r>
-              <a:rPr lang="en-US" altLang="zh-CN" sz="2000" dirty="0" err="1" smtClean="0"/>
+              <a:rPr lang="en-US" altLang="zh-CN" sz="2000" dirty="0" err="1"/>
               <a:t>Jiansong</a:t>
             </a:r>
             <a:r>
-              <a:rPr lang="zh-CN" altLang="en-US" sz="2000" dirty="0" smtClean="0"/>
+              <a:rPr lang="zh-CN" altLang="en-US" sz="2000" dirty="0"/>
               <a:t> </a:t>
             </a:r>
             <a:r>
-              <a:rPr lang="en-US" altLang="zh-CN" sz="2000" dirty="0" smtClean="0"/>
+              <a:rPr lang="en-US" altLang="zh-CN" sz="2000" dirty="0"/>
               <a:t>Chen</a:t>
             </a:r>
           </a:p>
           <a:p>
             <a:r>
-              <a:rPr lang="en-US" altLang="zh-CN" sz="2000" dirty="0" err="1" smtClean="0"/>
+              <a:rPr lang="en-US" altLang="zh-CN" sz="2000" dirty="0" err="1"/>
               <a:t>Chenghao</a:t>
             </a:r>
             <a:r>
-              <a:rPr lang="zh-CN" altLang="en-US" sz="2000" dirty="0" smtClean="0"/>
+              <a:rPr lang="zh-CN" altLang="en-US" sz="2000" dirty="0"/>
               <a:t> </a:t>
             </a:r>
             <a:r>
-              <a:rPr lang="en-US" altLang="zh-CN" sz="2000" dirty="0" smtClean="0"/>
+              <a:rPr lang="en-US" altLang="zh-CN" sz="2000" dirty="0"/>
               <a:t>Yu</a:t>
             </a:r>
-            <a:endParaRPr lang="en-US" altLang="zh-CN" sz="2000" dirty="0" smtClean="0"/>
           </a:p>
           <a:p>
             <a:r>
-              <a:rPr lang="en-US" altLang="zh-CN" sz="2000" dirty="0" smtClean="0"/>
+              <a:rPr lang="en-US" altLang="zh-CN" sz="2000" dirty="0"/>
               <a:t>Sen</a:t>
             </a:r>
             <a:r>
-              <a:rPr lang="zh-CN" altLang="en-US" sz="2000" dirty="0" smtClean="0"/>
+              <a:rPr lang="zh-CN" altLang="en-US" sz="2000" dirty="0"/>
               <a:t> </a:t>
             </a:r>
             <a:r>
-              <a:rPr lang="en-US" altLang="zh-CN" sz="2000" dirty="0" smtClean="0"/>
+              <a:rPr lang="en-US" altLang="zh-CN" sz="2000" dirty="0"/>
               <a:t>Fu	</a:t>
             </a:r>
-            <a:endParaRPr lang="en-US" altLang="zh-CN" sz="2000" dirty="0"/>
           </a:p>
           <a:p>
             <a:r>
-              <a:rPr lang="en-US" altLang="zh-CN" sz="2000" dirty="0" err="1" smtClean="0"/>
+              <a:rPr lang="en-US" altLang="zh-CN" sz="2000" dirty="0" err="1"/>
               <a:t>Hongru</a:t>
             </a:r>
             <a:r>
-              <a:rPr lang="zh-CN" altLang="en-US" sz="2000" dirty="0" smtClean="0"/>
+              <a:rPr lang="zh-CN" altLang="en-US" sz="2000" dirty="0"/>
               <a:t> </a:t>
             </a:r>
             <a:r>
-              <a:rPr lang="en-US" altLang="zh-CN" sz="2000" dirty="0" smtClean="0"/>
+              <a:rPr lang="en-US" altLang="zh-CN" sz="2000" dirty="0"/>
               <a:t>Liu</a:t>
             </a:r>
-            <a:endParaRPr lang="en-US" altLang="zh-CN" sz="2000" dirty="0"/>
           </a:p>
         </p:txBody>
       </p:sp>
@@ -14884,10 +14752,10 @@
           <p:cNvPr id="12" name="Straight Connector 11">
             <a:extLst>
               <a:ext uri="{FF2B5EF4-FFF2-40B4-BE49-F238E27FC236}">
-                <a16:creationId xmlns:a16="http://schemas.microsoft.com/office/drawing/2014/main" xmlns="" id="{45000665-DFC7-417E-8FD7-516A0F15C975}"/>
+                <a16:creationId xmlns:a16="http://schemas.microsoft.com/office/drawing/2014/main" id="{45000665-DFC7-417E-8FD7-516A0F15C975}"/>
               </a:ext>
               <a:ext uri="{C183D7F6-B498-43B3-948B-1728B52AA6E4}">
-                <adec:decorative xmlns:adec="http://schemas.microsoft.com/office/drawing/2017/decorative" xmlns="" val="1"/>
+                <adec:decorative xmlns:adec="http://schemas.microsoft.com/office/drawing/2017/decorative" val="1"/>
               </a:ext>
             </a:extLst>
           </p:cNvPr>
@@ -14897,7 +14765,7 @@
           <p:nvPr>
             <p:extLst>
               <p:ext uri="{386F3935-93C4-4BCD-93E2-E3B085C9AB24}">
-                <p16:designElem xmlns:p16="http://schemas.microsoft.com/office/powerpoint/2015/main" xmlns="" val="1"/>
+                <p16:designElem xmlns:p16="http://schemas.microsoft.com/office/powerpoint/2015/main" val="1"/>
               </p:ext>
             </p:extLst>
           </p:nvPr>
@@ -14938,7 +14806,7 @@
           <p:cNvPr id="4" name="灯片编号占位符 3">
             <a:extLst>
               <a:ext uri="{FF2B5EF4-FFF2-40B4-BE49-F238E27FC236}">
-                <a16:creationId xmlns:a16="http://schemas.microsoft.com/office/drawing/2014/main" xmlns="" id="{901F7C0E-68DF-4E6B-9DBA-634FF7078516}"/>
+                <a16:creationId xmlns:a16="http://schemas.microsoft.com/office/drawing/2014/main" id="{901F7C0E-68DF-4E6B-9DBA-634FF7078516}"/>
               </a:ext>
             </a:extLst>
           </p:cNvPr>
@@ -14972,7 +14840,7 @@
   <p:clrMapOvr>
     <a:overrideClrMapping bg1="dk1" tx1="lt1" bg2="dk2" tx2="lt2" accent1="accent1" accent2="accent2" accent3="accent3" accent4="accent4" accent5="accent5" accent6="accent6" hlink="hlink" folHlink="folHlink"/>
   </p:clrMapOvr>
-  <p:transition xmlns:p14="http://schemas.microsoft.com/office/powerpoint/2010/main">
+  <p:transition>
     <p:fade/>
   </p:transition>
 </p:sld>
@@ -15008,7 +14876,7 @@
           <p:cNvPr id="2" name="标题 1">
             <a:extLst>
               <a:ext uri="{FF2B5EF4-FFF2-40B4-BE49-F238E27FC236}">
-                <a16:creationId xmlns:a16="http://schemas.microsoft.com/office/drawing/2014/main" xmlns="" id="{2BC47A72-AFF4-4C1C-B6CD-A4E06EBE1B9A}"/>
+                <a16:creationId xmlns:a16="http://schemas.microsoft.com/office/drawing/2014/main" id="{2BC47A72-AFF4-4C1C-B6CD-A4E06EBE1B9A}"/>
               </a:ext>
             </a:extLst>
           </p:cNvPr>
@@ -15052,10 +14920,10 @@
           <p:cNvPr id="27" name="Rectangle 26">
             <a:extLst>
               <a:ext uri="{FF2B5EF4-FFF2-40B4-BE49-F238E27FC236}">
-                <a16:creationId xmlns:a16="http://schemas.microsoft.com/office/drawing/2014/main" xmlns="" id="{1C091803-41C2-48E0-9228-5148460C7479}"/>
+                <a16:creationId xmlns:a16="http://schemas.microsoft.com/office/drawing/2014/main" id="{1C091803-41C2-48E0-9228-5148460C7479}"/>
               </a:ext>
               <a:ext uri="{C183D7F6-B498-43B3-948B-1728B52AA6E4}">
-                <adec:decorative xmlns:adec="http://schemas.microsoft.com/office/drawing/2017/decorative" xmlns="" val="1"/>
+                <adec:decorative xmlns:adec="http://schemas.microsoft.com/office/drawing/2017/decorative" val="1"/>
               </a:ext>
             </a:extLst>
           </p:cNvPr>
@@ -15065,7 +14933,7 @@
           <p:nvPr>
             <p:extLst>
               <p:ext uri="{386F3935-93C4-4BCD-93E2-E3B085C9AB24}">
-                <p16:designElem xmlns:p16="http://schemas.microsoft.com/office/powerpoint/2015/main" xmlns="" val="1"/>
+                <p16:designElem xmlns:p16="http://schemas.microsoft.com/office/powerpoint/2015/main" val="1"/>
               </p:ext>
             </p:extLst>
           </p:nvPr>
@@ -15150,7 +15018,7 @@
           <p:cNvPr id="3" name="内容占位符 2">
             <a:extLst>
               <a:ext uri="{FF2B5EF4-FFF2-40B4-BE49-F238E27FC236}">
-                <a16:creationId xmlns:a16="http://schemas.microsoft.com/office/drawing/2014/main" xmlns="" id="{74307DE5-7DF9-49E3-AA97-7205EF15BAE7}"/>
+                <a16:creationId xmlns:a16="http://schemas.microsoft.com/office/drawing/2014/main" id="{74307DE5-7DF9-49E3-AA97-7205EF15BAE7}"/>
               </a:ext>
             </a:extLst>
           </p:cNvPr>
@@ -15174,401 +15042,399 @@
           <a:lstStyle/>
           <a:p>
             <a:r>
-              <a:rPr lang="en-US" altLang="zh-CN" sz="2100" dirty="0" smtClean="0"/>
+              <a:rPr lang="en-US" altLang="zh-CN" sz="2100" dirty="0"/>
               <a:t>Hour</a:t>
             </a:r>
             <a:r>
-              <a:rPr lang="zh-CN" altLang="en-US" sz="2100" dirty="0" smtClean="0"/>
+              <a:rPr lang="zh-CN" altLang="en-US" sz="2100" dirty="0"/>
               <a:t> </a:t>
             </a:r>
             <a:r>
-              <a:rPr lang="en-US" altLang="zh-CN" sz="2100" dirty="0" smtClean="0"/>
+              <a:rPr lang="en-US" altLang="zh-CN" sz="2100" dirty="0"/>
               <a:t>Glass</a:t>
             </a:r>
             <a:r>
-              <a:rPr lang="zh-CN" altLang="en-US" sz="2100" dirty="0" smtClean="0"/>
+              <a:rPr lang="zh-CN" altLang="en-US" sz="2100" dirty="0"/>
               <a:t> </a:t>
             </a:r>
             <a:r>
-              <a:rPr lang="en-US" altLang="zh-CN" sz="2100" dirty="0" smtClean="0"/>
+              <a:rPr lang="en-US" altLang="zh-CN" sz="2100" dirty="0"/>
               <a:t>Model</a:t>
             </a:r>
             <a:r>
-              <a:rPr lang="zh-CN" altLang="en-US" sz="2100" dirty="0" smtClean="0"/>
+              <a:rPr lang="zh-CN" altLang="en-US" sz="2100" dirty="0"/>
               <a:t> </a:t>
             </a:r>
             <a:r>
-              <a:rPr lang="en-US" altLang="zh-CN" sz="2100" dirty="0" smtClean="0"/>
+              <a:rPr lang="en-US" altLang="zh-CN" sz="2100" dirty="0"/>
               <a:t>is</a:t>
             </a:r>
             <a:r>
-              <a:rPr lang="zh-CN" altLang="en-US" sz="2100" dirty="0" smtClean="0"/>
+              <a:rPr lang="zh-CN" altLang="en-US" sz="2100" dirty="0"/>
               <a:t> </a:t>
             </a:r>
             <a:r>
-              <a:rPr lang="en-US" altLang="zh-CN" sz="2100" dirty="0" smtClean="0"/>
+              <a:rPr lang="en-US" altLang="zh-CN" sz="2100" dirty="0"/>
               <a:t>the</a:t>
             </a:r>
             <a:r>
-              <a:rPr lang="zh-CN" altLang="en-US" sz="2100" dirty="0" smtClean="0"/>
+              <a:rPr lang="zh-CN" altLang="en-US" sz="2100" dirty="0"/>
               <a:t> </a:t>
             </a:r>
             <a:r>
-              <a:rPr lang="en-US" altLang="zh-CN" sz="2100" dirty="0" smtClean="0"/>
+              <a:rPr lang="en-US" altLang="zh-CN" sz="2100" dirty="0"/>
               <a:t>model</a:t>
             </a:r>
             <a:r>
-              <a:rPr lang="zh-CN" altLang="en-US" sz="2100" dirty="0" smtClean="0"/>
+              <a:rPr lang="zh-CN" altLang="en-US" sz="2100" dirty="0"/>
               <a:t> </a:t>
             </a:r>
             <a:r>
-              <a:rPr lang="en-US" altLang="zh-CN" sz="2100" dirty="0" smtClean="0"/>
+              <a:rPr lang="en-US" altLang="zh-CN" sz="2100" dirty="0"/>
               <a:t>that</a:t>
             </a:r>
             <a:r>
-              <a:rPr lang="zh-CN" altLang="en-US" sz="2100" dirty="0" smtClean="0"/>
+              <a:rPr lang="zh-CN" altLang="en-US" sz="2100" dirty="0"/>
               <a:t> </a:t>
             </a:r>
             <a:r>
-              <a:rPr lang="en-US" altLang="zh-CN" sz="2100" dirty="0" smtClean="0"/>
+              <a:rPr lang="en-US" altLang="zh-CN" sz="2100" dirty="0"/>
               <a:t>makes</a:t>
             </a:r>
             <a:r>
-              <a:rPr lang="zh-CN" altLang="en-US" sz="2100" dirty="0" smtClean="0"/>
+              <a:rPr lang="zh-CN" altLang="en-US" sz="2100" dirty="0"/>
               <a:t> </a:t>
             </a:r>
             <a:r>
-              <a:rPr lang="en-US" altLang="zh-CN" sz="2100" dirty="0" smtClean="0"/>
+              <a:rPr lang="en-US" altLang="zh-CN" sz="2100" dirty="0"/>
               <a:t>advantage</a:t>
             </a:r>
             <a:r>
-              <a:rPr lang="zh-CN" altLang="en-US" sz="2100" dirty="0" smtClean="0"/>
+              <a:rPr lang="zh-CN" altLang="en-US" sz="2100" dirty="0"/>
               <a:t> </a:t>
             </a:r>
             <a:r>
-              <a:rPr lang="en-US" altLang="zh-CN" sz="2100" dirty="0" smtClean="0"/>
+              <a:rPr lang="en-US" altLang="zh-CN" sz="2100" dirty="0"/>
               <a:t>of</a:t>
             </a:r>
             <a:r>
-              <a:rPr lang="zh-CN" altLang="en-US" sz="2100" dirty="0" smtClean="0"/>
+              <a:rPr lang="zh-CN" altLang="en-US" sz="2100" dirty="0"/>
               <a:t> </a:t>
             </a:r>
             <a:r>
-              <a:rPr lang="en-US" altLang="zh-CN" sz="2100" dirty="0" smtClean="0"/>
+              <a:rPr lang="en-US" altLang="zh-CN" sz="2100" dirty="0"/>
               <a:t>the</a:t>
             </a:r>
             <a:r>
-              <a:rPr lang="zh-CN" altLang="en-US" sz="2100" dirty="0" smtClean="0"/>
+              <a:rPr lang="zh-CN" altLang="en-US" sz="2100" dirty="0"/>
               <a:t> </a:t>
             </a:r>
             <a:r>
-              <a:rPr lang="en-US" altLang="zh-CN" sz="2100" dirty="0" smtClean="0"/>
+              <a:rPr lang="en-US" altLang="zh-CN" sz="2100" dirty="0"/>
               <a:t>fast-converging</a:t>
             </a:r>
             <a:r>
-              <a:rPr lang="zh-CN" altLang="en-US" sz="2100" dirty="0" smtClean="0"/>
+              <a:rPr lang="zh-CN" altLang="en-US" sz="2100" dirty="0"/>
               <a:t> </a:t>
             </a:r>
             <a:r>
-              <a:rPr lang="en-US" altLang="zh-CN" sz="2100" dirty="0" smtClean="0"/>
+              <a:rPr lang="en-US" altLang="zh-CN" sz="2100" dirty="0"/>
               <a:t>nature</a:t>
             </a:r>
             <a:r>
-              <a:rPr lang="zh-CN" altLang="en-US" sz="2100" dirty="0" smtClean="0"/>
+              <a:rPr lang="zh-CN" altLang="en-US" sz="2100" dirty="0"/>
               <a:t> </a:t>
             </a:r>
             <a:r>
-              <a:rPr lang="en-US" altLang="zh-CN" sz="2100" dirty="0" smtClean="0"/>
+              <a:rPr lang="en-US" altLang="zh-CN" sz="2100" dirty="0"/>
               <a:t>of</a:t>
             </a:r>
             <a:r>
-              <a:rPr lang="zh-CN" altLang="en-US" sz="2100" dirty="0" smtClean="0"/>
+              <a:rPr lang="zh-CN" altLang="en-US" sz="2100" dirty="0"/>
               <a:t> </a:t>
             </a:r>
             <a:r>
-              <a:rPr lang="en-US" altLang="zh-CN" sz="2100" dirty="0" smtClean="0"/>
+              <a:rPr lang="en-US" altLang="zh-CN" sz="2100" dirty="0"/>
               <a:t>the</a:t>
             </a:r>
             <a:r>
-              <a:rPr lang="zh-CN" altLang="en-US" sz="2100" dirty="0" smtClean="0"/>
+              <a:rPr lang="zh-CN" altLang="en-US" sz="2100" dirty="0"/>
               <a:t> </a:t>
             </a:r>
             <a:r>
-              <a:rPr lang="en-US" altLang="zh-CN" sz="2100" dirty="0" smtClean="0"/>
+              <a:rPr lang="en-US" altLang="zh-CN" sz="2100" dirty="0"/>
               <a:t>bottle</a:t>
             </a:r>
             <a:r>
-              <a:rPr lang="zh-CN" altLang="en-US" sz="2100" dirty="0" smtClean="0"/>
+              <a:rPr lang="zh-CN" altLang="en-US" sz="2100" dirty="0"/>
               <a:t>-</a:t>
             </a:r>
             <a:r>
-              <a:rPr lang="en-US" altLang="zh-CN" sz="2100" dirty="0" smtClean="0"/>
+              <a:rPr lang="en-US" altLang="zh-CN" sz="2100" dirty="0"/>
               <a:t>neck</a:t>
             </a:r>
             <a:r>
-              <a:rPr lang="zh-CN" altLang="en-US" sz="2100" dirty="0" smtClean="0"/>
+              <a:rPr lang="zh-CN" altLang="en-US" sz="2100" dirty="0"/>
               <a:t> </a:t>
             </a:r>
             <a:r>
-              <a:rPr lang="en-US" altLang="zh-CN" sz="2100" dirty="0" smtClean="0"/>
+              <a:rPr lang="en-US" altLang="zh-CN" sz="2100" dirty="0"/>
               <a:t>Convolutional</a:t>
             </a:r>
             <a:r>
-              <a:rPr lang="zh-CN" altLang="en-US" sz="2100" dirty="0" smtClean="0"/>
+              <a:rPr lang="zh-CN" altLang="en-US" sz="2100" dirty="0"/>
               <a:t> </a:t>
             </a:r>
             <a:r>
-              <a:rPr lang="en-US" altLang="zh-CN" sz="2100" dirty="0" smtClean="0"/>
+              <a:rPr lang="en-US" altLang="zh-CN" sz="2100" dirty="0"/>
               <a:t>Neuron</a:t>
             </a:r>
             <a:r>
-              <a:rPr lang="zh-CN" altLang="en-US" sz="2100" dirty="0" smtClean="0"/>
+              <a:rPr lang="zh-CN" altLang="en-US" sz="2100" dirty="0"/>
               <a:t> </a:t>
             </a:r>
             <a:r>
-              <a:rPr lang="en-US" altLang="zh-CN" sz="2100" dirty="0" smtClean="0"/>
+              <a:rPr lang="en-US" altLang="zh-CN" sz="2100" dirty="0"/>
               <a:t>Network</a:t>
             </a:r>
             <a:r>
-              <a:rPr lang="zh-CN" altLang="en-US" sz="2100" dirty="0" smtClean="0"/>
+              <a:rPr lang="zh-CN" altLang="en-US" sz="2100" dirty="0"/>
               <a:t> </a:t>
             </a:r>
             <a:r>
-              <a:rPr lang="en-US" altLang="zh-CN" sz="2100" dirty="0" smtClean="0"/>
+              <a:rPr lang="en-US" altLang="zh-CN" sz="2100" dirty="0"/>
               <a:t>and</a:t>
             </a:r>
             <a:r>
-              <a:rPr lang="zh-CN" altLang="en-US" sz="2100" dirty="0" smtClean="0"/>
+              <a:rPr lang="zh-CN" altLang="en-US" sz="2100" dirty="0"/>
               <a:t> </a:t>
             </a:r>
             <a:r>
-              <a:rPr lang="en-US" altLang="zh-CN" sz="2100" dirty="0" smtClean="0"/>
+              <a:rPr lang="en-US" altLang="zh-CN" sz="2100" dirty="0"/>
               <a:t>the</a:t>
             </a:r>
             <a:r>
-              <a:rPr lang="zh-CN" altLang="en-US" sz="2100" dirty="0" smtClean="0"/>
+              <a:rPr lang="zh-CN" altLang="en-US" sz="2100" dirty="0"/>
               <a:t> </a:t>
             </a:r>
             <a:r>
-              <a:rPr lang="en-US" altLang="zh-CN" sz="2100" dirty="0" smtClean="0"/>
+              <a:rPr lang="en-US" altLang="zh-CN" sz="2100" dirty="0"/>
               <a:t>feature</a:t>
             </a:r>
             <a:r>
-              <a:rPr lang="zh-CN" altLang="en-US" sz="2100" dirty="0" smtClean="0"/>
+              <a:rPr lang="zh-CN" altLang="en-US" sz="2100" dirty="0"/>
               <a:t> </a:t>
             </a:r>
             <a:r>
-              <a:rPr lang="en-US" altLang="zh-CN" sz="2100" dirty="0" smtClean="0"/>
+              <a:rPr lang="en-US" altLang="zh-CN" sz="2100" dirty="0"/>
               <a:t>contraction</a:t>
             </a:r>
             <a:r>
-              <a:rPr lang="zh-CN" altLang="en-US" sz="2100" dirty="0" smtClean="0"/>
+              <a:rPr lang="zh-CN" altLang="en-US" sz="2100" dirty="0"/>
               <a:t> </a:t>
             </a:r>
             <a:r>
-              <a:rPr lang="en-US" altLang="zh-CN" sz="2100" dirty="0" smtClean="0"/>
+              <a:rPr lang="en-US" altLang="zh-CN" sz="2100" dirty="0"/>
               <a:t>design.</a:t>
             </a:r>
             <a:r>
-              <a:rPr lang="zh-CN" altLang="en-US" sz="2100" dirty="0" smtClean="0"/>
+              <a:rPr lang="zh-CN" altLang="en-US" sz="2100" dirty="0"/>
               <a:t> </a:t>
             </a:r>
             <a:r>
-              <a:rPr lang="en-US" altLang="zh-CN" sz="2100" dirty="0" smtClean="0"/>
+              <a:rPr lang="en-US" altLang="zh-CN" sz="2100" dirty="0"/>
               <a:t>This</a:t>
             </a:r>
             <a:r>
-              <a:rPr lang="zh-CN" altLang="en-US" sz="2100" dirty="0" smtClean="0"/>
+              <a:rPr lang="zh-CN" altLang="en-US" sz="2100" dirty="0"/>
               <a:t> </a:t>
             </a:r>
             <a:r>
-              <a:rPr lang="en-US" altLang="zh-CN" sz="2100" dirty="0" smtClean="0"/>
+              <a:rPr lang="en-US" altLang="zh-CN" sz="2100" dirty="0"/>
               <a:t>network</a:t>
             </a:r>
             <a:r>
-              <a:rPr lang="zh-CN" altLang="en-US" sz="2100" dirty="0" smtClean="0"/>
+              <a:rPr lang="zh-CN" altLang="en-US" sz="2100" dirty="0"/>
               <a:t> </a:t>
             </a:r>
             <a:r>
-              <a:rPr lang="en-US" altLang="zh-CN" sz="2100" dirty="0" smtClean="0"/>
+              <a:rPr lang="en-US" altLang="zh-CN" sz="2100" dirty="0"/>
               <a:t>will</a:t>
             </a:r>
             <a:r>
-              <a:rPr lang="zh-CN" altLang="en-US" sz="2100" dirty="0" smtClean="0"/>
+              <a:rPr lang="zh-CN" altLang="en-US" sz="2100" dirty="0"/>
               <a:t> </a:t>
             </a:r>
             <a:r>
-              <a:rPr lang="en-US" altLang="zh-CN" sz="2100" dirty="0" smtClean="0"/>
+              <a:rPr lang="en-US" altLang="zh-CN" sz="2100" dirty="0"/>
               <a:t>maximize</a:t>
             </a:r>
             <a:r>
-              <a:rPr lang="zh-CN" altLang="en-US" sz="2100" dirty="0" smtClean="0"/>
+              <a:rPr lang="zh-CN" altLang="en-US" sz="2100" dirty="0"/>
               <a:t> </a:t>
             </a:r>
             <a:r>
-              <a:rPr lang="en-US" altLang="zh-CN" sz="2100" dirty="0" smtClean="0"/>
+              <a:rPr lang="en-US" altLang="zh-CN" sz="2100" dirty="0"/>
               <a:t>the</a:t>
             </a:r>
             <a:r>
-              <a:rPr lang="zh-CN" altLang="en-US" sz="2100" dirty="0" smtClean="0"/>
+              <a:rPr lang="zh-CN" altLang="en-US" sz="2100" dirty="0"/>
               <a:t> </a:t>
             </a:r>
             <a:r>
-              <a:rPr lang="en-US" altLang="zh-CN" sz="2100" dirty="0" smtClean="0"/>
+              <a:rPr lang="en-US" altLang="zh-CN" sz="2100" dirty="0"/>
               <a:t>info</a:t>
             </a:r>
             <a:r>
-              <a:rPr lang="zh-CN" altLang="en-US" sz="2100" dirty="0" smtClean="0"/>
+              <a:rPr lang="zh-CN" altLang="en-US" sz="2100" dirty="0"/>
               <a:t> </a:t>
             </a:r>
             <a:r>
-              <a:rPr lang="en-US" altLang="zh-CN" sz="2100" dirty="0" smtClean="0"/>
+              <a:rPr lang="en-US" altLang="zh-CN" sz="2100" dirty="0"/>
               <a:t>preserved</a:t>
             </a:r>
             <a:r>
-              <a:rPr lang="zh-CN" altLang="en-US" sz="2100" dirty="0" smtClean="0"/>
+              <a:rPr lang="zh-CN" altLang="en-US" sz="2100" dirty="0"/>
               <a:t> </a:t>
             </a:r>
             <a:r>
-              <a:rPr lang="en-US" altLang="zh-CN" sz="2100" dirty="0" smtClean="0"/>
+              <a:rPr lang="en-US" altLang="zh-CN" sz="2100" dirty="0"/>
               <a:t>from</a:t>
             </a:r>
             <a:r>
-              <a:rPr lang="zh-CN" altLang="en-US" sz="2100" dirty="0" smtClean="0"/>
+              <a:rPr lang="zh-CN" altLang="en-US" sz="2100" dirty="0"/>
               <a:t> </a:t>
             </a:r>
             <a:r>
-              <a:rPr lang="en-US" altLang="zh-CN" sz="2100" dirty="0" smtClean="0"/>
+              <a:rPr lang="en-US" altLang="zh-CN" sz="2100" dirty="0"/>
               <a:t>the</a:t>
             </a:r>
             <a:r>
-              <a:rPr lang="zh-CN" altLang="en-US" sz="2100" dirty="0" smtClean="0"/>
+              <a:rPr lang="zh-CN" altLang="en-US" sz="2100" dirty="0"/>
               <a:t> </a:t>
             </a:r>
             <a:r>
-              <a:rPr lang="en-US" altLang="zh-CN" sz="2100" dirty="0" smtClean="0"/>
+              <a:rPr lang="en-US" altLang="zh-CN" sz="2100" dirty="0"/>
               <a:t>original</a:t>
             </a:r>
             <a:r>
-              <a:rPr lang="zh-CN" altLang="en-US" sz="2100" dirty="0" smtClean="0"/>
+              <a:rPr lang="zh-CN" altLang="en-US" sz="2100" dirty="0"/>
               <a:t> </a:t>
             </a:r>
             <a:r>
-              <a:rPr lang="en-US" altLang="zh-CN" sz="2100" dirty="0" smtClean="0"/>
+              <a:rPr lang="en-US" altLang="zh-CN" sz="2100" dirty="0"/>
               <a:t>picture.</a:t>
             </a:r>
             <a:r>
-              <a:rPr lang="zh-CN" altLang="en-US" sz="2100" dirty="0" smtClean="0"/>
+              <a:rPr lang="zh-CN" altLang="en-US" sz="2100" dirty="0"/>
               <a:t> </a:t>
             </a:r>
             <a:r>
-              <a:rPr lang="en-US" altLang="zh-CN" sz="2100" dirty="0" smtClean="0"/>
+              <a:rPr lang="en-US" altLang="zh-CN" sz="2100" dirty="0"/>
               <a:t>At</a:t>
             </a:r>
             <a:r>
-              <a:rPr lang="zh-CN" altLang="en-US" sz="2100" dirty="0" smtClean="0"/>
+              <a:rPr lang="zh-CN" altLang="en-US" sz="2100" dirty="0"/>
               <a:t> </a:t>
             </a:r>
             <a:r>
-              <a:rPr lang="en-US" altLang="zh-CN" sz="2100" dirty="0" smtClean="0"/>
+              <a:rPr lang="en-US" altLang="zh-CN" sz="2100" dirty="0"/>
               <a:t>the</a:t>
             </a:r>
             <a:r>
-              <a:rPr lang="zh-CN" altLang="en-US" sz="2100" dirty="0" smtClean="0"/>
+              <a:rPr lang="zh-CN" altLang="en-US" sz="2100" dirty="0"/>
               <a:t> </a:t>
             </a:r>
             <a:r>
-              <a:rPr lang="en-US" altLang="zh-CN" sz="2100" dirty="0" smtClean="0"/>
+              <a:rPr lang="en-US" altLang="zh-CN" sz="2100" dirty="0"/>
               <a:t>same</a:t>
             </a:r>
             <a:r>
-              <a:rPr lang="zh-CN" altLang="en-US" sz="2100" dirty="0" smtClean="0"/>
+              <a:rPr lang="zh-CN" altLang="en-US" sz="2100" dirty="0"/>
               <a:t> </a:t>
             </a:r>
             <a:r>
-              <a:rPr lang="en-US" altLang="zh-CN" sz="2100" dirty="0" smtClean="0"/>
+              <a:rPr lang="en-US" altLang="zh-CN" sz="2100" dirty="0"/>
               <a:t>time</a:t>
             </a:r>
             <a:r>
-              <a:rPr lang="zh-CN" altLang="en-US" sz="2100" dirty="0" smtClean="0"/>
+              <a:rPr lang="zh-CN" altLang="en-US" sz="2100" dirty="0"/>
               <a:t>, </a:t>
             </a:r>
             <a:r>
-              <a:rPr lang="en-US" altLang="zh-CN" sz="2100" dirty="0" smtClean="0"/>
+              <a:rPr lang="en-US" altLang="zh-CN" sz="2100" dirty="0"/>
               <a:t>it</a:t>
             </a:r>
             <a:r>
-              <a:rPr lang="zh-CN" altLang="en-US" sz="2100" dirty="0" smtClean="0"/>
+              <a:rPr lang="zh-CN" altLang="en-US" sz="2100" dirty="0"/>
               <a:t> </a:t>
             </a:r>
             <a:r>
-              <a:rPr lang="en-US" altLang="zh-CN" sz="2100" dirty="0" smtClean="0"/>
+              <a:rPr lang="en-US" altLang="zh-CN" sz="2100" dirty="0"/>
               <a:t>can</a:t>
             </a:r>
             <a:r>
-              <a:rPr lang="zh-CN" altLang="en-US" sz="2100" dirty="0" smtClean="0"/>
+              <a:rPr lang="zh-CN" altLang="en-US" sz="2100" dirty="0"/>
               <a:t> </a:t>
             </a:r>
             <a:r>
-              <a:rPr lang="en-US" altLang="zh-CN" sz="2100" dirty="0" smtClean="0"/>
+              <a:rPr lang="en-US" altLang="zh-CN" sz="2100" dirty="0"/>
               <a:t>be</a:t>
             </a:r>
             <a:r>
-              <a:rPr lang="zh-CN" altLang="en-US" sz="2100" dirty="0" smtClean="0"/>
+              <a:rPr lang="zh-CN" altLang="en-US" sz="2100" dirty="0"/>
               <a:t> </a:t>
             </a:r>
             <a:r>
-              <a:rPr lang="en-US" altLang="zh-CN" sz="2100" dirty="0" smtClean="0"/>
+              <a:rPr lang="en-US" altLang="zh-CN" sz="2100" dirty="0"/>
               <a:t>trained</a:t>
             </a:r>
             <a:r>
-              <a:rPr lang="zh-CN" altLang="en-US" sz="2100" dirty="0" smtClean="0"/>
+              <a:rPr lang="zh-CN" altLang="en-US" sz="2100" dirty="0"/>
               <a:t> </a:t>
             </a:r>
             <a:r>
-              <a:rPr lang="en-US" altLang="zh-CN" sz="2100" dirty="0" smtClean="0"/>
+              <a:rPr lang="en-US" altLang="zh-CN" sz="2100" dirty="0"/>
               <a:t>fast.</a:t>
             </a:r>
-            <a:endParaRPr lang="en-US" altLang="zh-CN" sz="2100" dirty="0"/>
           </a:p>
           <a:p>
             <a:r>
-              <a:rPr lang="en-US" altLang="zh-CN" sz="2100" dirty="0" smtClean="0"/>
+              <a:rPr lang="en-US" altLang="zh-CN" sz="2100" dirty="0"/>
               <a:t>Depends</a:t>
             </a:r>
             <a:r>
-              <a:rPr lang="zh-CN" altLang="en-US" sz="2100" dirty="0" smtClean="0"/>
+              <a:rPr lang="zh-CN" altLang="en-US" sz="2100" dirty="0"/>
               <a:t> </a:t>
             </a:r>
             <a:r>
-              <a:rPr lang="en-US" altLang="zh-CN" sz="2100" dirty="0" smtClean="0"/>
+              <a:rPr lang="en-US" altLang="zh-CN" sz="2100" dirty="0"/>
               <a:t>on</a:t>
             </a:r>
             <a:r>
-              <a:rPr lang="zh-CN" altLang="en-US" sz="2100" dirty="0" smtClean="0"/>
+              <a:rPr lang="zh-CN" altLang="en-US" sz="2100" dirty="0"/>
               <a:t> </a:t>
             </a:r>
             <a:r>
-              <a:rPr lang="en-US" altLang="zh-CN" sz="2100" dirty="0" smtClean="0"/>
+              <a:rPr lang="en-US" altLang="zh-CN" sz="2100" dirty="0"/>
               <a:t>hidden</a:t>
             </a:r>
             <a:r>
-              <a:rPr lang="zh-CN" altLang="en-US" sz="2100" dirty="0" smtClean="0"/>
+              <a:rPr lang="zh-CN" altLang="en-US" sz="2100" dirty="0"/>
               <a:t> </a:t>
             </a:r>
             <a:r>
-              <a:rPr lang="en-US" altLang="zh-CN" sz="2100" dirty="0" smtClean="0"/>
+              <a:rPr lang="en-US" altLang="zh-CN" sz="2100" dirty="0"/>
               <a:t>layer</a:t>
             </a:r>
             <a:r>
-              <a:rPr lang="zh-CN" altLang="en-US" sz="2100" dirty="0" smtClean="0"/>
+              <a:rPr lang="zh-CN" altLang="en-US" sz="2100" dirty="0"/>
               <a:t> </a:t>
             </a:r>
             <a:r>
-              <a:rPr lang="en-US" altLang="zh-CN" sz="2100" dirty="0" smtClean="0"/>
+              <a:rPr lang="en-US" altLang="zh-CN" sz="2100" dirty="0"/>
               <a:t>#</a:t>
             </a:r>
-            <a:endParaRPr lang="en-US" altLang="zh-CN" sz="2100" dirty="0"/>
           </a:p>
         </p:txBody>
       </p:sp>
@@ -15577,7 +15443,7 @@
           <p:cNvPr id="4" name="灯片编号占位符 3">
             <a:extLst>
               <a:ext uri="{FF2B5EF4-FFF2-40B4-BE49-F238E27FC236}">
-                <a16:creationId xmlns:a16="http://schemas.microsoft.com/office/drawing/2014/main" xmlns="" id="{E8C679F0-8AAD-46AE-9715-74AE1F5B6EB4}"/>
+                <a16:creationId xmlns:a16="http://schemas.microsoft.com/office/drawing/2014/main" id="{E8C679F0-8AAD-46AE-9715-74AE1F5B6EB4}"/>
               </a:ext>
             </a:extLst>
           </p:cNvPr>
@@ -15606,10 +15472,10 @@
           <p:cNvPr id="11" name="Rectangle 15">
             <a:extLst>
               <a:ext uri="{FF2B5EF4-FFF2-40B4-BE49-F238E27FC236}">
-                <a16:creationId xmlns:a16="http://schemas.microsoft.com/office/drawing/2014/main" xmlns="" id="{AB45A142-4255-493C-8284-5D566C121B10}"/>
+                <a16:creationId xmlns:a16="http://schemas.microsoft.com/office/drawing/2014/main" id="{AB45A142-4255-493C-8284-5D566C121B10}"/>
               </a:ext>
               <a:ext uri="{C183D7F6-B498-43B3-948B-1728B52AA6E4}">
-                <adec:decorative xmlns:adec="http://schemas.microsoft.com/office/drawing/2017/decorative" xmlns="" val="1"/>
+                <adec:decorative xmlns:adec="http://schemas.microsoft.com/office/drawing/2017/decorative" val="1"/>
               </a:ext>
             </a:extLst>
           </p:cNvPr>
@@ -15619,7 +15485,7 @@
           <p:nvPr>
             <p:extLst>
               <p:ext uri="{386F3935-93C4-4BCD-93E2-E3B085C9AB24}">
-                <p16:designElem xmlns:p16="http://schemas.microsoft.com/office/powerpoint/2015/main" xmlns="" val="1"/>
+                <p16:designElem xmlns:p16="http://schemas.microsoft.com/office/powerpoint/2015/main" val="1"/>
               </p:ext>
             </p:extLst>
           </p:nvPr>
@@ -15675,7 +15541,7 @@
           <p:cNvPr id="12" name="标题 1">
             <a:extLst>
               <a:ext uri="{FF2B5EF4-FFF2-40B4-BE49-F238E27FC236}">
-                <a16:creationId xmlns:a16="http://schemas.microsoft.com/office/drawing/2014/main" xmlns="" id="{1A0C42E6-8A23-4E6E-9E80-9CED4CE6FDA6}"/>
+                <a16:creationId xmlns:a16="http://schemas.microsoft.com/office/drawing/2014/main" id="{1A0C42E6-8A23-4E6E-9E80-9CED4CE6FDA6}"/>
               </a:ext>
             </a:extLst>
           </p:cNvPr>
@@ -15719,7 +15585,7 @@
           <a:p>
             <a:pPr algn="ctr"/>
             <a:r>
-              <a:rPr lang="en-US" altLang="zh-CN" sz="4200" smtClean="0">
+              <a:rPr lang="en-US" altLang="zh-CN" sz="4200">
                 <a:solidFill>
                   <a:srgbClr val="FFFFFF"/>
                 </a:solidFill>
@@ -15739,10 +15605,10 @@
           <p:cNvPr id="13" name="Straight Connector 17">
             <a:extLst>
               <a:ext uri="{FF2B5EF4-FFF2-40B4-BE49-F238E27FC236}">
-                <a16:creationId xmlns:a16="http://schemas.microsoft.com/office/drawing/2014/main" xmlns="" id="{38FB9660-F42F-4313-BBC4-47C007FE484C}"/>
+                <a16:creationId xmlns:a16="http://schemas.microsoft.com/office/drawing/2014/main" id="{38FB9660-F42F-4313-BBC4-47C007FE484C}"/>
               </a:ext>
               <a:ext uri="{C183D7F6-B498-43B3-948B-1728B52AA6E4}">
-                <adec:decorative xmlns:adec="http://schemas.microsoft.com/office/drawing/2017/decorative" xmlns="" val="1"/>
+                <adec:decorative xmlns:adec="http://schemas.microsoft.com/office/drawing/2017/decorative" val="1"/>
               </a:ext>
             </a:extLst>
           </p:cNvPr>
@@ -15752,7 +15618,7 @@
           <p:nvPr>
             <p:extLst>
               <p:ext uri="{386F3935-93C4-4BCD-93E2-E3B085C9AB24}">
-                <p16:designElem xmlns:p16="http://schemas.microsoft.com/office/powerpoint/2015/main" xmlns="" val="1"/>
+                <p16:designElem xmlns:p16="http://schemas.microsoft.com/office/powerpoint/2015/main" val="1"/>
               </p:ext>
             </p:extLst>
           </p:nvPr>
@@ -15796,7 +15662,7 @@
   <p:clrMapOvr>
     <a:masterClrMapping/>
   </p:clrMapOvr>
-  <p:transition xmlns:p14="http://schemas.microsoft.com/office/powerpoint/2010/main">
+  <p:transition>
     <p:fade/>
   </p:transition>
 </p:sld>
@@ -15824,7 +15690,7 @@
           <p:cNvPr id="2" name="标题 1">
             <a:extLst>
               <a:ext uri="{FF2B5EF4-FFF2-40B4-BE49-F238E27FC236}">
-                <a16:creationId xmlns:a16="http://schemas.microsoft.com/office/drawing/2014/main" xmlns="" id="{2BC47A72-AFF4-4C1C-B6CD-A4E06EBE1B9A}"/>
+                <a16:creationId xmlns:a16="http://schemas.microsoft.com/office/drawing/2014/main" id="{2BC47A72-AFF4-4C1C-B6CD-A4E06EBE1B9A}"/>
               </a:ext>
             </a:extLst>
           </p:cNvPr>
@@ -15868,7 +15734,7 @@
           <p:cNvPr id="4" name="灯片编号占位符 3">
             <a:extLst>
               <a:ext uri="{FF2B5EF4-FFF2-40B4-BE49-F238E27FC236}">
-                <a16:creationId xmlns:a16="http://schemas.microsoft.com/office/drawing/2014/main" xmlns="" id="{E8C679F0-8AAD-46AE-9715-74AE1F5B6EB4}"/>
+                <a16:creationId xmlns:a16="http://schemas.microsoft.com/office/drawing/2014/main" id="{E8C679F0-8AAD-46AE-9715-74AE1F5B6EB4}"/>
               </a:ext>
             </a:extLst>
           </p:cNvPr>
@@ -15897,10 +15763,10 @@
           <p:cNvPr id="11" name="Rectangle 15">
             <a:extLst>
               <a:ext uri="{FF2B5EF4-FFF2-40B4-BE49-F238E27FC236}">
-                <a16:creationId xmlns:a16="http://schemas.microsoft.com/office/drawing/2014/main" xmlns="" id="{AB45A142-4255-493C-8284-5D566C121B10}"/>
+                <a16:creationId xmlns:a16="http://schemas.microsoft.com/office/drawing/2014/main" id="{AB45A142-4255-493C-8284-5D566C121B10}"/>
               </a:ext>
               <a:ext uri="{C183D7F6-B498-43B3-948B-1728B52AA6E4}">
-                <adec:decorative xmlns:adec="http://schemas.microsoft.com/office/drawing/2017/decorative" xmlns="" val="1"/>
+                <adec:decorative xmlns:adec="http://schemas.microsoft.com/office/drawing/2017/decorative" val="1"/>
               </a:ext>
             </a:extLst>
           </p:cNvPr>
@@ -15910,7 +15776,7 @@
           <p:nvPr>
             <p:extLst>
               <p:ext uri="{386F3935-93C4-4BCD-93E2-E3B085C9AB24}">
-                <p16:designElem xmlns:p16="http://schemas.microsoft.com/office/powerpoint/2015/main" xmlns="" val="1"/>
+                <p16:designElem xmlns:p16="http://schemas.microsoft.com/office/powerpoint/2015/main" val="1"/>
               </p:ext>
             </p:extLst>
           </p:nvPr>
@@ -15966,7 +15832,7 @@
           <p:cNvPr id="12" name="标题 1">
             <a:extLst>
               <a:ext uri="{FF2B5EF4-FFF2-40B4-BE49-F238E27FC236}">
-                <a16:creationId xmlns:a16="http://schemas.microsoft.com/office/drawing/2014/main" xmlns="" id="{1A0C42E6-8A23-4E6E-9E80-9CED4CE6FDA6}"/>
+                <a16:creationId xmlns:a16="http://schemas.microsoft.com/office/drawing/2014/main" id="{1A0C42E6-8A23-4E6E-9E80-9CED4CE6FDA6}"/>
               </a:ext>
             </a:extLst>
           </p:cNvPr>
@@ -16010,7 +15876,7 @@
           <a:p>
             <a:pPr algn="ctr"/>
             <a:r>
-              <a:rPr lang="en-US" altLang="zh-CN" sz="4200" smtClean="0">
+              <a:rPr lang="en-US" altLang="zh-CN" sz="4200">
                 <a:solidFill>
                   <a:srgbClr val="FFFFFF"/>
                 </a:solidFill>
@@ -16030,10 +15896,10 @@
           <p:cNvPr id="13" name="Straight Connector 17">
             <a:extLst>
               <a:ext uri="{FF2B5EF4-FFF2-40B4-BE49-F238E27FC236}">
-                <a16:creationId xmlns:a16="http://schemas.microsoft.com/office/drawing/2014/main" xmlns="" id="{38FB9660-F42F-4313-BBC4-47C007FE484C}"/>
+                <a16:creationId xmlns:a16="http://schemas.microsoft.com/office/drawing/2014/main" id="{38FB9660-F42F-4313-BBC4-47C007FE484C}"/>
               </a:ext>
               <a:ext uri="{C183D7F6-B498-43B3-948B-1728B52AA6E4}">
-                <adec:decorative xmlns:adec="http://schemas.microsoft.com/office/drawing/2017/decorative" xmlns="" val="1"/>
+                <adec:decorative xmlns:adec="http://schemas.microsoft.com/office/drawing/2017/decorative" val="1"/>
               </a:ext>
             </a:extLst>
           </p:cNvPr>
@@ -16043,7 +15909,7 @@
           <p:nvPr>
             <p:extLst>
               <p:ext uri="{386F3935-93C4-4BCD-93E2-E3B085C9AB24}">
-                <p16:designElem xmlns:p16="http://schemas.microsoft.com/office/powerpoint/2015/main" xmlns="" val="1"/>
+                <p16:designElem xmlns:p16="http://schemas.microsoft.com/office/powerpoint/2015/main" val="1"/>
               </p:ext>
             </p:extLst>
           </p:nvPr>
@@ -16117,7 +15983,7 @@
   <p:clrMapOvr>
     <a:masterClrMapping/>
   </p:clrMapOvr>
-  <p:transition xmlns:p14="http://schemas.microsoft.com/office/powerpoint/2010/main">
+  <p:transition>
     <p:fade/>
   </p:transition>
 </p:sld>
@@ -16153,10 +16019,10 @@
           <p:cNvPr id="12" name="Rectangle 11">
             <a:extLst>
               <a:ext uri="{FF2B5EF4-FFF2-40B4-BE49-F238E27FC236}">
-                <a16:creationId xmlns:a16="http://schemas.microsoft.com/office/drawing/2014/main" xmlns="" id="{1707FC24-6981-43D9-B525-C7832BA22463}"/>
+                <a16:creationId xmlns:a16="http://schemas.microsoft.com/office/drawing/2014/main" id="{1707FC24-6981-43D9-B525-C7832BA22463}"/>
               </a:ext>
               <a:ext uri="{C183D7F6-B498-43B3-948B-1728B52AA6E4}">
-                <adec:decorative xmlns:adec="http://schemas.microsoft.com/office/drawing/2017/decorative" xmlns="" val="1"/>
+                <adec:decorative xmlns:adec="http://schemas.microsoft.com/office/drawing/2017/decorative" val="1"/>
               </a:ext>
             </a:extLst>
           </p:cNvPr>
@@ -16166,7 +16032,7 @@
           <p:nvPr>
             <p:extLst>
               <p:ext uri="{386F3935-93C4-4BCD-93E2-E3B085C9AB24}">
-                <p16:designElem xmlns:p16="http://schemas.microsoft.com/office/powerpoint/2015/main" xmlns="" val="1"/>
+                <p16:designElem xmlns:p16="http://schemas.microsoft.com/office/powerpoint/2015/main" val="1"/>
               </p:ext>
             </p:extLst>
           </p:nvPr>
@@ -16218,7 +16084,7 @@
           <p:cNvPr id="2" name="标题 1">
             <a:extLst>
               <a:ext uri="{FF2B5EF4-FFF2-40B4-BE49-F238E27FC236}">
-                <a16:creationId xmlns:a16="http://schemas.microsoft.com/office/drawing/2014/main" xmlns="" id="{2BC47A72-AFF4-4C1C-B6CD-A4E06EBE1B9A}"/>
+                <a16:creationId xmlns:a16="http://schemas.microsoft.com/office/drawing/2014/main" id="{2BC47A72-AFF4-4C1C-B6CD-A4E06EBE1B9A}"/>
               </a:ext>
             </a:extLst>
           </p:cNvPr>
@@ -16261,7 +16127,7 @@
           <p:cNvPr id="2050" name="Picture 2" descr="https://cdn-images-1.medium.com/max/800/1*t6OiVIMKw3SBjNzj-lp_Fw.png">
             <a:extLst>
               <a:ext uri="{FF2B5EF4-FFF2-40B4-BE49-F238E27FC236}">
-                <a16:creationId xmlns:a16="http://schemas.microsoft.com/office/drawing/2014/main" xmlns="" id="{0F298599-C74A-4264-A09F-7FA702DEF059}"/>
+                <a16:creationId xmlns:a16="http://schemas.microsoft.com/office/drawing/2014/main" id="{0F298599-C74A-4264-A09F-7FA702DEF059}"/>
               </a:ext>
             </a:extLst>
           </p:cNvPr>
@@ -16294,7 +16160,7 @@
           <a:noFill/>
           <a:extLst>
             <a:ext uri="{909E8E84-426E-40dd-AFC4-6F175D3DCCD1}">
-              <a14:hiddenFill xmlns:a14="http://schemas.microsoft.com/office/drawing/2010/main">
+              <a14:hiddenFill xmlns:a14="http://schemas.microsoft.com/office/drawing/2010/main" xmlns="">
                 <a:solidFill>
                   <a:srgbClr val="FFFFFF"/>
                 </a:solidFill>
@@ -16308,7 +16174,7 @@
           <p:cNvPr id="6" name="灯片编号占位符 5">
             <a:extLst>
               <a:ext uri="{FF2B5EF4-FFF2-40B4-BE49-F238E27FC236}">
-                <a16:creationId xmlns:a16="http://schemas.microsoft.com/office/drawing/2014/main" xmlns="" id="{30BCA3B9-B8D1-4032-B7C9-CDD493A225E4}"/>
+                <a16:creationId xmlns:a16="http://schemas.microsoft.com/office/drawing/2014/main" id="{30BCA3B9-B8D1-4032-B7C9-CDD493A225E4}"/>
               </a:ext>
             </a:extLst>
           </p:cNvPr>
@@ -16342,7 +16208,7 @@
   <p:clrMapOvr>
     <a:masterClrMapping/>
   </p:clrMapOvr>
-  <p:transition xmlns:p14="http://schemas.microsoft.com/office/powerpoint/2010/main">
+  <p:transition>
     <p:fade/>
   </p:transition>
 </p:sld>
@@ -16370,10 +16236,10 @@
           <p:cNvPr id="21" name="Rectangle 20">
             <a:extLst>
               <a:ext uri="{FF2B5EF4-FFF2-40B4-BE49-F238E27FC236}">
-                <a16:creationId xmlns:a16="http://schemas.microsoft.com/office/drawing/2014/main" xmlns="" id="{6166C6D1-23AC-49C4-BA07-238E4E9F8CEB}"/>
+                <a16:creationId xmlns:a16="http://schemas.microsoft.com/office/drawing/2014/main" id="{6166C6D1-23AC-49C4-BA07-238E4E9F8CEB}"/>
               </a:ext>
               <a:ext uri="{C183D7F6-B498-43B3-948B-1728B52AA6E4}">
-                <adec:decorative xmlns:adec="http://schemas.microsoft.com/office/drawing/2017/decorative" xmlns="" val="1"/>
+                <adec:decorative xmlns:adec="http://schemas.microsoft.com/office/drawing/2017/decorative" val="1"/>
               </a:ext>
             </a:extLst>
           </p:cNvPr>
@@ -16383,7 +16249,7 @@
           <p:nvPr>
             <p:extLst>
               <p:ext uri="{386F3935-93C4-4BCD-93E2-E3B085C9AB24}">
-                <p16:designElem xmlns:p16="http://schemas.microsoft.com/office/powerpoint/2015/main" xmlns="" val="1"/>
+                <p16:designElem xmlns:p16="http://schemas.microsoft.com/office/powerpoint/2015/main" val="1"/>
               </p:ext>
             </p:extLst>
           </p:nvPr>
@@ -16462,7 +16328,7 @@
           <p:cNvPr id="2" name="标题 1">
             <a:extLst>
               <a:ext uri="{FF2B5EF4-FFF2-40B4-BE49-F238E27FC236}">
-                <a16:creationId xmlns:a16="http://schemas.microsoft.com/office/drawing/2014/main" xmlns="" id="{2BC47A72-AFF4-4C1C-B6CD-A4E06EBE1B9A}"/>
+                <a16:creationId xmlns:a16="http://schemas.microsoft.com/office/drawing/2014/main" id="{2BC47A72-AFF4-4C1C-B6CD-A4E06EBE1B9A}"/>
               </a:ext>
             </a:extLst>
           </p:cNvPr>
@@ -16475,8 +16341,8 @@
         </p:nvSpPr>
         <p:spPr>
           <a:xfrm>
-            <a:off x="591349" y="780655"/>
-            <a:ext cx="2813747" cy="3261168"/>
+            <a:off x="377748" y="780655"/>
+            <a:ext cx="3316246" cy="3261168"/>
           </a:xfrm>
         </p:spPr>
         <p:txBody>
@@ -16491,7 +16357,37 @@
                   <a:srgbClr val="FFFFFF"/>
                 </a:solidFill>
               </a:rPr>
-              <a:t>Loss Function</a:t>
+              <a:t>RESULT:</a:t>
+            </a:r>
+            <a:br>
+              <a:rPr lang="en-US" altLang="zh-CN" dirty="0">
+                <a:solidFill>
+                  <a:srgbClr val="FFFFFF"/>
+                </a:solidFill>
+              </a:rPr>
+            </a:br>
+            <a:r>
+              <a:rPr lang="en-US" altLang="zh-CN" dirty="0">
+                <a:solidFill>
+                  <a:srgbClr val="FFFFFF"/>
+                </a:solidFill>
+              </a:rPr>
+              <a:t>Baseline vs.</a:t>
+            </a:r>
+            <a:br>
+              <a:rPr lang="en-US" altLang="zh-CN" dirty="0">
+                <a:solidFill>
+                  <a:srgbClr val="FFFFFF"/>
+                </a:solidFill>
+              </a:rPr>
+            </a:br>
+            <a:r>
+              <a:rPr lang="en-US" altLang="zh-CN" dirty="0">
+                <a:solidFill>
+                  <a:srgbClr val="FFFFFF"/>
+                </a:solidFill>
+              </a:rPr>
+              <a:t>Improvement</a:t>
             </a:r>
             <a:endParaRPr lang="zh-CN" altLang="en-US" dirty="0">
               <a:solidFill>
@@ -16506,10 +16402,10 @@
           <p:cNvPr id="23" name="Rectangle 22">
             <a:extLst>
               <a:ext uri="{FF2B5EF4-FFF2-40B4-BE49-F238E27FC236}">
-                <a16:creationId xmlns:a16="http://schemas.microsoft.com/office/drawing/2014/main" xmlns="" id="{B775CD93-9DF2-48CB-9F57-1BCA9A46C7FA}"/>
+                <a16:creationId xmlns:a16="http://schemas.microsoft.com/office/drawing/2014/main" id="{B775CD93-9DF2-48CB-9F57-1BCA9A46C7FA}"/>
               </a:ext>
               <a:ext uri="{C183D7F6-B498-43B3-948B-1728B52AA6E4}">
-                <adec:decorative xmlns:adec="http://schemas.microsoft.com/office/drawing/2017/decorative" xmlns="" val="1"/>
+                <adec:decorative xmlns:adec="http://schemas.microsoft.com/office/drawing/2017/decorative" val="1"/>
               </a:ext>
             </a:extLst>
           </p:cNvPr>
@@ -16519,7 +16415,7 @@
           <p:nvPr>
             <p:extLst>
               <p:ext uri="{386F3935-93C4-4BCD-93E2-E3B085C9AB24}">
-                <p16:designElem xmlns:p16="http://schemas.microsoft.com/office/powerpoint/2015/main" xmlns="" val="1"/>
+                <p16:designElem xmlns:p16="http://schemas.microsoft.com/office/powerpoint/2015/main" val="1"/>
               </p:ext>
             </p:extLst>
           </p:nvPr>
@@ -16598,10 +16494,10 @@
           <p:cNvPr id="25" name="Rectangle 24">
             <a:extLst>
               <a:ext uri="{FF2B5EF4-FFF2-40B4-BE49-F238E27FC236}">
-                <a16:creationId xmlns:a16="http://schemas.microsoft.com/office/drawing/2014/main" xmlns="" id="{E186B68C-84BC-4A6E-99D1-EE87483C1349}"/>
+                <a16:creationId xmlns:a16="http://schemas.microsoft.com/office/drawing/2014/main" id="{E186B68C-84BC-4A6E-99D1-EE87483C1349}"/>
               </a:ext>
               <a:ext uri="{C183D7F6-B498-43B3-948B-1728B52AA6E4}">
-                <adec:decorative xmlns:adec="http://schemas.microsoft.com/office/drawing/2017/decorative" xmlns="" val="1"/>
+                <adec:decorative xmlns:adec="http://schemas.microsoft.com/office/drawing/2017/decorative" val="1"/>
               </a:ext>
             </a:extLst>
           </p:cNvPr>
@@ -16611,7 +16507,7 @@
           <p:nvPr>
             <p:extLst>
               <p:ext uri="{386F3935-93C4-4BCD-93E2-E3B085C9AB24}">
-                <p16:designElem xmlns:p16="http://schemas.microsoft.com/office/powerpoint/2015/main" xmlns="" val="1"/>
+                <p16:designElem xmlns:p16="http://schemas.microsoft.com/office/powerpoint/2015/main" val="1"/>
               </p:ext>
             </p:extLst>
           </p:nvPr>
@@ -16685,51 +16581,15 @@
           </a:p>
         </p:txBody>
       </p:sp>
-      <p:pic>
-        <p:nvPicPr>
-          <p:cNvPr id="5" name="图片 4" descr="图片包含 物体, 天线&#10;&#10;已生成极高可信度的说明">
-            <a:extLst>
-              <a:ext uri="{FF2B5EF4-FFF2-40B4-BE49-F238E27FC236}">
-                <a16:creationId xmlns:a16="http://schemas.microsoft.com/office/drawing/2014/main" xmlns="" id="{D3B4089F-FDC7-4DE1-AA42-24C80569AECE}"/>
-              </a:ext>
-            </a:extLst>
-          </p:cNvPr>
-          <p:cNvPicPr>
-            <a:picLocks noChangeAspect="1"/>
-          </p:cNvPicPr>
-          <p:nvPr/>
-        </p:nvPicPr>
-        <p:blipFill>
-          <a:blip r:embed="rId2">
-            <a:extLst>
-              <a:ext uri="{28A0092B-C50C-407E-A947-70E740481C1C}">
-                <a14:useLocalDpi xmlns:a14="http://schemas.microsoft.com/office/drawing/2010/main" val="0"/>
-              </a:ext>
-            </a:extLst>
-          </a:blip>
-          <a:stretch>
-            <a:fillRect/>
-          </a:stretch>
-        </p:blipFill>
-        <p:spPr>
-          <a:xfrm>
-            <a:off x="344190" y="4930158"/>
-            <a:ext cx="5006339" cy="1051331"/>
-          </a:xfrm>
-          <a:prstGeom prst="rect">
-            <a:avLst/>
-          </a:prstGeom>
-        </p:spPr>
-      </p:pic>
       <p:sp>
         <p:nvSpPr>
           <p:cNvPr id="27" name="Rectangle 26">
             <a:extLst>
               <a:ext uri="{FF2B5EF4-FFF2-40B4-BE49-F238E27FC236}">
-                <a16:creationId xmlns:a16="http://schemas.microsoft.com/office/drawing/2014/main" xmlns="" id="{1C091803-41C2-48E0-9228-5148460C7479}"/>
+                <a16:creationId xmlns:a16="http://schemas.microsoft.com/office/drawing/2014/main" id="{1C091803-41C2-48E0-9228-5148460C7479}"/>
               </a:ext>
               <a:ext uri="{C183D7F6-B498-43B3-948B-1728B52AA6E4}">
-                <adec:decorative xmlns:adec="http://schemas.microsoft.com/office/drawing/2017/decorative" xmlns="" val="1"/>
+                <adec:decorative xmlns:adec="http://schemas.microsoft.com/office/drawing/2017/decorative" val="1"/>
               </a:ext>
             </a:extLst>
           </p:cNvPr>
@@ -16739,7 +16599,7 @@
           <p:nvPr>
             <p:extLst>
               <p:ext uri="{386F3935-93C4-4BCD-93E2-E3B085C9AB24}">
-                <p16:designElem xmlns:p16="http://schemas.microsoft.com/office/powerpoint/2015/main" xmlns="" val="1"/>
+                <p16:designElem xmlns:p16="http://schemas.microsoft.com/office/powerpoint/2015/main" val="1"/>
               </p:ext>
             </p:extLst>
           </p:nvPr>
@@ -16821,122 +16681,10 @@
       </p:sp>
       <p:sp>
         <p:nvSpPr>
-          <p:cNvPr id="3" name="内容占位符 2">
-            <a:extLst>
-              <a:ext uri="{FF2B5EF4-FFF2-40B4-BE49-F238E27FC236}">
-                <a16:creationId xmlns:a16="http://schemas.microsoft.com/office/drawing/2014/main" xmlns="" id="{74307DE5-7DF9-49E3-AA97-7205EF15BAE7}"/>
-              </a:ext>
-            </a:extLst>
-          </p:cNvPr>
-          <p:cNvSpPr>
-            <a:spLocks noGrp="1"/>
-          </p:cNvSpPr>
-          <p:nvPr>
-            <p:ph idx="1"/>
-          </p:nvPr>
-        </p:nvSpPr>
-        <p:spPr>
-          <a:xfrm>
-            <a:off x="5821229" y="900442"/>
-            <a:ext cx="2635566" cy="5048417"/>
-          </a:xfrm>
-        </p:spPr>
-        <p:txBody>
-          <a:bodyPr anchor="ctr">
-            <a:normAutofit lnSpcReduction="10000"/>
-          </a:bodyPr>
-          <a:lstStyle/>
-          <a:p>
-            <a:pPr marL="0" indent="0">
-              <a:buNone/>
-            </a:pPr>
-            <a:r>
-              <a:rPr lang="en-US" altLang="zh-CN" sz="2100" dirty="0"/>
-              <a:t>Common Loss Function: </a:t>
-            </a:r>
-          </a:p>
-          <a:p>
-            <a:pPr marL="0" indent="0">
-              <a:buNone/>
-            </a:pPr>
-            <a:r>
-              <a:rPr lang="en-US" altLang="zh-CN" sz="2100" dirty="0"/>
-              <a:t> </a:t>
-            </a:r>
-            <a:r>
-              <a:rPr lang="en-US" altLang="zh-CN" sz="2100" b="1" dirty="0"/>
-              <a:t>Mean Squared Error</a:t>
-            </a:r>
-          </a:p>
-          <a:p>
-            <a:r>
-              <a:rPr lang="en-US" altLang="zh-CN" sz="2100" dirty="0"/>
-              <a:t>Simple to use</a:t>
-            </a:r>
-          </a:p>
-          <a:p>
-            <a:r>
-              <a:rPr lang="en-US" altLang="zh-CN" sz="2100" dirty="0"/>
-              <a:t>Represent single pixel lost</a:t>
-            </a:r>
-          </a:p>
-          <a:p>
-            <a:r>
-              <a:rPr lang="en-US" altLang="zh-CN" sz="2100" dirty="0"/>
-              <a:t>Not</a:t>
-            </a:r>
-            <a:r>
-              <a:rPr lang="zh-CN" altLang="en-US" sz="2100" dirty="0"/>
-              <a:t> </a:t>
-            </a:r>
-            <a:r>
-              <a:rPr lang="en-US" altLang="zh-CN" sz="2100" dirty="0"/>
-              <a:t>making</a:t>
-            </a:r>
-            <a:r>
-              <a:rPr lang="zh-CN" altLang="en-US" sz="2100" dirty="0"/>
-              <a:t> </a:t>
-            </a:r>
-            <a:r>
-              <a:rPr lang="en-US" altLang="zh-CN" sz="2100" dirty="0"/>
-              <a:t>assumptions</a:t>
-            </a:r>
-          </a:p>
-          <a:p>
-            <a:endParaRPr lang="en-US" altLang="zh-CN" sz="2100" dirty="0"/>
-          </a:p>
-          <a:p>
-            <a:pPr marL="0" indent="0">
-              <a:buNone/>
-            </a:pPr>
-            <a:r>
-              <a:rPr lang="en-US" altLang="zh-CN" sz="2100" b="1" dirty="0"/>
-              <a:t>    Downside:</a:t>
-            </a:r>
-          </a:p>
-          <a:p>
-            <a:r>
-              <a:rPr lang="en-US" altLang="zh-CN" sz="2100" dirty="0"/>
-              <a:t>Easy to be effected by extreme values</a:t>
-            </a:r>
-          </a:p>
-          <a:p>
-            <a:r>
-              <a:rPr lang="en-US" altLang="zh-CN" sz="2100" dirty="0"/>
-              <a:t>Fitted values tend to approach to the algorithmic average</a:t>
-            </a:r>
-          </a:p>
-          <a:p>
-            <a:endParaRPr lang="en-US" altLang="zh-CN" sz="2100" dirty="0"/>
-          </a:p>
-        </p:txBody>
-      </p:sp>
-      <p:sp>
-        <p:nvSpPr>
           <p:cNvPr id="4" name="灯片编号占位符 3">
             <a:extLst>
               <a:ext uri="{FF2B5EF4-FFF2-40B4-BE49-F238E27FC236}">
-                <a16:creationId xmlns:a16="http://schemas.microsoft.com/office/drawing/2014/main" xmlns="" id="{E8C679F0-8AAD-46AE-9715-74AE1F5B6EB4}"/>
+                <a16:creationId xmlns:a16="http://schemas.microsoft.com/office/drawing/2014/main" id="{E8C679F0-8AAD-46AE-9715-74AE1F5B6EB4}"/>
               </a:ext>
             </a:extLst>
           </p:cNvPr>
@@ -16962,40 +16710,175 @@
       </p:sp>
       <p:sp>
         <p:nvSpPr>
-          <p:cNvPr id="6" name="矩形 5">
+          <p:cNvPr id="9" name="文本框 8">
             <a:extLst>
               <a:ext uri="{FF2B5EF4-FFF2-40B4-BE49-F238E27FC236}">
-                <a16:creationId xmlns:a16="http://schemas.microsoft.com/office/drawing/2014/main" xmlns="" id="{8F2EB184-650C-4AAF-A587-F8C74B8FA6F0}"/>
+                <a16:creationId xmlns:a16="http://schemas.microsoft.com/office/drawing/2014/main" id="{7D205DD0-D437-4B6F-8766-D7F02574FA81}"/>
               </a:ext>
             </a:extLst>
           </p:cNvPr>
-          <p:cNvSpPr/>
+          <p:cNvSpPr txBox="1"/>
           <p:nvPr/>
         </p:nvSpPr>
         <p:spPr>
           <a:xfrm>
-            <a:off x="344190" y="4603637"/>
-            <a:ext cx="1941622" cy="369332"/>
+            <a:off x="3863624" y="1058926"/>
+            <a:ext cx="1391169" cy="523220"/>
           </a:xfrm>
           <a:prstGeom prst="rect">
             <a:avLst/>
           </a:prstGeom>
+          <a:noFill/>
         </p:spPr>
         <p:txBody>
-          <a:bodyPr wrap="none">
+          <a:bodyPr wrap="square" rtlCol="0">
             <a:spAutoFit/>
           </a:bodyPr>
           <a:lstStyle/>
           <a:p>
             <a:r>
-              <a:rPr lang="zh-CN" altLang="en-US" dirty="0"/>
-              <a:t>MSE Loss Formula</a:t>
-            </a:r>
-            <a:r>
-              <a:rPr lang="en-US" altLang="zh-CN" dirty="0"/>
-              <a:t>:</a:t>
-            </a:r>
-            <a:endParaRPr lang="zh-CN" altLang="en-US" dirty="0"/>
+              <a:rPr lang="en-US" sz="2800" dirty="0"/>
+              <a:t>Baseline</a:t>
+            </a:r>
+          </a:p>
+        </p:txBody>
+      </p:sp>
+      <p:sp>
+        <p:nvSpPr>
+          <p:cNvPr id="14" name="文本框 13">
+            <a:extLst>
+              <a:ext uri="{FF2B5EF4-FFF2-40B4-BE49-F238E27FC236}">
+                <a16:creationId xmlns:a16="http://schemas.microsoft.com/office/drawing/2014/main" id="{7E175C3D-90F0-434A-91E2-6A6A5E553839}"/>
+              </a:ext>
+            </a:extLst>
+          </p:cNvPr>
+          <p:cNvSpPr txBox="1"/>
+          <p:nvPr/>
+        </p:nvSpPr>
+        <p:spPr>
+          <a:xfrm>
+            <a:off x="3863624" y="3102591"/>
+            <a:ext cx="1634402" cy="800219"/>
+          </a:xfrm>
+          <a:prstGeom prst="rect">
+            <a:avLst/>
+          </a:prstGeom>
+          <a:noFill/>
+        </p:spPr>
+        <p:txBody>
+          <a:bodyPr wrap="square" rtlCol="0">
+            <a:spAutoFit/>
+          </a:bodyPr>
+          <a:lstStyle/>
+          <a:p>
+            <a:r>
+              <a:rPr lang="en-US" sz="2800" dirty="0"/>
+              <a:t>Improve</a:t>
+            </a:r>
+            <a:endParaRPr lang="en-US" dirty="0"/>
+          </a:p>
+          <a:p>
+            <a:endParaRPr lang="en-US" dirty="0"/>
+          </a:p>
+        </p:txBody>
+      </p:sp>
+      <p:sp>
+        <p:nvSpPr>
+          <p:cNvPr id="10" name="文本框 9">
+            <a:extLst>
+              <a:ext uri="{FF2B5EF4-FFF2-40B4-BE49-F238E27FC236}">
+                <a16:creationId xmlns:a16="http://schemas.microsoft.com/office/drawing/2014/main" id="{0CAFC3A8-C305-41CC-B4C6-E2207A52A9A8}"/>
+              </a:ext>
+            </a:extLst>
+          </p:cNvPr>
+          <p:cNvSpPr txBox="1"/>
+          <p:nvPr/>
+        </p:nvSpPr>
+        <p:spPr>
+          <a:xfrm>
+            <a:off x="5498026" y="837063"/>
+            <a:ext cx="3268225" cy="1200329"/>
+          </a:xfrm>
+          <a:prstGeom prst="rect">
+            <a:avLst/>
+          </a:prstGeom>
+          <a:noFill/>
+        </p:spPr>
+        <p:txBody>
+          <a:bodyPr wrap="square" rtlCol="0">
+            <a:spAutoFit/>
+          </a:bodyPr>
+          <a:lstStyle/>
+          <a:p>
+            <a:r>
+              <a:rPr lang="en-US" dirty="0"/>
+              <a:t>PSNR: 21.692</a:t>
+            </a:r>
+          </a:p>
+          <a:p>
+            <a:endParaRPr lang="en-US" dirty="0"/>
+          </a:p>
+          <a:p>
+            <a:r>
+              <a:rPr lang="en-US" dirty="0"/>
+              <a:t>Run Time (measured in per Pic):</a:t>
+            </a:r>
+          </a:p>
+          <a:p>
+            <a:r>
+              <a:rPr lang="en-US" dirty="0"/>
+              <a:t>6.5 seconds/picture</a:t>
+            </a:r>
+          </a:p>
+        </p:txBody>
+      </p:sp>
+      <p:sp>
+        <p:nvSpPr>
+          <p:cNvPr id="17" name="文本框 16">
+            <a:extLst>
+              <a:ext uri="{FF2B5EF4-FFF2-40B4-BE49-F238E27FC236}">
+                <a16:creationId xmlns:a16="http://schemas.microsoft.com/office/drawing/2014/main" id="{2F1B5820-3F7B-467B-A313-C57749CFBA55}"/>
+              </a:ext>
+            </a:extLst>
+          </p:cNvPr>
+          <p:cNvSpPr txBox="1"/>
+          <p:nvPr/>
+        </p:nvSpPr>
+        <p:spPr>
+          <a:xfrm>
+            <a:off x="5473145" y="2480375"/>
+            <a:ext cx="3268225" cy="1200329"/>
+          </a:xfrm>
+          <a:prstGeom prst="rect">
+            <a:avLst/>
+          </a:prstGeom>
+          <a:noFill/>
+        </p:spPr>
+        <p:txBody>
+          <a:bodyPr wrap="square" rtlCol="0">
+            <a:spAutoFit/>
+          </a:bodyPr>
+          <a:lstStyle/>
+          <a:p>
+            <a:r>
+              <a:rPr lang="en-US" dirty="0"/>
+              <a:t>PSNR: 23.499</a:t>
+            </a:r>
+          </a:p>
+          <a:p>
+            <a:endParaRPr lang="en-US" dirty="0"/>
+          </a:p>
+          <a:p>
+            <a:r>
+              <a:rPr lang="en-US" dirty="0"/>
+              <a:t>Run Time (measured in per Pic):</a:t>
+            </a:r>
+          </a:p>
+          <a:p>
+            <a:r>
+              <a:rPr lang="en-US" dirty="0"/>
+              <a:t>5.2 seconds/picture</a:t>
+            </a:r>
           </a:p>
         </p:txBody>
       </p:sp>
@@ -17009,7 +16892,7 @@
   <p:clrMapOvr>
     <a:masterClrMapping/>
   </p:clrMapOvr>
-  <p:transition xmlns:p14="http://schemas.microsoft.com/office/powerpoint/2010/main">
+  <p:transition>
     <p:fade/>
   </p:transition>
 </p:sld>
@@ -17045,10 +16928,10 @@
           <p:cNvPr id="71" name="Rectangle 70">
             <a:extLst>
               <a:ext uri="{FF2B5EF4-FFF2-40B4-BE49-F238E27FC236}">
-                <a16:creationId xmlns:a16="http://schemas.microsoft.com/office/drawing/2014/main" xmlns="" id="{F2974790-8852-4217-8EC5-00AD6F9A51F8}"/>
+                <a16:creationId xmlns:a16="http://schemas.microsoft.com/office/drawing/2014/main" id="{F2974790-8852-4217-8EC5-00AD6F9A51F8}"/>
               </a:ext>
               <a:ext uri="{C183D7F6-B498-43B3-948B-1728B52AA6E4}">
-                <adec:decorative xmlns:adec="http://schemas.microsoft.com/office/drawing/2017/decorative" xmlns="" val="1"/>
+                <adec:decorative xmlns:adec="http://schemas.microsoft.com/office/drawing/2017/decorative" val="1"/>
               </a:ext>
             </a:extLst>
           </p:cNvPr>
@@ -17058,7 +16941,7 @@
           <p:nvPr>
             <p:extLst>
               <p:ext uri="{386F3935-93C4-4BCD-93E2-E3B085C9AB24}">
-                <p16:designElem xmlns:p16="http://schemas.microsoft.com/office/powerpoint/2015/main" xmlns="" val="1"/>
+                <p16:designElem xmlns:p16="http://schemas.microsoft.com/office/powerpoint/2015/main" val="1"/>
               </p:ext>
             </p:extLst>
           </p:nvPr>
@@ -17105,10 +16988,10 @@
           <p:cNvPr id="73" name="Group 72">
             <a:extLst>
               <a:ext uri="{FF2B5EF4-FFF2-40B4-BE49-F238E27FC236}">
-                <a16:creationId xmlns:a16="http://schemas.microsoft.com/office/drawing/2014/main" xmlns="" id="{9AE485DA-524A-4260-9FC8-98FAACAFF580}"/>
+                <a16:creationId xmlns:a16="http://schemas.microsoft.com/office/drawing/2014/main" id="{9AE485DA-524A-4260-9FC8-98FAACAFF580}"/>
               </a:ext>
               <a:ext uri="{C183D7F6-B498-43B3-948B-1728B52AA6E4}">
-                <adec:decorative xmlns:adec="http://schemas.microsoft.com/office/drawing/2017/decorative" xmlns="" val="1"/>
+                <adec:decorative xmlns:adec="http://schemas.microsoft.com/office/drawing/2017/decorative" val="1"/>
               </a:ext>
             </a:extLst>
           </p:cNvPr>
@@ -17118,7 +17001,7 @@
           <p:nvPr>
             <p:extLst>
               <p:ext uri="{386F3935-93C4-4BCD-93E2-E3B085C9AB24}">
-                <p16:designElem xmlns:p16="http://schemas.microsoft.com/office/powerpoint/2015/main" xmlns="" val="1"/>
+                <p16:designElem xmlns:p16="http://schemas.microsoft.com/office/powerpoint/2015/main" val="1"/>
               </p:ext>
             </p:extLst>
           </p:nvPr>
@@ -17136,10 +17019,10 @@
             <p:cNvPr id="74" name="Freeform 5">
               <a:extLst>
                 <a:ext uri="{FF2B5EF4-FFF2-40B4-BE49-F238E27FC236}">
-                  <a16:creationId xmlns:a16="http://schemas.microsoft.com/office/drawing/2014/main" xmlns="" id="{6B58B403-6C75-44AB-AE71-97BF1EB567D7}"/>
+                  <a16:creationId xmlns:a16="http://schemas.microsoft.com/office/drawing/2014/main" id="{6B58B403-6C75-44AB-AE71-97BF1EB567D7}"/>
                 </a:ext>
                 <a:ext uri="{C183D7F6-B498-43B3-948B-1728B52AA6E4}">
-                  <adec:decorative xmlns:adec="http://schemas.microsoft.com/office/drawing/2017/decorative" xmlns="" val="1"/>
+                  <adec:decorative xmlns:adec="http://schemas.microsoft.com/office/drawing/2017/decorative" val="1"/>
                 </a:ext>
               </a:extLst>
             </p:cNvPr>
@@ -17149,7 +17032,7 @@
             <p:nvPr>
               <p:extLst>
                 <p:ext uri="{386F3935-93C4-4BCD-93E2-E3B085C9AB24}">
-                  <p16:designElem xmlns:p16="http://schemas.microsoft.com/office/powerpoint/2015/main" xmlns="" val="1"/>
+                  <p16:designElem xmlns:p16="http://schemas.microsoft.com/office/powerpoint/2015/main" val="1"/>
                 </p:ext>
               </p:extLst>
             </p:nvPr>
@@ -17204,7 +17087,7 @@
             </a:ln>
             <a:extLst>
               <a:ext uri="{909E8E84-426E-40dd-AFC4-6F175D3DCCD1}">
-                <a14:hiddenFill xmlns:a14="http://schemas.microsoft.com/office/drawing/2010/main">
+                <a14:hiddenFill xmlns:a14="http://schemas.microsoft.com/office/drawing/2010/main" xmlns="">
                   <a:solidFill>
                     <a:srgbClr val="FFFFFF"/>
                   </a:solidFill>
@@ -17229,10 +17112,10 @@
             <p:cNvPr id="75" name="Freeform 6">
               <a:extLst>
                 <a:ext uri="{FF2B5EF4-FFF2-40B4-BE49-F238E27FC236}">
-                  <a16:creationId xmlns:a16="http://schemas.microsoft.com/office/drawing/2014/main" xmlns="" id="{F012B86A-CF90-40CF-8B77-C382530E3935}"/>
+                  <a16:creationId xmlns:a16="http://schemas.microsoft.com/office/drawing/2014/main" id="{F012B86A-CF90-40CF-8B77-C382530E3935}"/>
                 </a:ext>
                 <a:ext uri="{C183D7F6-B498-43B3-948B-1728B52AA6E4}">
-                  <adec:decorative xmlns:adec="http://schemas.microsoft.com/office/drawing/2017/decorative" xmlns="" val="1"/>
+                  <adec:decorative xmlns:adec="http://schemas.microsoft.com/office/drawing/2017/decorative" val="1"/>
                 </a:ext>
               </a:extLst>
             </p:cNvPr>
@@ -17242,7 +17125,7 @@
             <p:nvPr>
               <p:extLst>
                 <p:ext uri="{386F3935-93C4-4BCD-93E2-E3B085C9AB24}">
-                  <p16:designElem xmlns:p16="http://schemas.microsoft.com/office/powerpoint/2015/main" xmlns="" val="1"/>
+                  <p16:designElem xmlns:p16="http://schemas.microsoft.com/office/powerpoint/2015/main" val="1"/>
                 </p:ext>
               </p:extLst>
             </p:nvPr>
@@ -17297,7 +17180,7 @@
             </a:ln>
             <a:extLst>
               <a:ext uri="{909E8E84-426E-40dd-AFC4-6F175D3DCCD1}">
-                <a14:hiddenFill xmlns:a14="http://schemas.microsoft.com/office/drawing/2010/main">
+                <a14:hiddenFill xmlns:a14="http://schemas.microsoft.com/office/drawing/2010/main" xmlns="">
                   <a:solidFill>
                     <a:srgbClr val="FFFFFF"/>
                   </a:solidFill>
@@ -17322,10 +17205,10 @@
             <p:cNvPr id="76" name="Freeform 7">
               <a:extLst>
                 <a:ext uri="{FF2B5EF4-FFF2-40B4-BE49-F238E27FC236}">
-                  <a16:creationId xmlns:a16="http://schemas.microsoft.com/office/drawing/2014/main" xmlns="" id="{77EB535E-0753-4F7A-8E6A-A6BB3A3A4214}"/>
+                  <a16:creationId xmlns:a16="http://schemas.microsoft.com/office/drawing/2014/main" id="{77EB535E-0753-4F7A-8E6A-A6BB3A3A4214}"/>
                 </a:ext>
                 <a:ext uri="{C183D7F6-B498-43B3-948B-1728B52AA6E4}">
-                  <adec:decorative xmlns:adec="http://schemas.microsoft.com/office/drawing/2017/decorative" xmlns="" val="1"/>
+                  <adec:decorative xmlns:adec="http://schemas.microsoft.com/office/drawing/2017/decorative" val="1"/>
                 </a:ext>
               </a:extLst>
             </p:cNvPr>
@@ -17335,7 +17218,7 @@
             <p:nvPr>
               <p:extLst>
                 <p:ext uri="{386F3935-93C4-4BCD-93E2-E3B085C9AB24}">
-                  <p16:designElem xmlns:p16="http://schemas.microsoft.com/office/powerpoint/2015/main" xmlns="" val="1"/>
+                  <p16:designElem xmlns:p16="http://schemas.microsoft.com/office/powerpoint/2015/main" val="1"/>
                 </p:ext>
               </p:extLst>
             </p:nvPr>
@@ -17390,7 +17273,7 @@
             </a:ln>
             <a:extLst>
               <a:ext uri="{909E8E84-426E-40dd-AFC4-6F175D3DCCD1}">
-                <a14:hiddenFill xmlns:a14="http://schemas.microsoft.com/office/drawing/2010/main">
+                <a14:hiddenFill xmlns:a14="http://schemas.microsoft.com/office/drawing/2010/main" xmlns="">
                   <a:solidFill>
                     <a:srgbClr val="FFFFFF"/>
                   </a:solidFill>
@@ -17415,10 +17298,10 @@
             <p:cNvPr id="77" name="Freeform 8">
               <a:extLst>
                 <a:ext uri="{FF2B5EF4-FFF2-40B4-BE49-F238E27FC236}">
-                  <a16:creationId xmlns:a16="http://schemas.microsoft.com/office/drawing/2014/main" xmlns="" id="{6EA7969D-0525-4972-A406-A3ECCFB906ED}"/>
+                  <a16:creationId xmlns:a16="http://schemas.microsoft.com/office/drawing/2014/main" id="{6EA7969D-0525-4972-A406-A3ECCFB906ED}"/>
                 </a:ext>
                 <a:ext uri="{C183D7F6-B498-43B3-948B-1728B52AA6E4}">
-                  <adec:decorative xmlns:adec="http://schemas.microsoft.com/office/drawing/2017/decorative" xmlns="" val="1"/>
+                  <adec:decorative xmlns:adec="http://schemas.microsoft.com/office/drawing/2017/decorative" val="1"/>
                 </a:ext>
               </a:extLst>
             </p:cNvPr>
@@ -17428,7 +17311,7 @@
             <p:nvPr>
               <p:extLst>
                 <p:ext uri="{386F3935-93C4-4BCD-93E2-E3B085C9AB24}">
-                  <p16:designElem xmlns:p16="http://schemas.microsoft.com/office/powerpoint/2015/main" xmlns="" val="1"/>
+                  <p16:designElem xmlns:p16="http://schemas.microsoft.com/office/powerpoint/2015/main" val="1"/>
                 </p:ext>
               </p:extLst>
             </p:nvPr>
@@ -17483,7 +17366,7 @@
             </a:ln>
             <a:extLst>
               <a:ext uri="{909E8E84-426E-40dd-AFC4-6F175D3DCCD1}">
-                <a14:hiddenFill xmlns:a14="http://schemas.microsoft.com/office/drawing/2010/main">
+                <a14:hiddenFill xmlns:a14="http://schemas.microsoft.com/office/drawing/2010/main" xmlns="">
                   <a:solidFill>
                     <a:srgbClr val="FFFFFF"/>
                   </a:solidFill>
@@ -17508,10 +17391,10 @@
             <p:cNvPr id="78" name="Freeform 9">
               <a:extLst>
                 <a:ext uri="{FF2B5EF4-FFF2-40B4-BE49-F238E27FC236}">
-                  <a16:creationId xmlns:a16="http://schemas.microsoft.com/office/drawing/2014/main" xmlns="" id="{111A00F7-1251-40DA-95AA-8EB5A776D540}"/>
+                  <a16:creationId xmlns:a16="http://schemas.microsoft.com/office/drawing/2014/main" id="{111A00F7-1251-40DA-95AA-8EB5A776D540}"/>
                 </a:ext>
                 <a:ext uri="{C183D7F6-B498-43B3-948B-1728B52AA6E4}">
-                  <adec:decorative xmlns:adec="http://schemas.microsoft.com/office/drawing/2017/decorative" xmlns="" val="1"/>
+                  <adec:decorative xmlns:adec="http://schemas.microsoft.com/office/drawing/2017/decorative" val="1"/>
                 </a:ext>
               </a:extLst>
             </p:cNvPr>
@@ -17521,7 +17404,7 @@
             <p:nvPr>
               <p:extLst>
                 <p:ext uri="{386F3935-93C4-4BCD-93E2-E3B085C9AB24}">
-                  <p16:designElem xmlns:p16="http://schemas.microsoft.com/office/powerpoint/2015/main" xmlns="" val="1"/>
+                  <p16:designElem xmlns:p16="http://schemas.microsoft.com/office/powerpoint/2015/main" val="1"/>
                 </p:ext>
               </p:extLst>
             </p:nvPr>
@@ -17576,7 +17459,7 @@
             </a:ln>
             <a:extLst>
               <a:ext uri="{909E8E84-426E-40dd-AFC4-6F175D3DCCD1}">
-                <a14:hiddenFill xmlns:a14="http://schemas.microsoft.com/office/drawing/2010/main">
+                <a14:hiddenFill xmlns:a14="http://schemas.microsoft.com/office/drawing/2010/main" xmlns="">
                   <a:solidFill>
                     <a:srgbClr val="FFFFFF"/>
                   </a:solidFill>
@@ -17601,10 +17484,10 @@
             <p:cNvPr id="79" name="Freeform 10">
               <a:extLst>
                 <a:ext uri="{FF2B5EF4-FFF2-40B4-BE49-F238E27FC236}">
-                  <a16:creationId xmlns:a16="http://schemas.microsoft.com/office/drawing/2014/main" xmlns="" id="{3B034E9C-0B6D-4740-B839-339A3CFE9164}"/>
+                  <a16:creationId xmlns:a16="http://schemas.microsoft.com/office/drawing/2014/main" id="{3B034E9C-0B6D-4740-B839-339A3CFE9164}"/>
                 </a:ext>
                 <a:ext uri="{C183D7F6-B498-43B3-948B-1728B52AA6E4}">
-                  <adec:decorative xmlns:adec="http://schemas.microsoft.com/office/drawing/2017/decorative" xmlns="" val="1"/>
+                  <adec:decorative xmlns:adec="http://schemas.microsoft.com/office/drawing/2017/decorative" val="1"/>
                 </a:ext>
               </a:extLst>
             </p:cNvPr>
@@ -17614,7 +17497,7 @@
             <p:nvPr>
               <p:extLst>
                 <p:ext uri="{386F3935-93C4-4BCD-93E2-E3B085C9AB24}">
-                  <p16:designElem xmlns:p16="http://schemas.microsoft.com/office/powerpoint/2015/main" xmlns="" val="1"/>
+                  <p16:designElem xmlns:p16="http://schemas.microsoft.com/office/powerpoint/2015/main" val="1"/>
                 </p:ext>
               </p:extLst>
             </p:nvPr>
@@ -17669,7 +17552,7 @@
             </a:ln>
             <a:extLst>
               <a:ext uri="{909E8E84-426E-40dd-AFC4-6F175D3DCCD1}">
-                <a14:hiddenFill xmlns:a14="http://schemas.microsoft.com/office/drawing/2010/main">
+                <a14:hiddenFill xmlns:a14="http://schemas.microsoft.com/office/drawing/2010/main" xmlns="">
                   <a:solidFill>
                     <a:srgbClr val="FFFFFF"/>
                   </a:solidFill>
@@ -17694,10 +17577,10 @@
             <p:cNvPr id="80" name="Freeform 11">
               <a:extLst>
                 <a:ext uri="{FF2B5EF4-FFF2-40B4-BE49-F238E27FC236}">
-                  <a16:creationId xmlns:a16="http://schemas.microsoft.com/office/drawing/2014/main" xmlns="" id="{79BDE6BB-D9F6-4547-A3D5-0410D5686445}"/>
+                  <a16:creationId xmlns:a16="http://schemas.microsoft.com/office/drawing/2014/main" id="{79BDE6BB-D9F6-4547-A3D5-0410D5686445}"/>
                 </a:ext>
                 <a:ext uri="{C183D7F6-B498-43B3-948B-1728B52AA6E4}">
-                  <adec:decorative xmlns:adec="http://schemas.microsoft.com/office/drawing/2017/decorative" xmlns="" val="1"/>
+                  <adec:decorative xmlns:adec="http://schemas.microsoft.com/office/drawing/2017/decorative" val="1"/>
                 </a:ext>
               </a:extLst>
             </p:cNvPr>
@@ -17707,7 +17590,7 @@
             <p:nvPr>
               <p:extLst>
                 <p:ext uri="{386F3935-93C4-4BCD-93E2-E3B085C9AB24}">
-                  <p16:designElem xmlns:p16="http://schemas.microsoft.com/office/powerpoint/2015/main" xmlns="" val="1"/>
+                  <p16:designElem xmlns:p16="http://schemas.microsoft.com/office/powerpoint/2015/main" val="1"/>
                 </p:ext>
               </p:extLst>
             </p:nvPr>
@@ -17762,7 +17645,7 @@
             </a:ln>
             <a:extLst>
               <a:ext uri="{909E8E84-426E-40dd-AFC4-6F175D3DCCD1}">
-                <a14:hiddenFill xmlns:a14="http://schemas.microsoft.com/office/drawing/2010/main">
+                <a14:hiddenFill xmlns:a14="http://schemas.microsoft.com/office/drawing/2010/main" xmlns="">
                   <a:solidFill>
                     <a:srgbClr val="FFFFFF"/>
                   </a:solidFill>
@@ -17787,10 +17670,10 @@
             <p:cNvPr id="81" name="Freeform 12">
               <a:extLst>
                 <a:ext uri="{FF2B5EF4-FFF2-40B4-BE49-F238E27FC236}">
-                  <a16:creationId xmlns:a16="http://schemas.microsoft.com/office/drawing/2014/main" xmlns="" id="{0B171098-0659-4752-BCA7-80539A02B9A7}"/>
+                  <a16:creationId xmlns:a16="http://schemas.microsoft.com/office/drawing/2014/main" id="{0B171098-0659-4752-BCA7-80539A02B9A7}"/>
                 </a:ext>
                 <a:ext uri="{C183D7F6-B498-43B3-948B-1728B52AA6E4}">
-                  <adec:decorative xmlns:adec="http://schemas.microsoft.com/office/drawing/2017/decorative" xmlns="" val="1"/>
+                  <adec:decorative xmlns:adec="http://schemas.microsoft.com/office/drawing/2017/decorative" val="1"/>
                 </a:ext>
               </a:extLst>
             </p:cNvPr>
@@ -17800,7 +17683,7 @@
             <p:nvPr>
               <p:extLst>
                 <p:ext uri="{386F3935-93C4-4BCD-93E2-E3B085C9AB24}">
-                  <p16:designElem xmlns:p16="http://schemas.microsoft.com/office/powerpoint/2015/main" xmlns="" val="1"/>
+                  <p16:designElem xmlns:p16="http://schemas.microsoft.com/office/powerpoint/2015/main" val="1"/>
                 </p:ext>
               </p:extLst>
             </p:nvPr>
@@ -17855,7 +17738,7 @@
             </a:ln>
             <a:extLst>
               <a:ext uri="{909E8E84-426E-40dd-AFC4-6F175D3DCCD1}">
-                <a14:hiddenFill xmlns:a14="http://schemas.microsoft.com/office/drawing/2010/main">
+                <a14:hiddenFill xmlns:a14="http://schemas.microsoft.com/office/drawing/2010/main" xmlns="">
                   <a:solidFill>
                     <a:srgbClr val="FFFFFF"/>
                   </a:solidFill>
@@ -17880,10 +17763,10 @@
             <p:cNvPr id="82" name="Freeform 13">
               <a:extLst>
                 <a:ext uri="{FF2B5EF4-FFF2-40B4-BE49-F238E27FC236}">
-                  <a16:creationId xmlns:a16="http://schemas.microsoft.com/office/drawing/2014/main" xmlns="" id="{19BB0F73-3E8F-4DB3-B047-5C5FAB474E41}"/>
+                  <a16:creationId xmlns:a16="http://schemas.microsoft.com/office/drawing/2014/main" id="{19BB0F73-3E8F-4DB3-B047-5C5FAB474E41}"/>
                 </a:ext>
                 <a:ext uri="{C183D7F6-B498-43B3-948B-1728B52AA6E4}">
-                  <adec:decorative xmlns:adec="http://schemas.microsoft.com/office/drawing/2017/decorative" xmlns="" val="1"/>
+                  <adec:decorative xmlns:adec="http://schemas.microsoft.com/office/drawing/2017/decorative" val="1"/>
                 </a:ext>
               </a:extLst>
             </p:cNvPr>
@@ -17893,7 +17776,7 @@
             <p:nvPr>
               <p:extLst>
                 <p:ext uri="{386F3935-93C4-4BCD-93E2-E3B085C9AB24}">
-                  <p16:designElem xmlns:p16="http://schemas.microsoft.com/office/powerpoint/2015/main" xmlns="" val="1"/>
+                  <p16:designElem xmlns:p16="http://schemas.microsoft.com/office/powerpoint/2015/main" val="1"/>
                 </p:ext>
               </p:extLst>
             </p:nvPr>
@@ -17948,7 +17831,7 @@
             </a:ln>
             <a:extLst>
               <a:ext uri="{909E8E84-426E-40dd-AFC4-6F175D3DCCD1}">
-                <a14:hiddenFill xmlns:a14="http://schemas.microsoft.com/office/drawing/2010/main">
+                <a14:hiddenFill xmlns:a14="http://schemas.microsoft.com/office/drawing/2010/main" xmlns="">
                   <a:solidFill>
                     <a:srgbClr val="FFFFFF"/>
                   </a:solidFill>
@@ -17973,10 +17856,10 @@
             <p:cNvPr id="83" name="Freeform 14">
               <a:extLst>
                 <a:ext uri="{FF2B5EF4-FFF2-40B4-BE49-F238E27FC236}">
-                  <a16:creationId xmlns:a16="http://schemas.microsoft.com/office/drawing/2014/main" xmlns="" id="{11EC89ED-7CE2-455E-9D3D-4F4F08846968}"/>
+                  <a16:creationId xmlns:a16="http://schemas.microsoft.com/office/drawing/2014/main" id="{11EC89ED-7CE2-455E-9D3D-4F4F08846968}"/>
                 </a:ext>
                 <a:ext uri="{C183D7F6-B498-43B3-948B-1728B52AA6E4}">
-                  <adec:decorative xmlns:adec="http://schemas.microsoft.com/office/drawing/2017/decorative" xmlns="" val="1"/>
+                  <adec:decorative xmlns:adec="http://schemas.microsoft.com/office/drawing/2017/decorative" val="1"/>
                 </a:ext>
               </a:extLst>
             </p:cNvPr>
@@ -17986,7 +17869,7 @@
             <p:nvPr>
               <p:extLst>
                 <p:ext uri="{386F3935-93C4-4BCD-93E2-E3B085C9AB24}">
-                  <p16:designElem xmlns:p16="http://schemas.microsoft.com/office/powerpoint/2015/main" xmlns="" val="1"/>
+                  <p16:designElem xmlns:p16="http://schemas.microsoft.com/office/powerpoint/2015/main" val="1"/>
                 </p:ext>
               </p:extLst>
             </p:nvPr>
@@ -18041,7 +17924,7 @@
             </a:ln>
             <a:extLst>
               <a:ext uri="{909E8E84-426E-40dd-AFC4-6F175D3DCCD1}">
-                <a14:hiddenFill xmlns:a14="http://schemas.microsoft.com/office/drawing/2010/main">
+                <a14:hiddenFill xmlns:a14="http://schemas.microsoft.com/office/drawing/2010/main" xmlns="">
                   <a:solidFill>
                     <a:srgbClr val="FFFFFF"/>
                   </a:solidFill>
@@ -18066,10 +17949,10 @@
             <p:cNvPr id="84" name="Freeform 15">
               <a:extLst>
                 <a:ext uri="{FF2B5EF4-FFF2-40B4-BE49-F238E27FC236}">
-                  <a16:creationId xmlns:a16="http://schemas.microsoft.com/office/drawing/2014/main" xmlns="" id="{A6116FC0-48C5-47DE-BEDD-5D395F7511AC}"/>
+                  <a16:creationId xmlns:a16="http://schemas.microsoft.com/office/drawing/2014/main" id="{A6116FC0-48C5-47DE-BEDD-5D395F7511AC}"/>
                 </a:ext>
                 <a:ext uri="{C183D7F6-B498-43B3-948B-1728B52AA6E4}">
-                  <adec:decorative xmlns:adec="http://schemas.microsoft.com/office/drawing/2017/decorative" xmlns="" val="1"/>
+                  <adec:decorative xmlns:adec="http://schemas.microsoft.com/office/drawing/2017/decorative" val="1"/>
                 </a:ext>
               </a:extLst>
             </p:cNvPr>
@@ -18079,7 +17962,7 @@
             <p:nvPr>
               <p:extLst>
                 <p:ext uri="{386F3935-93C4-4BCD-93E2-E3B085C9AB24}">
-                  <p16:designElem xmlns:p16="http://schemas.microsoft.com/office/powerpoint/2015/main" xmlns="" val="1"/>
+                  <p16:designElem xmlns:p16="http://schemas.microsoft.com/office/powerpoint/2015/main" val="1"/>
                 </p:ext>
               </p:extLst>
             </p:nvPr>
@@ -18134,7 +18017,7 @@
             </a:ln>
             <a:extLst>
               <a:ext uri="{909E8E84-426E-40dd-AFC4-6F175D3DCCD1}">
-                <a14:hiddenFill xmlns:a14="http://schemas.microsoft.com/office/drawing/2010/main">
+                <a14:hiddenFill xmlns:a14="http://schemas.microsoft.com/office/drawing/2010/main" xmlns="">
                   <a:solidFill>
                     <a:srgbClr val="FFFFFF"/>
                   </a:solidFill>
@@ -18159,10 +18042,10 @@
             <p:cNvPr id="85" name="Freeform 16">
               <a:extLst>
                 <a:ext uri="{FF2B5EF4-FFF2-40B4-BE49-F238E27FC236}">
-                  <a16:creationId xmlns:a16="http://schemas.microsoft.com/office/drawing/2014/main" xmlns="" id="{540BFDCD-3B77-492C-A402-463DDC8C77EC}"/>
+                  <a16:creationId xmlns:a16="http://schemas.microsoft.com/office/drawing/2014/main" id="{540BFDCD-3B77-492C-A402-463DDC8C77EC}"/>
                 </a:ext>
                 <a:ext uri="{C183D7F6-B498-43B3-948B-1728B52AA6E4}">
-                  <adec:decorative xmlns:adec="http://schemas.microsoft.com/office/drawing/2017/decorative" xmlns="" val="1"/>
+                  <adec:decorative xmlns:adec="http://schemas.microsoft.com/office/drawing/2017/decorative" val="1"/>
                 </a:ext>
               </a:extLst>
             </p:cNvPr>
@@ -18172,7 +18055,7 @@
             <p:nvPr>
               <p:extLst>
                 <p:ext uri="{386F3935-93C4-4BCD-93E2-E3B085C9AB24}">
-                  <p16:designElem xmlns:p16="http://schemas.microsoft.com/office/powerpoint/2015/main" xmlns="" val="1"/>
+                  <p16:designElem xmlns:p16="http://schemas.microsoft.com/office/powerpoint/2015/main" val="1"/>
                 </p:ext>
               </p:extLst>
             </p:nvPr>
@@ -18227,7 +18110,7 @@
             </a:ln>
             <a:extLst>
               <a:ext uri="{909E8E84-426E-40dd-AFC4-6F175D3DCCD1}">
-                <a14:hiddenFill xmlns:a14="http://schemas.microsoft.com/office/drawing/2010/main">
+                <a14:hiddenFill xmlns:a14="http://schemas.microsoft.com/office/drawing/2010/main" xmlns="">
                   <a:solidFill>
                     <a:srgbClr val="FFFFFF"/>
                   </a:solidFill>
@@ -18252,10 +18135,10 @@
             <p:cNvPr id="86" name="Freeform 17">
               <a:extLst>
                 <a:ext uri="{FF2B5EF4-FFF2-40B4-BE49-F238E27FC236}">
-                  <a16:creationId xmlns:a16="http://schemas.microsoft.com/office/drawing/2014/main" xmlns="" id="{602FA0AD-30A8-4863-A785-0D72E7D6EDFC}"/>
+                  <a16:creationId xmlns:a16="http://schemas.microsoft.com/office/drawing/2014/main" id="{602FA0AD-30A8-4863-A785-0D72E7D6EDFC}"/>
                 </a:ext>
                 <a:ext uri="{C183D7F6-B498-43B3-948B-1728B52AA6E4}">
-                  <adec:decorative xmlns:adec="http://schemas.microsoft.com/office/drawing/2017/decorative" xmlns="" val="1"/>
+                  <adec:decorative xmlns:adec="http://schemas.microsoft.com/office/drawing/2017/decorative" val="1"/>
                 </a:ext>
               </a:extLst>
             </p:cNvPr>
@@ -18265,7 +18148,7 @@
             <p:nvPr>
               <p:extLst>
                 <p:ext uri="{386F3935-93C4-4BCD-93E2-E3B085C9AB24}">
-                  <p16:designElem xmlns:p16="http://schemas.microsoft.com/office/powerpoint/2015/main" xmlns="" val="1"/>
+                  <p16:designElem xmlns:p16="http://schemas.microsoft.com/office/powerpoint/2015/main" val="1"/>
                 </p:ext>
               </p:extLst>
             </p:nvPr>
@@ -18320,7 +18203,7 @@
             </a:ln>
             <a:extLst>
               <a:ext uri="{909E8E84-426E-40dd-AFC4-6F175D3DCCD1}">
-                <a14:hiddenFill xmlns:a14="http://schemas.microsoft.com/office/drawing/2010/main">
+                <a14:hiddenFill xmlns:a14="http://schemas.microsoft.com/office/drawing/2010/main" xmlns="">
                   <a:solidFill>
                     <a:srgbClr val="FFFFFF"/>
                   </a:solidFill>
@@ -18345,10 +18228,10 @@
             <p:cNvPr id="87" name="Freeform 18">
               <a:extLst>
                 <a:ext uri="{FF2B5EF4-FFF2-40B4-BE49-F238E27FC236}">
-                  <a16:creationId xmlns:a16="http://schemas.microsoft.com/office/drawing/2014/main" xmlns="" id="{F99711A0-AA25-427D-B4CB-45817E61F4CC}"/>
+                  <a16:creationId xmlns:a16="http://schemas.microsoft.com/office/drawing/2014/main" id="{F99711A0-AA25-427D-B4CB-45817E61F4CC}"/>
                 </a:ext>
                 <a:ext uri="{C183D7F6-B498-43B3-948B-1728B52AA6E4}">
-                  <adec:decorative xmlns:adec="http://schemas.microsoft.com/office/drawing/2017/decorative" xmlns="" val="1"/>
+                  <adec:decorative xmlns:adec="http://schemas.microsoft.com/office/drawing/2017/decorative" val="1"/>
                 </a:ext>
               </a:extLst>
             </p:cNvPr>
@@ -18358,7 +18241,7 @@
             <p:nvPr>
               <p:extLst>
                 <p:ext uri="{386F3935-93C4-4BCD-93E2-E3B085C9AB24}">
-                  <p16:designElem xmlns:p16="http://schemas.microsoft.com/office/powerpoint/2015/main" xmlns="" val="1"/>
+                  <p16:designElem xmlns:p16="http://schemas.microsoft.com/office/powerpoint/2015/main" val="1"/>
                 </p:ext>
               </p:extLst>
             </p:nvPr>
@@ -18413,7 +18296,7 @@
             </a:ln>
             <a:extLst>
               <a:ext uri="{909E8E84-426E-40dd-AFC4-6F175D3DCCD1}">
-                <a14:hiddenFill xmlns:a14="http://schemas.microsoft.com/office/drawing/2010/main">
+                <a14:hiddenFill xmlns:a14="http://schemas.microsoft.com/office/drawing/2010/main" xmlns="">
                   <a:solidFill>
                     <a:srgbClr val="FFFFFF"/>
                   </a:solidFill>
@@ -18438,10 +18321,10 @@
             <p:cNvPr id="88" name="Freeform 19">
               <a:extLst>
                 <a:ext uri="{FF2B5EF4-FFF2-40B4-BE49-F238E27FC236}">
-                  <a16:creationId xmlns:a16="http://schemas.microsoft.com/office/drawing/2014/main" xmlns="" id="{E0D52CC1-593C-4216-A5D3-5839D9F72ABD}"/>
+                  <a16:creationId xmlns:a16="http://schemas.microsoft.com/office/drawing/2014/main" id="{E0D52CC1-593C-4216-A5D3-5839D9F72ABD}"/>
                 </a:ext>
                 <a:ext uri="{C183D7F6-B498-43B3-948B-1728B52AA6E4}">
-                  <adec:decorative xmlns:adec="http://schemas.microsoft.com/office/drawing/2017/decorative" xmlns="" val="1"/>
+                  <adec:decorative xmlns:adec="http://schemas.microsoft.com/office/drawing/2017/decorative" val="1"/>
                 </a:ext>
               </a:extLst>
             </p:cNvPr>
@@ -18451,7 +18334,7 @@
             <p:nvPr>
               <p:extLst>
                 <p:ext uri="{386F3935-93C4-4BCD-93E2-E3B085C9AB24}">
-                  <p16:designElem xmlns:p16="http://schemas.microsoft.com/office/powerpoint/2015/main" xmlns="" val="1"/>
+                  <p16:designElem xmlns:p16="http://schemas.microsoft.com/office/powerpoint/2015/main" val="1"/>
                 </p:ext>
               </p:extLst>
             </p:nvPr>
@@ -18506,7 +18389,7 @@
             </a:ln>
             <a:extLst>
               <a:ext uri="{909E8E84-426E-40dd-AFC4-6F175D3DCCD1}">
-                <a14:hiddenFill xmlns:a14="http://schemas.microsoft.com/office/drawing/2010/main">
+                <a14:hiddenFill xmlns:a14="http://schemas.microsoft.com/office/drawing/2010/main" xmlns="">
                   <a:solidFill>
                     <a:srgbClr val="FFFFFF"/>
                   </a:solidFill>
@@ -18531,10 +18414,10 @@
             <p:cNvPr id="89" name="Freeform 20">
               <a:extLst>
                 <a:ext uri="{FF2B5EF4-FFF2-40B4-BE49-F238E27FC236}">
-                  <a16:creationId xmlns:a16="http://schemas.microsoft.com/office/drawing/2014/main" xmlns="" id="{E782A25F-17DE-4DC0-A536-76DCD24A8280}"/>
+                  <a16:creationId xmlns:a16="http://schemas.microsoft.com/office/drawing/2014/main" id="{E782A25F-17DE-4DC0-A536-76DCD24A8280}"/>
                 </a:ext>
                 <a:ext uri="{C183D7F6-B498-43B3-948B-1728B52AA6E4}">
-                  <adec:decorative xmlns:adec="http://schemas.microsoft.com/office/drawing/2017/decorative" xmlns="" val="1"/>
+                  <adec:decorative xmlns:adec="http://schemas.microsoft.com/office/drawing/2017/decorative" val="1"/>
                 </a:ext>
               </a:extLst>
             </p:cNvPr>
@@ -18544,7 +18427,7 @@
             <p:nvPr>
               <p:extLst>
                 <p:ext uri="{386F3935-93C4-4BCD-93E2-E3B085C9AB24}">
-                  <p16:designElem xmlns:p16="http://schemas.microsoft.com/office/powerpoint/2015/main" xmlns="" val="1"/>
+                  <p16:designElem xmlns:p16="http://schemas.microsoft.com/office/powerpoint/2015/main" val="1"/>
                 </p:ext>
               </p:extLst>
             </p:nvPr>
@@ -18599,7 +18482,7 @@
             </a:ln>
             <a:extLst>
               <a:ext uri="{909E8E84-426E-40dd-AFC4-6F175D3DCCD1}">
-                <a14:hiddenFill xmlns:a14="http://schemas.microsoft.com/office/drawing/2010/main">
+                <a14:hiddenFill xmlns:a14="http://schemas.microsoft.com/office/drawing/2010/main" xmlns="">
                   <a:solidFill>
                     <a:srgbClr val="FFFFFF"/>
                   </a:solidFill>
@@ -18624,10 +18507,10 @@
             <p:cNvPr id="90" name="Freeform 21">
               <a:extLst>
                 <a:ext uri="{FF2B5EF4-FFF2-40B4-BE49-F238E27FC236}">
-                  <a16:creationId xmlns:a16="http://schemas.microsoft.com/office/drawing/2014/main" xmlns="" id="{9367600B-A73C-4101-8DA7-C76EDDACF15C}"/>
+                  <a16:creationId xmlns:a16="http://schemas.microsoft.com/office/drawing/2014/main" id="{9367600B-A73C-4101-8DA7-C76EDDACF15C}"/>
                 </a:ext>
                 <a:ext uri="{C183D7F6-B498-43B3-948B-1728B52AA6E4}">
-                  <adec:decorative xmlns:adec="http://schemas.microsoft.com/office/drawing/2017/decorative" xmlns="" val="1"/>
+                  <adec:decorative xmlns:adec="http://schemas.microsoft.com/office/drawing/2017/decorative" val="1"/>
                 </a:ext>
               </a:extLst>
             </p:cNvPr>
@@ -18637,7 +18520,7 @@
             <p:nvPr>
               <p:extLst>
                 <p:ext uri="{386F3935-93C4-4BCD-93E2-E3B085C9AB24}">
-                  <p16:designElem xmlns:p16="http://schemas.microsoft.com/office/powerpoint/2015/main" xmlns="" val="1"/>
+                  <p16:designElem xmlns:p16="http://schemas.microsoft.com/office/powerpoint/2015/main" val="1"/>
                 </p:ext>
               </p:extLst>
             </p:nvPr>
@@ -18692,7 +18575,7 @@
             </a:ln>
             <a:extLst>
               <a:ext uri="{909E8E84-426E-40dd-AFC4-6F175D3DCCD1}">
-                <a14:hiddenFill xmlns:a14="http://schemas.microsoft.com/office/drawing/2010/main">
+                <a14:hiddenFill xmlns:a14="http://schemas.microsoft.com/office/drawing/2010/main" xmlns="">
                   <a:solidFill>
                     <a:srgbClr val="FFFFFF"/>
                   </a:solidFill>
@@ -18717,10 +18600,10 @@
             <p:cNvPr id="91" name="Freeform 22">
               <a:extLst>
                 <a:ext uri="{FF2B5EF4-FFF2-40B4-BE49-F238E27FC236}">
-                  <a16:creationId xmlns:a16="http://schemas.microsoft.com/office/drawing/2014/main" xmlns="" id="{F432540E-8D0F-4CC2-8F09-378A28D61716}"/>
+                  <a16:creationId xmlns:a16="http://schemas.microsoft.com/office/drawing/2014/main" id="{F432540E-8D0F-4CC2-8F09-378A28D61716}"/>
                 </a:ext>
                 <a:ext uri="{C183D7F6-B498-43B3-948B-1728B52AA6E4}">
-                  <adec:decorative xmlns:adec="http://schemas.microsoft.com/office/drawing/2017/decorative" xmlns="" val="1"/>
+                  <adec:decorative xmlns:adec="http://schemas.microsoft.com/office/drawing/2017/decorative" val="1"/>
                 </a:ext>
               </a:extLst>
             </p:cNvPr>
@@ -18730,7 +18613,7 @@
             <p:nvPr>
               <p:extLst>
                 <p:ext uri="{386F3935-93C4-4BCD-93E2-E3B085C9AB24}">
-                  <p16:designElem xmlns:p16="http://schemas.microsoft.com/office/powerpoint/2015/main" xmlns="" val="1"/>
+                  <p16:designElem xmlns:p16="http://schemas.microsoft.com/office/powerpoint/2015/main" val="1"/>
                 </p:ext>
               </p:extLst>
             </p:nvPr>
@@ -18785,7 +18668,7 @@
             </a:ln>
             <a:extLst>
               <a:ext uri="{909E8E84-426E-40dd-AFC4-6F175D3DCCD1}">
-                <a14:hiddenFill xmlns:a14="http://schemas.microsoft.com/office/drawing/2010/main">
+                <a14:hiddenFill xmlns:a14="http://schemas.microsoft.com/office/drawing/2010/main" xmlns="">
                   <a:solidFill>
                     <a:srgbClr val="FFFFFF"/>
                   </a:solidFill>
@@ -18810,10 +18693,10 @@
             <p:cNvPr id="92" name="Freeform 23">
               <a:extLst>
                 <a:ext uri="{FF2B5EF4-FFF2-40B4-BE49-F238E27FC236}">
-                  <a16:creationId xmlns:a16="http://schemas.microsoft.com/office/drawing/2014/main" xmlns="" id="{EAE46CBD-5B80-44B6-AA1C-75E3684D9E10}"/>
+                  <a16:creationId xmlns:a16="http://schemas.microsoft.com/office/drawing/2014/main" id="{EAE46CBD-5B80-44B6-AA1C-75E3684D9E10}"/>
                 </a:ext>
                 <a:ext uri="{C183D7F6-B498-43B3-948B-1728B52AA6E4}">
-                  <adec:decorative xmlns:adec="http://schemas.microsoft.com/office/drawing/2017/decorative" xmlns="" val="1"/>
+                  <adec:decorative xmlns:adec="http://schemas.microsoft.com/office/drawing/2017/decorative" val="1"/>
                 </a:ext>
               </a:extLst>
             </p:cNvPr>
@@ -18823,7 +18706,7 @@
             <p:nvPr>
               <p:extLst>
                 <p:ext uri="{386F3935-93C4-4BCD-93E2-E3B085C9AB24}">
-                  <p16:designElem xmlns:p16="http://schemas.microsoft.com/office/powerpoint/2015/main" xmlns="" val="1"/>
+                  <p16:designElem xmlns:p16="http://schemas.microsoft.com/office/powerpoint/2015/main" val="1"/>
                 </p:ext>
               </p:extLst>
             </p:nvPr>
@@ -18878,7 +18761,7 @@
             </a:ln>
             <a:extLst>
               <a:ext uri="{909E8E84-426E-40dd-AFC4-6F175D3DCCD1}">
-                <a14:hiddenFill xmlns:a14="http://schemas.microsoft.com/office/drawing/2010/main">
+                <a14:hiddenFill xmlns:a14="http://schemas.microsoft.com/office/drawing/2010/main" xmlns="">
                   <a:solidFill>
                     <a:srgbClr val="FFFFFF"/>
                   </a:solidFill>
@@ -18903,10 +18786,10 @@
             <p:cNvPr id="93" name="Freeform 24">
               <a:extLst>
                 <a:ext uri="{FF2B5EF4-FFF2-40B4-BE49-F238E27FC236}">
-                  <a16:creationId xmlns:a16="http://schemas.microsoft.com/office/drawing/2014/main" xmlns="" id="{C4B1D7D7-5EFC-42D4-A6F3-49D60C396F65}"/>
+                  <a16:creationId xmlns:a16="http://schemas.microsoft.com/office/drawing/2014/main" id="{C4B1D7D7-5EFC-42D4-A6F3-49D60C396F65}"/>
                 </a:ext>
                 <a:ext uri="{C183D7F6-B498-43B3-948B-1728B52AA6E4}">
-                  <adec:decorative xmlns:adec="http://schemas.microsoft.com/office/drawing/2017/decorative" xmlns="" val="1"/>
+                  <adec:decorative xmlns:adec="http://schemas.microsoft.com/office/drawing/2017/decorative" val="1"/>
                 </a:ext>
               </a:extLst>
             </p:cNvPr>
@@ -18916,7 +18799,7 @@
             <p:nvPr>
               <p:extLst>
                 <p:ext uri="{386F3935-93C4-4BCD-93E2-E3B085C9AB24}">
-                  <p16:designElem xmlns:p16="http://schemas.microsoft.com/office/powerpoint/2015/main" xmlns="" val="1"/>
+                  <p16:designElem xmlns:p16="http://schemas.microsoft.com/office/powerpoint/2015/main" val="1"/>
                 </p:ext>
               </p:extLst>
             </p:nvPr>
@@ -18971,7 +18854,7 @@
             </a:ln>
             <a:extLst>
               <a:ext uri="{909E8E84-426E-40dd-AFC4-6F175D3DCCD1}">
-                <a14:hiddenFill xmlns:a14="http://schemas.microsoft.com/office/drawing/2010/main">
+                <a14:hiddenFill xmlns:a14="http://schemas.microsoft.com/office/drawing/2010/main" xmlns="">
                   <a:solidFill>
                     <a:srgbClr val="FFFFFF"/>
                   </a:solidFill>
@@ -18996,10 +18879,10 @@
             <p:cNvPr id="94" name="Freeform 25">
               <a:extLst>
                 <a:ext uri="{FF2B5EF4-FFF2-40B4-BE49-F238E27FC236}">
-                  <a16:creationId xmlns:a16="http://schemas.microsoft.com/office/drawing/2014/main" xmlns="" id="{A43C462C-E5B7-4580-8853-16A0D4F340EF}"/>
+                  <a16:creationId xmlns:a16="http://schemas.microsoft.com/office/drawing/2014/main" id="{A43C462C-E5B7-4580-8853-16A0D4F340EF}"/>
                 </a:ext>
                 <a:ext uri="{C183D7F6-B498-43B3-948B-1728B52AA6E4}">
-                  <adec:decorative xmlns:adec="http://schemas.microsoft.com/office/drawing/2017/decorative" xmlns="" val="1"/>
+                  <adec:decorative xmlns:adec="http://schemas.microsoft.com/office/drawing/2017/decorative" val="1"/>
                 </a:ext>
               </a:extLst>
             </p:cNvPr>
@@ -19009,7 +18892,7 @@
             <p:nvPr>
               <p:extLst>
                 <p:ext uri="{386F3935-93C4-4BCD-93E2-E3B085C9AB24}">
-                  <p16:designElem xmlns:p16="http://schemas.microsoft.com/office/powerpoint/2015/main" xmlns="" val="1"/>
+                  <p16:designElem xmlns:p16="http://schemas.microsoft.com/office/powerpoint/2015/main" val="1"/>
                 </p:ext>
               </p:extLst>
             </p:nvPr>
@@ -19064,7 +18947,7 @@
             </a:ln>
             <a:extLst>
               <a:ext uri="{909E8E84-426E-40dd-AFC4-6F175D3DCCD1}">
-                <a14:hiddenFill xmlns:a14="http://schemas.microsoft.com/office/drawing/2010/main">
+                <a14:hiddenFill xmlns:a14="http://schemas.microsoft.com/office/drawing/2010/main" xmlns="">
                   <a:solidFill>
                     <a:srgbClr val="FFFFFF"/>
                   </a:solidFill>
@@ -19090,10 +18973,10 @@
           <p:cNvPr id="96" name="Rectangle 95">
             <a:extLst>
               <a:ext uri="{FF2B5EF4-FFF2-40B4-BE49-F238E27FC236}">
-                <a16:creationId xmlns:a16="http://schemas.microsoft.com/office/drawing/2014/main" xmlns="" id="{235421DC-A006-4825-B62F-7DE8D0DEADD3}"/>
+                <a16:creationId xmlns:a16="http://schemas.microsoft.com/office/drawing/2014/main" id="{235421DC-A006-4825-B62F-7DE8D0DEADD3}"/>
               </a:ext>
               <a:ext uri="{C183D7F6-B498-43B3-948B-1728B52AA6E4}">
-                <adec:decorative xmlns:adec="http://schemas.microsoft.com/office/drawing/2017/decorative" xmlns="" val="1"/>
+                <adec:decorative xmlns:adec="http://schemas.microsoft.com/office/drawing/2017/decorative" val="1"/>
               </a:ext>
             </a:extLst>
           </p:cNvPr>
@@ -19103,7 +18986,7 @@
           <p:nvPr>
             <p:extLst>
               <p:ext uri="{386F3935-93C4-4BCD-93E2-E3B085C9AB24}">
-                <p16:designElem xmlns:p16="http://schemas.microsoft.com/office/powerpoint/2015/main" xmlns="" val="1"/>
+                <p16:designElem xmlns:p16="http://schemas.microsoft.com/office/powerpoint/2015/main" val="1"/>
               </p:ext>
             </p:extLst>
           </p:nvPr>
@@ -19153,10 +19036,10 @@
           <p:cNvPr id="98" name="Rectangle 97">
             <a:extLst>
               <a:ext uri="{FF2B5EF4-FFF2-40B4-BE49-F238E27FC236}">
-                <a16:creationId xmlns:a16="http://schemas.microsoft.com/office/drawing/2014/main" xmlns="" id="{3894FD15-2E33-4234-8160-FF85F03A4A1E}"/>
+                <a16:creationId xmlns:a16="http://schemas.microsoft.com/office/drawing/2014/main" id="{3894FD15-2E33-4234-8160-FF85F03A4A1E}"/>
               </a:ext>
               <a:ext uri="{C183D7F6-B498-43B3-948B-1728B52AA6E4}">
-                <adec:decorative xmlns:adec="http://schemas.microsoft.com/office/drawing/2017/decorative" xmlns="" val="1"/>
+                <adec:decorative xmlns:adec="http://schemas.microsoft.com/office/drawing/2017/decorative" val="1"/>
               </a:ext>
             </a:extLst>
           </p:cNvPr>
@@ -19166,7 +19049,7 @@
           <p:nvPr>
             <p:extLst>
               <p:ext uri="{386F3935-93C4-4BCD-93E2-E3B085C9AB24}">
-                <p16:designElem xmlns:p16="http://schemas.microsoft.com/office/powerpoint/2015/main" xmlns="" val="1"/>
+                <p16:designElem xmlns:p16="http://schemas.microsoft.com/office/powerpoint/2015/main" val="1"/>
               </p:ext>
             </p:extLst>
           </p:nvPr>
@@ -19319,10 +19202,10 @@
           <p:cNvPr id="100" name="Isosceles Triangle 22">
             <a:extLst>
               <a:ext uri="{FF2B5EF4-FFF2-40B4-BE49-F238E27FC236}">
-                <a16:creationId xmlns:a16="http://schemas.microsoft.com/office/drawing/2014/main" xmlns="" id="{6F4A2966-7C28-405D-BB02-5E542A25547C}"/>
+                <a16:creationId xmlns:a16="http://schemas.microsoft.com/office/drawing/2014/main" id="{6F4A2966-7C28-405D-BB02-5E542A25547C}"/>
               </a:ext>
               <a:ext uri="{C183D7F6-B498-43B3-948B-1728B52AA6E4}">
-                <adec:decorative xmlns:adec="http://schemas.microsoft.com/office/drawing/2017/decorative" xmlns="" val="1"/>
+                <adec:decorative xmlns:adec="http://schemas.microsoft.com/office/drawing/2017/decorative" val="1"/>
               </a:ext>
             </a:extLst>
           </p:cNvPr>
@@ -19332,7 +19215,7 @@
           <p:nvPr>
             <p:extLst>
               <p:ext uri="{386F3935-93C4-4BCD-93E2-E3B085C9AB24}">
-                <p16:designElem xmlns:p16="http://schemas.microsoft.com/office/powerpoint/2015/main" xmlns="" val="1"/>
+                <p16:designElem xmlns:p16="http://schemas.microsoft.com/office/powerpoint/2015/main" val="1"/>
               </p:ext>
             </p:extLst>
           </p:nvPr>
@@ -19382,10 +19265,10 @@
           <p:cNvPr id="102" name="Rectangle 101">
             <a:extLst>
               <a:ext uri="{FF2B5EF4-FFF2-40B4-BE49-F238E27FC236}">
-                <a16:creationId xmlns:a16="http://schemas.microsoft.com/office/drawing/2014/main" xmlns="" id="{958D9839-C203-4964-B486-7C0FFFDE5E1C}"/>
+                <a16:creationId xmlns:a16="http://schemas.microsoft.com/office/drawing/2014/main" id="{958D9839-C203-4964-B486-7C0FFFDE5E1C}"/>
               </a:ext>
               <a:ext uri="{C183D7F6-B498-43B3-948B-1728B52AA6E4}">
-                <adec:decorative xmlns:adec="http://schemas.microsoft.com/office/drawing/2017/decorative" xmlns="" val="1"/>
+                <adec:decorative xmlns:adec="http://schemas.microsoft.com/office/drawing/2017/decorative" val="1"/>
               </a:ext>
             </a:extLst>
           </p:cNvPr>
@@ -19395,7 +19278,7 @@
           <p:nvPr>
             <p:extLst>
               <p:ext uri="{386F3935-93C4-4BCD-93E2-E3B085C9AB24}">
-                <p16:designElem xmlns:p16="http://schemas.microsoft.com/office/powerpoint/2015/main" xmlns="" val="1"/>
+                <p16:designElem xmlns:p16="http://schemas.microsoft.com/office/powerpoint/2015/main" val="1"/>
               </p:ext>
             </p:extLst>
           </p:nvPr>
@@ -19445,7 +19328,7 @@
           <p:cNvPr id="2" name="标题 1">
             <a:extLst>
               <a:ext uri="{FF2B5EF4-FFF2-40B4-BE49-F238E27FC236}">
-                <a16:creationId xmlns:a16="http://schemas.microsoft.com/office/drawing/2014/main" xmlns="" id="{1E043BC8-6F1B-4759-B99B-05140E97365D}"/>
+                <a16:creationId xmlns:a16="http://schemas.microsoft.com/office/drawing/2014/main" id="{1E043BC8-6F1B-4759-B99B-05140E97365D}"/>
               </a:ext>
             </a:extLst>
           </p:cNvPr>
@@ -19490,7 +19373,7 @@
           <p:cNvPr id="3" name="内容占位符 2">
             <a:extLst>
               <a:ext uri="{FF2B5EF4-FFF2-40B4-BE49-F238E27FC236}">
-                <a16:creationId xmlns:a16="http://schemas.microsoft.com/office/drawing/2014/main" xmlns="" id="{18FBD6A9-66FF-495C-A529-48EC8A796F1E}"/>
+                <a16:creationId xmlns:a16="http://schemas.microsoft.com/office/drawing/2014/main" id="{18FBD6A9-66FF-495C-A529-48EC8A796F1E}"/>
               </a:ext>
             </a:extLst>
           </p:cNvPr>
@@ -19601,7 +19484,7 @@
           <p:cNvPr id="4" name="图片 3">
             <a:extLst>
               <a:ext uri="{FF2B5EF4-FFF2-40B4-BE49-F238E27FC236}">
-                <a16:creationId xmlns:a16="http://schemas.microsoft.com/office/drawing/2014/main" xmlns="" id="{AA4A23ED-90E7-4696-A11E-6B1C7093D116}"/>
+                <a16:creationId xmlns:a16="http://schemas.microsoft.com/office/drawing/2014/main" id="{AA4A23ED-90E7-4696-A11E-6B1C7093D116}"/>
               </a:ext>
             </a:extLst>
           </p:cNvPr>
@@ -19636,7 +19519,7 @@
           <p:cNvPr id="7" name="组合 6">
             <a:extLst>
               <a:ext uri="{FF2B5EF4-FFF2-40B4-BE49-F238E27FC236}">
-                <a16:creationId xmlns:a16="http://schemas.microsoft.com/office/drawing/2014/main" xmlns="" id="{4B5E8525-54D1-4C0A-87F2-784BBC290E0E}"/>
+                <a16:creationId xmlns:a16="http://schemas.microsoft.com/office/drawing/2014/main" id="{4B5E8525-54D1-4C0A-87F2-784BBC290E0E}"/>
               </a:ext>
             </a:extLst>
           </p:cNvPr>
@@ -19656,7 +19539,7 @@
             <p:cNvPr id="1026" name="Picture 2" descr="Related image">
               <a:extLst>
                 <a:ext uri="{FF2B5EF4-FFF2-40B4-BE49-F238E27FC236}">
-                  <a16:creationId xmlns:a16="http://schemas.microsoft.com/office/drawing/2014/main" xmlns="" id="{6BCDBF5F-7290-459A-B6CD-54985129A7A5}"/>
+                  <a16:creationId xmlns:a16="http://schemas.microsoft.com/office/drawing/2014/main" id="{6BCDBF5F-7290-459A-B6CD-54985129A7A5}"/>
                 </a:ext>
               </a:extLst>
             </p:cNvPr>
@@ -19694,7 +19577,7 @@
             </a:ln>
             <a:extLst>
               <a:ext uri="{909E8E84-426E-40dd-AFC4-6F175D3DCCD1}">
-                <a14:hiddenFill xmlns:a14="http://schemas.microsoft.com/office/drawing/2010/main">
+                <a14:hiddenFill xmlns:a14="http://schemas.microsoft.com/office/drawing/2010/main" xmlns="">
                   <a:solidFill>
                     <a:srgbClr val="FFFFFF"/>
                   </a:solidFill>
@@ -19708,7 +19591,7 @@
             <p:cNvPr id="5" name="图片 4">
               <a:extLst>
                 <a:ext uri="{FF2B5EF4-FFF2-40B4-BE49-F238E27FC236}">
-                  <a16:creationId xmlns:a16="http://schemas.microsoft.com/office/drawing/2014/main" xmlns="" id="{C6F180DE-3B9F-4E6E-8195-51C874312121}"/>
+                  <a16:creationId xmlns:a16="http://schemas.microsoft.com/office/drawing/2014/main" id="{C6F180DE-3B9F-4E6E-8195-51C874312121}"/>
                 </a:ext>
               </a:extLst>
             </p:cNvPr>
@@ -19738,7 +19621,7 @@
             <p:cNvPr id="6" name="图片 5">
               <a:extLst>
                 <a:ext uri="{FF2B5EF4-FFF2-40B4-BE49-F238E27FC236}">
-                  <a16:creationId xmlns:a16="http://schemas.microsoft.com/office/drawing/2014/main" xmlns="" id="{4C1DCF1B-A5D7-45C4-B84A-C7BBF8E621B3}"/>
+                  <a16:creationId xmlns:a16="http://schemas.microsoft.com/office/drawing/2014/main" id="{4C1DCF1B-A5D7-45C4-B84A-C7BBF8E621B3}"/>
                 </a:ext>
               </a:extLst>
             </p:cNvPr>
@@ -19769,7 +19652,7 @@
           <p:cNvPr id="9" name="灯片编号占位符 8">
             <a:extLst>
               <a:ext uri="{FF2B5EF4-FFF2-40B4-BE49-F238E27FC236}">
-                <a16:creationId xmlns:a16="http://schemas.microsoft.com/office/drawing/2014/main" xmlns="" id="{BE314705-FDE3-4411-8A49-A00D177A76E2}"/>
+                <a16:creationId xmlns:a16="http://schemas.microsoft.com/office/drawing/2014/main" id="{BE314705-FDE3-4411-8A49-A00D177A76E2}"/>
               </a:ext>
             </a:extLst>
           </p:cNvPr>
@@ -19803,13 +19686,680 @@
   <p:clrMapOvr>
     <a:masterClrMapping/>
   </p:clrMapOvr>
-  <p:transition xmlns:p14="http://schemas.microsoft.com/office/powerpoint/2010/main">
+  <p:transition>
     <p:fade/>
   </p:transition>
 </p:sld>
 </file>
 
 <file path=ppt/slides/slide15.xml><?xml version="1.0" encoding="utf-8"?>
+<p:sld xmlns:a="http://schemas.openxmlformats.org/drawingml/2006/main" xmlns:r="http://schemas.openxmlformats.org/officeDocument/2006/relationships" xmlns:p="http://schemas.openxmlformats.org/presentationml/2006/main">
+  <p:cSld>
+    <p:spTree>
+      <p:nvGrpSpPr>
+        <p:cNvPr id="1" name=""/>
+        <p:cNvGrpSpPr/>
+        <p:nvPr/>
+      </p:nvGrpSpPr>
+      <p:grpSpPr>
+        <a:xfrm>
+          <a:off x="0" y="0"/>
+          <a:ext cx="0" cy="0"/>
+          <a:chOff x="0" y="0"/>
+          <a:chExt cx="0" cy="0"/>
+        </a:xfrm>
+      </p:grpSpPr>
+      <p:sp>
+        <p:nvSpPr>
+          <p:cNvPr id="21" name="Rectangle 20">
+            <a:extLst>
+              <a:ext uri="{FF2B5EF4-FFF2-40B4-BE49-F238E27FC236}">
+                <a16:creationId xmlns:a16="http://schemas.microsoft.com/office/drawing/2014/main" id="{6166C6D1-23AC-49C4-BA07-238E4E9F8CEB}"/>
+              </a:ext>
+              <a:ext uri="{C183D7F6-B498-43B3-948B-1728B52AA6E4}">
+                <adec:decorative xmlns:adec="http://schemas.microsoft.com/office/drawing/2017/decorative" val="1"/>
+              </a:ext>
+            </a:extLst>
+          </p:cNvPr>
+          <p:cNvSpPr>
+            <a:spLocks noGrp="1" noRot="1" noChangeAspect="1" noMove="1" noResize="1" noEditPoints="1" noAdjustHandles="1" noChangeArrowheads="1" noChangeShapeType="1" noTextEdit="1"/>
+          </p:cNvSpPr>
+          <p:nvPr>
+            <p:extLst>
+              <p:ext uri="{386F3935-93C4-4BCD-93E2-E3B085C9AB24}">
+                <p16:designElem xmlns:p16="http://schemas.microsoft.com/office/powerpoint/2015/main" val="1"/>
+              </p:ext>
+            </p:extLst>
+          </p:nvPr>
+        </p:nvSpPr>
+        <p:spPr>
+          <a:xfrm>
+            <a:off x="346543" y="450221"/>
+            <a:ext cx="3301783" cy="3918123"/>
+          </a:xfrm>
+          <a:prstGeom prst="rect">
+            <a:avLst/>
+          </a:prstGeom>
+          <a:solidFill>
+            <a:srgbClr val="595959"/>
+          </a:solidFill>
+          <a:ln w="25400">
+            <a:noFill/>
+          </a:ln>
+        </p:spPr>
+        <p:style>
+          <a:lnRef idx="2">
+            <a:schemeClr val="accent1">
+              <a:shade val="50000"/>
+            </a:schemeClr>
+          </a:lnRef>
+          <a:fillRef idx="1">
+            <a:schemeClr val="accent1"/>
+          </a:fillRef>
+          <a:effectRef idx="0">
+            <a:schemeClr val="accent1"/>
+          </a:effectRef>
+          <a:fontRef idx="minor">
+            <a:schemeClr val="lt1"/>
+          </a:fontRef>
+        </p:style>
+        <p:txBody>
+          <a:bodyPr rtlCol="0" anchor="ctr"/>
+          <a:lstStyle/>
+          <a:p>
+            <a:pPr marL="0" marR="0" lvl="0" indent="0" algn="ctr" defTabSz="914400" rtl="0" eaLnBrk="1" fontAlgn="auto" latinLnBrk="0" hangingPunct="1">
+              <a:lnSpc>
+                <a:spcPct val="100000"/>
+              </a:lnSpc>
+              <a:spcBef>
+                <a:spcPts val="0"/>
+              </a:spcBef>
+              <a:spcAft>
+                <a:spcPts val="0"/>
+              </a:spcAft>
+              <a:buClrTx/>
+              <a:buSzTx/>
+              <a:buFontTx/>
+              <a:buNone/>
+              <a:tabLst/>
+              <a:defRPr/>
+            </a:pPr>
+            <a:endParaRPr kumimoji="0" lang="en-US" sz="1800" b="0" i="0" u="none" strike="noStrike" kern="1200" cap="none" spc="0" normalizeH="0" baseline="0" noProof="0">
+              <a:ln>
+                <a:noFill/>
+              </a:ln>
+              <a:solidFill>
+                <a:srgbClr val="FFFFFF"/>
+              </a:solidFill>
+              <a:effectLst/>
+              <a:uLnTx/>
+              <a:uFillTx/>
+              <a:latin typeface="Calibri" panose="020F0502020204030204"/>
+              <a:ea typeface="+mn-ea"/>
+              <a:cs typeface="+mn-cs"/>
+            </a:endParaRPr>
+          </a:p>
+        </p:txBody>
+      </p:sp>
+      <p:sp>
+        <p:nvSpPr>
+          <p:cNvPr id="2" name="标题 1">
+            <a:extLst>
+              <a:ext uri="{FF2B5EF4-FFF2-40B4-BE49-F238E27FC236}">
+                <a16:creationId xmlns:a16="http://schemas.microsoft.com/office/drawing/2014/main" id="{2BC47A72-AFF4-4C1C-B6CD-A4E06EBE1B9A}"/>
+              </a:ext>
+            </a:extLst>
+          </p:cNvPr>
+          <p:cNvSpPr>
+            <a:spLocks noGrp="1"/>
+          </p:cNvSpPr>
+          <p:nvPr>
+            <p:ph type="title"/>
+          </p:nvPr>
+        </p:nvSpPr>
+        <p:spPr>
+          <a:xfrm>
+            <a:off x="591349" y="780655"/>
+            <a:ext cx="2813747" cy="3261168"/>
+          </a:xfrm>
+        </p:spPr>
+        <p:txBody>
+          <a:bodyPr>
+            <a:normAutofit/>
+          </a:bodyPr>
+          <a:lstStyle/>
+          <a:p>
+            <a:r>
+              <a:rPr lang="en-US" altLang="zh-CN" dirty="0">
+                <a:solidFill>
+                  <a:srgbClr val="FFFFFF"/>
+                </a:solidFill>
+              </a:rPr>
+              <a:t>Loss Function</a:t>
+            </a:r>
+            <a:endParaRPr lang="zh-CN" altLang="en-US" dirty="0">
+              <a:solidFill>
+                <a:srgbClr val="FFFFFF"/>
+              </a:solidFill>
+            </a:endParaRPr>
+          </a:p>
+        </p:txBody>
+      </p:sp>
+      <p:sp>
+        <p:nvSpPr>
+          <p:cNvPr id="23" name="Rectangle 22">
+            <a:extLst>
+              <a:ext uri="{FF2B5EF4-FFF2-40B4-BE49-F238E27FC236}">
+                <a16:creationId xmlns:a16="http://schemas.microsoft.com/office/drawing/2014/main" id="{B775CD93-9DF2-48CB-9F57-1BCA9A46C7FA}"/>
+              </a:ext>
+              <a:ext uri="{C183D7F6-B498-43B3-948B-1728B52AA6E4}">
+                <adec:decorative xmlns:adec="http://schemas.microsoft.com/office/drawing/2017/decorative" val="1"/>
+              </a:ext>
+            </a:extLst>
+          </p:cNvPr>
+          <p:cNvSpPr>
+            <a:spLocks noGrp="1" noRot="1" noChangeAspect="1" noMove="1" noResize="1" noEditPoints="1" noAdjustHandles="1" noChangeArrowheads="1" noChangeShapeType="1" noTextEdit="1"/>
+          </p:cNvSpPr>
+          <p:nvPr>
+            <p:extLst>
+              <p:ext uri="{386F3935-93C4-4BCD-93E2-E3B085C9AB24}">
+                <p16:designElem xmlns:p16="http://schemas.microsoft.com/office/powerpoint/2015/main" val="1"/>
+              </p:ext>
+            </p:extLst>
+          </p:nvPr>
+        </p:nvSpPr>
+        <p:spPr>
+          <a:xfrm>
+            <a:off x="3763782" y="458922"/>
+            <a:ext cx="1603552" cy="1877811"/>
+          </a:xfrm>
+          <a:prstGeom prst="rect">
+            <a:avLst/>
+          </a:prstGeom>
+          <a:solidFill>
+            <a:srgbClr val="4E342A"/>
+          </a:solidFill>
+          <a:ln w="25400">
+            <a:noFill/>
+          </a:ln>
+        </p:spPr>
+        <p:style>
+          <a:lnRef idx="2">
+            <a:schemeClr val="accent1">
+              <a:shade val="50000"/>
+            </a:schemeClr>
+          </a:lnRef>
+          <a:fillRef idx="1">
+            <a:schemeClr val="accent1"/>
+          </a:fillRef>
+          <a:effectRef idx="0">
+            <a:schemeClr val="accent1"/>
+          </a:effectRef>
+          <a:fontRef idx="minor">
+            <a:schemeClr val="lt1"/>
+          </a:fontRef>
+        </p:style>
+        <p:txBody>
+          <a:bodyPr rtlCol="0" anchor="ctr"/>
+          <a:lstStyle/>
+          <a:p>
+            <a:pPr marL="0" marR="0" lvl="0" indent="0" algn="ctr" defTabSz="914400" rtl="0" eaLnBrk="1" fontAlgn="auto" latinLnBrk="0" hangingPunct="1">
+              <a:lnSpc>
+                <a:spcPct val="100000"/>
+              </a:lnSpc>
+              <a:spcBef>
+                <a:spcPts val="0"/>
+              </a:spcBef>
+              <a:spcAft>
+                <a:spcPts val="0"/>
+              </a:spcAft>
+              <a:buClrTx/>
+              <a:buSzTx/>
+              <a:buFontTx/>
+              <a:buNone/>
+              <a:tabLst/>
+              <a:defRPr/>
+            </a:pPr>
+            <a:endParaRPr kumimoji="0" lang="en-US" sz="1800" b="0" i="0" u="none" strike="noStrike" kern="1200" cap="none" spc="0" normalizeH="0" baseline="0" noProof="0">
+              <a:ln>
+                <a:noFill/>
+              </a:ln>
+              <a:solidFill>
+                <a:srgbClr val="FFFFFF"/>
+              </a:solidFill>
+              <a:effectLst/>
+              <a:uLnTx/>
+              <a:uFillTx/>
+              <a:latin typeface="Calibri" panose="020F0502020204030204"/>
+              <a:ea typeface="+mn-ea"/>
+              <a:cs typeface="+mn-cs"/>
+            </a:endParaRPr>
+          </a:p>
+        </p:txBody>
+      </p:sp>
+      <p:sp>
+        <p:nvSpPr>
+          <p:cNvPr id="25" name="Rectangle 24">
+            <a:extLst>
+              <a:ext uri="{FF2B5EF4-FFF2-40B4-BE49-F238E27FC236}">
+                <a16:creationId xmlns:a16="http://schemas.microsoft.com/office/drawing/2014/main" id="{E186B68C-84BC-4A6E-99D1-EE87483C1349}"/>
+              </a:ext>
+              <a:ext uri="{C183D7F6-B498-43B3-948B-1728B52AA6E4}">
+                <adec:decorative xmlns:adec="http://schemas.microsoft.com/office/drawing/2017/decorative" val="1"/>
+              </a:ext>
+            </a:extLst>
+          </p:cNvPr>
+          <p:cNvSpPr>
+            <a:spLocks noGrp="1" noRot="1" noChangeAspect="1" noMove="1" noResize="1" noEditPoints="1" noAdjustHandles="1" noChangeArrowheads="1" noChangeShapeType="1" noTextEdit="1"/>
+          </p:cNvSpPr>
+          <p:nvPr>
+            <p:extLst>
+              <p:ext uri="{386F3935-93C4-4BCD-93E2-E3B085C9AB24}">
+                <p16:designElem xmlns:p16="http://schemas.microsoft.com/office/powerpoint/2015/main" val="1"/>
+              </p:ext>
+            </p:extLst>
+          </p:nvPr>
+        </p:nvSpPr>
+        <p:spPr>
+          <a:xfrm>
+            <a:off x="3763782" y="2469002"/>
+            <a:ext cx="1609521" cy="1898903"/>
+          </a:xfrm>
+          <a:prstGeom prst="rect">
+            <a:avLst/>
+          </a:prstGeom>
+          <a:solidFill>
+            <a:srgbClr val="FDB663"/>
+          </a:solidFill>
+          <a:ln w="25400">
+            <a:noFill/>
+          </a:ln>
+        </p:spPr>
+        <p:style>
+          <a:lnRef idx="2">
+            <a:schemeClr val="accent1">
+              <a:shade val="50000"/>
+            </a:schemeClr>
+          </a:lnRef>
+          <a:fillRef idx="1">
+            <a:schemeClr val="accent1"/>
+          </a:fillRef>
+          <a:effectRef idx="0">
+            <a:schemeClr val="accent1"/>
+          </a:effectRef>
+          <a:fontRef idx="minor">
+            <a:schemeClr val="lt1"/>
+          </a:fontRef>
+        </p:style>
+        <p:txBody>
+          <a:bodyPr rtlCol="0" anchor="ctr"/>
+          <a:lstStyle/>
+          <a:p>
+            <a:pPr marL="0" marR="0" lvl="0" indent="0" algn="ctr" defTabSz="914400" rtl="0" eaLnBrk="1" fontAlgn="auto" latinLnBrk="0" hangingPunct="1">
+              <a:lnSpc>
+                <a:spcPct val="100000"/>
+              </a:lnSpc>
+              <a:spcBef>
+                <a:spcPts val="0"/>
+              </a:spcBef>
+              <a:spcAft>
+                <a:spcPts val="0"/>
+              </a:spcAft>
+              <a:buClrTx/>
+              <a:buSzTx/>
+              <a:buFontTx/>
+              <a:buNone/>
+              <a:tabLst/>
+              <a:defRPr/>
+            </a:pPr>
+            <a:endParaRPr kumimoji="0" lang="en-US" sz="1800" b="0" i="0" u="none" strike="noStrike" kern="1200" cap="none" spc="0" normalizeH="0" baseline="0" noProof="0">
+              <a:ln>
+                <a:noFill/>
+              </a:ln>
+              <a:solidFill>
+                <a:srgbClr val="FFFFFF"/>
+              </a:solidFill>
+              <a:effectLst/>
+              <a:uLnTx/>
+              <a:uFillTx/>
+              <a:latin typeface="Calibri" panose="020F0502020204030204"/>
+              <a:ea typeface="+mn-ea"/>
+              <a:cs typeface="+mn-cs"/>
+            </a:endParaRPr>
+          </a:p>
+        </p:txBody>
+      </p:sp>
+      <p:pic>
+        <p:nvPicPr>
+          <p:cNvPr id="5" name="图片 4" descr="图片包含 物体, 天线&#10;&#10;已生成极高可信度的说明">
+            <a:extLst>
+              <a:ext uri="{FF2B5EF4-FFF2-40B4-BE49-F238E27FC236}">
+                <a16:creationId xmlns:a16="http://schemas.microsoft.com/office/drawing/2014/main" id="{D3B4089F-FDC7-4DE1-AA42-24C80569AECE}"/>
+              </a:ext>
+            </a:extLst>
+          </p:cNvPr>
+          <p:cNvPicPr>
+            <a:picLocks noChangeAspect="1"/>
+          </p:cNvPicPr>
+          <p:nvPr/>
+        </p:nvPicPr>
+        <p:blipFill>
+          <a:blip r:embed="rId2">
+            <a:extLst>
+              <a:ext uri="{28A0092B-C50C-407E-A947-70E740481C1C}">
+                <a14:useLocalDpi xmlns:a14="http://schemas.microsoft.com/office/drawing/2010/main" val="0"/>
+              </a:ext>
+            </a:extLst>
+          </a:blip>
+          <a:stretch>
+            <a:fillRect/>
+          </a:stretch>
+        </p:blipFill>
+        <p:spPr>
+          <a:xfrm>
+            <a:off x="344190" y="4930158"/>
+            <a:ext cx="5006339" cy="1051331"/>
+          </a:xfrm>
+          <a:prstGeom prst="rect">
+            <a:avLst/>
+          </a:prstGeom>
+        </p:spPr>
+      </p:pic>
+      <p:sp>
+        <p:nvSpPr>
+          <p:cNvPr id="27" name="Rectangle 26">
+            <a:extLst>
+              <a:ext uri="{FF2B5EF4-FFF2-40B4-BE49-F238E27FC236}">
+                <a16:creationId xmlns:a16="http://schemas.microsoft.com/office/drawing/2014/main" id="{1C091803-41C2-48E0-9228-5148460C7479}"/>
+              </a:ext>
+              <a:ext uri="{C183D7F6-B498-43B3-948B-1728B52AA6E4}">
+                <adec:decorative xmlns:adec="http://schemas.microsoft.com/office/drawing/2017/decorative" val="1"/>
+              </a:ext>
+            </a:extLst>
+          </p:cNvPr>
+          <p:cNvSpPr>
+            <a:spLocks noGrp="1" noRot="1" noChangeAspect="1" noMove="1" noResize="1" noEditPoints="1" noAdjustHandles="1" noChangeArrowheads="1" noChangeShapeType="1" noTextEdit="1"/>
+          </p:cNvSpPr>
+          <p:nvPr>
+            <p:extLst>
+              <p:ext uri="{386F3935-93C4-4BCD-93E2-E3B085C9AB24}">
+                <p16:designElem xmlns:p16="http://schemas.microsoft.com/office/powerpoint/2015/main" val="1"/>
+              </p:ext>
+            </p:extLst>
+          </p:nvPr>
+        </p:nvSpPr>
+        <p:spPr>
+          <a:xfrm>
+            <a:off x="5483563" y="450221"/>
+            <a:ext cx="3316246" cy="5948858"/>
+          </a:xfrm>
+          <a:prstGeom prst="rect">
+            <a:avLst/>
+          </a:prstGeom>
+          <a:solidFill>
+            <a:schemeClr val="tx1">
+              <a:lumMod val="50000"/>
+              <a:lumOff val="50000"/>
+              <a:alpha val="20000"/>
+            </a:schemeClr>
+          </a:solidFill>
+          <a:ln>
+            <a:noFill/>
+          </a:ln>
+        </p:spPr>
+        <p:style>
+          <a:lnRef idx="2">
+            <a:schemeClr val="accent1">
+              <a:shade val="50000"/>
+            </a:schemeClr>
+          </a:lnRef>
+          <a:fillRef idx="1">
+            <a:schemeClr val="accent1"/>
+          </a:fillRef>
+          <a:effectRef idx="0">
+            <a:schemeClr val="accent1"/>
+          </a:effectRef>
+          <a:fontRef idx="minor">
+            <a:schemeClr val="lt1"/>
+          </a:fontRef>
+        </p:style>
+        <p:txBody>
+          <a:bodyPr rtlCol="0" anchor="ctr"/>
+          <a:lstStyle/>
+          <a:p>
+            <a:pPr marL="0" marR="0" lvl="0" indent="0" algn="ctr" defTabSz="914400" rtl="0" eaLnBrk="1" fontAlgn="auto" latinLnBrk="0" hangingPunct="1">
+              <a:lnSpc>
+                <a:spcPct val="100000"/>
+              </a:lnSpc>
+              <a:spcBef>
+                <a:spcPts val="0"/>
+              </a:spcBef>
+              <a:spcAft>
+                <a:spcPts val="0"/>
+              </a:spcAft>
+              <a:buClrTx/>
+              <a:buSzTx/>
+              <a:buFontTx/>
+              <a:buNone/>
+              <a:tabLst/>
+              <a:defRPr/>
+            </a:pPr>
+            <a:endParaRPr kumimoji="0" lang="en-US" sz="1800" b="0" i="0" u="none" strike="noStrike" kern="1200" cap="none" spc="0" normalizeH="0" baseline="0" noProof="0">
+              <a:ln>
+                <a:noFill/>
+              </a:ln>
+              <a:solidFill>
+                <a:prstClr val="white">
+                  <a:lumMod val="85000"/>
+                </a:prstClr>
+              </a:solidFill>
+              <a:effectLst/>
+              <a:uLnTx/>
+              <a:uFillTx/>
+              <a:latin typeface="Calibri" panose="020F0502020204030204"/>
+              <a:ea typeface="+mn-ea"/>
+              <a:cs typeface="+mn-cs"/>
+            </a:endParaRPr>
+          </a:p>
+        </p:txBody>
+      </p:sp>
+      <p:sp>
+        <p:nvSpPr>
+          <p:cNvPr id="3" name="内容占位符 2">
+            <a:extLst>
+              <a:ext uri="{FF2B5EF4-FFF2-40B4-BE49-F238E27FC236}">
+                <a16:creationId xmlns:a16="http://schemas.microsoft.com/office/drawing/2014/main" id="{74307DE5-7DF9-49E3-AA97-7205EF15BAE7}"/>
+              </a:ext>
+            </a:extLst>
+          </p:cNvPr>
+          <p:cNvSpPr>
+            <a:spLocks noGrp="1"/>
+          </p:cNvSpPr>
+          <p:nvPr>
+            <p:ph idx="1"/>
+          </p:nvPr>
+        </p:nvSpPr>
+        <p:spPr>
+          <a:xfrm>
+            <a:off x="5821229" y="900442"/>
+            <a:ext cx="2635566" cy="5048417"/>
+          </a:xfrm>
+        </p:spPr>
+        <p:txBody>
+          <a:bodyPr anchor="ctr">
+            <a:normAutofit lnSpcReduction="10000"/>
+          </a:bodyPr>
+          <a:lstStyle/>
+          <a:p>
+            <a:pPr marL="0" indent="0">
+              <a:buNone/>
+            </a:pPr>
+            <a:r>
+              <a:rPr lang="en-US" altLang="zh-CN" sz="2100" dirty="0"/>
+              <a:t>Common Loss Function: </a:t>
+            </a:r>
+          </a:p>
+          <a:p>
+            <a:pPr marL="0" indent="0">
+              <a:buNone/>
+            </a:pPr>
+            <a:r>
+              <a:rPr lang="en-US" altLang="zh-CN" sz="2100" dirty="0"/>
+              <a:t> </a:t>
+            </a:r>
+            <a:r>
+              <a:rPr lang="en-US" altLang="zh-CN" sz="2100" b="1" dirty="0"/>
+              <a:t>Mean Squared Error</a:t>
+            </a:r>
+          </a:p>
+          <a:p>
+            <a:r>
+              <a:rPr lang="en-US" altLang="zh-CN" sz="2100" dirty="0"/>
+              <a:t>Simple to use</a:t>
+            </a:r>
+          </a:p>
+          <a:p>
+            <a:r>
+              <a:rPr lang="en-US" altLang="zh-CN" sz="2100" dirty="0"/>
+              <a:t>Represent single pixel lost</a:t>
+            </a:r>
+          </a:p>
+          <a:p>
+            <a:r>
+              <a:rPr lang="en-US" altLang="zh-CN" sz="2100" dirty="0"/>
+              <a:t>Not</a:t>
+            </a:r>
+            <a:r>
+              <a:rPr lang="zh-CN" altLang="en-US" sz="2100" dirty="0"/>
+              <a:t> </a:t>
+            </a:r>
+            <a:r>
+              <a:rPr lang="en-US" altLang="zh-CN" sz="2100" dirty="0"/>
+              <a:t>making</a:t>
+            </a:r>
+            <a:r>
+              <a:rPr lang="zh-CN" altLang="en-US" sz="2100" dirty="0"/>
+              <a:t> </a:t>
+            </a:r>
+            <a:r>
+              <a:rPr lang="en-US" altLang="zh-CN" sz="2100" dirty="0"/>
+              <a:t>assumptions</a:t>
+            </a:r>
+          </a:p>
+          <a:p>
+            <a:endParaRPr lang="en-US" altLang="zh-CN" sz="2100" dirty="0"/>
+          </a:p>
+          <a:p>
+            <a:pPr marL="0" indent="0">
+              <a:buNone/>
+            </a:pPr>
+            <a:r>
+              <a:rPr lang="en-US" altLang="zh-CN" sz="2100" b="1" dirty="0"/>
+              <a:t>    Downside:</a:t>
+            </a:r>
+          </a:p>
+          <a:p>
+            <a:r>
+              <a:rPr lang="en-US" altLang="zh-CN" sz="2100" dirty="0"/>
+              <a:t>Easy to be effected by extreme values</a:t>
+            </a:r>
+          </a:p>
+          <a:p>
+            <a:r>
+              <a:rPr lang="en-US" altLang="zh-CN" sz="2100" dirty="0"/>
+              <a:t>Fitted values tend to approach to the algorithmic average</a:t>
+            </a:r>
+          </a:p>
+          <a:p>
+            <a:endParaRPr lang="en-US" altLang="zh-CN" sz="2100" dirty="0"/>
+          </a:p>
+        </p:txBody>
+      </p:sp>
+      <p:sp>
+        <p:nvSpPr>
+          <p:cNvPr id="4" name="灯片编号占位符 3">
+            <a:extLst>
+              <a:ext uri="{FF2B5EF4-FFF2-40B4-BE49-F238E27FC236}">
+                <a16:creationId xmlns:a16="http://schemas.microsoft.com/office/drawing/2014/main" id="{E8C679F0-8AAD-46AE-9715-74AE1F5B6EB4}"/>
+              </a:ext>
+            </a:extLst>
+          </p:cNvPr>
+          <p:cNvSpPr>
+            <a:spLocks noGrp="1"/>
+          </p:cNvSpPr>
+          <p:nvPr>
+            <p:ph type="sldNum" sz="quarter" idx="12"/>
+          </p:nvPr>
+        </p:nvSpPr>
+        <p:spPr/>
+        <p:txBody>
+          <a:bodyPr/>
+          <a:lstStyle/>
+          <a:p>
+            <a:fld id="{C633B4E1-CAF6-4547-A76A-3005402A1943}" type="slidenum">
+              <a:rPr lang="zh-CN" altLang="en-US" smtClean="0"/>
+              <a:t>15</a:t>
+            </a:fld>
+            <a:endParaRPr lang="zh-CN" altLang="en-US"/>
+          </a:p>
+        </p:txBody>
+      </p:sp>
+      <p:sp>
+        <p:nvSpPr>
+          <p:cNvPr id="6" name="矩形 5">
+            <a:extLst>
+              <a:ext uri="{FF2B5EF4-FFF2-40B4-BE49-F238E27FC236}">
+                <a16:creationId xmlns:a16="http://schemas.microsoft.com/office/drawing/2014/main" id="{8F2EB184-650C-4AAF-A587-F8C74B8FA6F0}"/>
+              </a:ext>
+            </a:extLst>
+          </p:cNvPr>
+          <p:cNvSpPr/>
+          <p:nvPr/>
+        </p:nvSpPr>
+        <p:spPr>
+          <a:xfrm>
+            <a:off x="344190" y="4603637"/>
+            <a:ext cx="1941622" cy="369332"/>
+          </a:xfrm>
+          <a:prstGeom prst="rect">
+            <a:avLst/>
+          </a:prstGeom>
+        </p:spPr>
+        <p:txBody>
+          <a:bodyPr wrap="none">
+            <a:spAutoFit/>
+          </a:bodyPr>
+          <a:lstStyle/>
+          <a:p>
+            <a:r>
+              <a:rPr lang="zh-CN" altLang="en-US" dirty="0"/>
+              <a:t>MSE Loss Formula</a:t>
+            </a:r>
+            <a:r>
+              <a:rPr lang="en-US" altLang="zh-CN" dirty="0"/>
+              <a:t>:</a:t>
+            </a:r>
+            <a:endParaRPr lang="zh-CN" altLang="en-US" dirty="0"/>
+          </a:p>
+        </p:txBody>
+      </p:sp>
+    </p:spTree>
+    <p:extLst>
+      <p:ext uri="{BB962C8B-B14F-4D97-AF65-F5344CB8AC3E}">
+        <p14:creationId xmlns:p14="http://schemas.microsoft.com/office/powerpoint/2010/main" val="535738343"/>
+      </p:ext>
+    </p:extLst>
+  </p:cSld>
+  <p:clrMapOvr>
+    <a:masterClrMapping/>
+  </p:clrMapOvr>
+  <p:transition>
+    <p:fade/>
+  </p:transition>
+</p:sld>
+</file>
+
+<file path=ppt/slides/slide16.xml><?xml version="1.0" encoding="utf-8"?>
 <p:sld xmlns:a="http://schemas.openxmlformats.org/drawingml/2006/main" xmlns:r="http://schemas.openxmlformats.org/officeDocument/2006/relationships" xmlns:p="http://schemas.openxmlformats.org/presentationml/2006/main">
   <p:cSld>
     <p:bg>
@@ -19839,10 +20389,10 @@
           <p:cNvPr id="10" name="Rectangle 9">
             <a:extLst>
               <a:ext uri="{FF2B5EF4-FFF2-40B4-BE49-F238E27FC236}">
-                <a16:creationId xmlns:a16="http://schemas.microsoft.com/office/drawing/2014/main" xmlns="" id="{BE95D989-81FA-4BAD-9AD5-E46CEDA91B36}"/>
+                <a16:creationId xmlns:a16="http://schemas.microsoft.com/office/drawing/2014/main" id="{BE95D989-81FA-4BAD-9AD5-E46CEDA91B36}"/>
               </a:ext>
               <a:ext uri="{C183D7F6-B498-43B3-948B-1728B52AA6E4}">
-                <adec:decorative xmlns:adec="http://schemas.microsoft.com/office/drawing/2017/decorative" xmlns="" val="1"/>
+                <adec:decorative xmlns:adec="http://schemas.microsoft.com/office/drawing/2017/decorative" val="1"/>
               </a:ext>
             </a:extLst>
           </p:cNvPr>
@@ -19852,7 +20402,7 @@
           <p:nvPr>
             <p:extLst>
               <p:ext uri="{386F3935-93C4-4BCD-93E2-E3B085C9AB24}">
-                <p16:designElem xmlns:p16="http://schemas.microsoft.com/office/powerpoint/2015/main" xmlns="" val="1"/>
+                <p16:designElem xmlns:p16="http://schemas.microsoft.com/office/powerpoint/2015/main" val="1"/>
               </p:ext>
             </p:extLst>
           </p:nvPr>
@@ -19931,7 +20481,7 @@
           <p:cNvPr id="2" name="标题 1">
             <a:extLst>
               <a:ext uri="{FF2B5EF4-FFF2-40B4-BE49-F238E27FC236}">
-                <a16:creationId xmlns:a16="http://schemas.microsoft.com/office/drawing/2014/main" xmlns="" id="{BB786FB2-F310-46C1-AED0-4F670BF05723}"/>
+                <a16:creationId xmlns:a16="http://schemas.microsoft.com/office/drawing/2014/main" id="{BB786FB2-F310-46C1-AED0-4F670BF05723}"/>
               </a:ext>
             </a:extLst>
           </p:cNvPr>
@@ -19960,31 +20510,15 @@
                   <a:srgbClr val="FFFFFF"/>
                 </a:solidFill>
               </a:rPr>
-              <a:t>Future </a:t>
-            </a:r>
-            <a:r>
-              <a:rPr lang="en-US" altLang="zh-CN" dirty="0" smtClean="0">
-                <a:solidFill>
-                  <a:srgbClr val="FFFFFF"/>
-                </a:solidFill>
-              </a:rPr>
-              <a:t>Plan</a:t>
+              <a:t>Future Plan</a:t>
             </a:r>
             <a:br>
-              <a:rPr lang="en-US" altLang="zh-CN" dirty="0" smtClean="0">
+              <a:rPr lang="en-US" altLang="zh-CN" dirty="0">
                 <a:solidFill>
                   <a:srgbClr val="FFFFFF"/>
                 </a:solidFill>
               </a:rPr>
             </a:br>
-            <a:r>
-              <a:rPr lang="en-US" altLang="zh-CN" dirty="0" smtClean="0">
-                <a:solidFill>
-                  <a:srgbClr val="FFFFFF"/>
-                </a:solidFill>
-              </a:rPr>
-              <a:t>(Unfinished)</a:t>
-            </a:r>
             <a:endParaRPr lang="zh-CN" altLang="en-US" dirty="0">
               <a:solidFill>
                 <a:srgbClr val="FFFFFF"/>
@@ -19998,10 +20532,10 @@
           <p:cNvPr id="12" name="Rectangle 11">
             <a:extLst>
               <a:ext uri="{FF2B5EF4-FFF2-40B4-BE49-F238E27FC236}">
-                <a16:creationId xmlns:a16="http://schemas.microsoft.com/office/drawing/2014/main" xmlns="" id="{156189E5-8A3E-4CFD-B71B-CCD0F8495E56}"/>
+                <a16:creationId xmlns:a16="http://schemas.microsoft.com/office/drawing/2014/main" id="{156189E5-8A3E-4CFD-B71B-CCD0F8495E56}"/>
               </a:ext>
               <a:ext uri="{C183D7F6-B498-43B3-948B-1728B52AA6E4}">
-                <adec:decorative xmlns:adec="http://schemas.microsoft.com/office/drawing/2017/decorative" xmlns="" val="1"/>
+                <adec:decorative xmlns:adec="http://schemas.microsoft.com/office/drawing/2017/decorative" val="1"/>
               </a:ext>
             </a:extLst>
           </p:cNvPr>
@@ -20011,7 +20545,7 @@
           <p:nvPr>
             <p:extLst>
               <p:ext uri="{386F3935-93C4-4BCD-93E2-E3B085C9AB24}">
-                <p16:designElem xmlns:p16="http://schemas.microsoft.com/office/powerpoint/2015/main" xmlns="" val="1"/>
+                <p16:designElem xmlns:p16="http://schemas.microsoft.com/office/powerpoint/2015/main" val="1"/>
               </p:ext>
             </p:extLst>
           </p:nvPr>
@@ -20092,7 +20626,7 @@
           <p:cNvPr id="5" name="内容占位符 2">
             <a:extLst>
               <a:ext uri="{FF2B5EF4-FFF2-40B4-BE49-F238E27FC236}">
-                <a16:creationId xmlns:a16="http://schemas.microsoft.com/office/drawing/2014/main" xmlns="" id="{472116B6-C8DA-40C0-8861-9EEA5F2C0851}"/>
+                <a16:creationId xmlns:a16="http://schemas.microsoft.com/office/drawing/2014/main" id="{472116B6-C8DA-40C0-8861-9EEA5F2C0851}"/>
               </a:ext>
             </a:extLst>
           </p:cNvPr>
@@ -20123,7 +20657,7 @@
           <p:cNvPr id="4" name="灯片编号占位符 3">
             <a:extLst>
               <a:ext uri="{FF2B5EF4-FFF2-40B4-BE49-F238E27FC236}">
-                <a16:creationId xmlns:a16="http://schemas.microsoft.com/office/drawing/2014/main" xmlns="" id="{AD8A005A-0E5D-49C5-8186-E4604B06DBB8}"/>
+                <a16:creationId xmlns:a16="http://schemas.microsoft.com/office/drawing/2014/main" id="{AD8A005A-0E5D-49C5-8186-E4604B06DBB8}"/>
               </a:ext>
             </a:extLst>
           </p:cNvPr>
@@ -20141,7 +20675,7 @@
           <a:p>
             <a:fld id="{C633B4E1-CAF6-4547-A76A-3005402A1943}" type="slidenum">
               <a:rPr lang="zh-CN" altLang="en-US" smtClean="0"/>
-              <a:t>15</a:t>
+              <a:t>16</a:t>
             </a:fld>
             <a:endParaRPr lang="zh-CN" altLang="en-US"/>
           </a:p>
@@ -20157,13 +20691,13 @@
   <p:clrMapOvr>
     <a:masterClrMapping/>
   </p:clrMapOvr>
-  <p:transition xmlns:p14="http://schemas.microsoft.com/office/powerpoint/2010/main">
+  <p:transition>
     <p:fade/>
   </p:transition>
 </p:sld>
 </file>
 
-<file path=ppt/slides/slide16.xml><?xml version="1.0" encoding="utf-8"?>
+<file path=ppt/slides/slide17.xml><?xml version="1.0" encoding="utf-8"?>
 <p:sld xmlns:a="http://schemas.openxmlformats.org/drawingml/2006/main" xmlns:r="http://schemas.openxmlformats.org/officeDocument/2006/relationships" xmlns:p="http://schemas.openxmlformats.org/presentationml/2006/main">
   <p:cSld>
     <p:bg>
@@ -20193,10 +20727,10 @@
           <p:cNvPr id="9" name="Rectangle 8">
             <a:extLst>
               <a:ext uri="{FF2B5EF4-FFF2-40B4-BE49-F238E27FC236}">
-                <a16:creationId xmlns:a16="http://schemas.microsoft.com/office/drawing/2014/main" xmlns="" id="{823AC064-BC96-4F32-8AE1-B2FD38754823}"/>
+                <a16:creationId xmlns:a16="http://schemas.microsoft.com/office/drawing/2014/main" id="{823AC064-BC96-4F32-8AE1-B2FD38754823}"/>
               </a:ext>
               <a:ext uri="{C183D7F6-B498-43B3-948B-1728B52AA6E4}">
-                <adec:decorative xmlns:adec="http://schemas.microsoft.com/office/drawing/2017/decorative" xmlns="" val="1"/>
+                <adec:decorative xmlns:adec="http://schemas.microsoft.com/office/drawing/2017/decorative" val="1"/>
               </a:ext>
             </a:extLst>
           </p:cNvPr>
@@ -20206,7 +20740,7 @@
           <p:nvPr>
             <p:extLst>
               <p:ext uri="{386F3935-93C4-4BCD-93E2-E3B085C9AB24}">
-                <p16:designElem xmlns:p16="http://schemas.microsoft.com/office/powerpoint/2015/main" xmlns="" val="1"/>
+                <p16:designElem xmlns:p16="http://schemas.microsoft.com/office/powerpoint/2015/main" val="1"/>
               </p:ext>
             </p:extLst>
           </p:nvPr>
@@ -20287,7 +20821,7 @@
           <p:cNvPr id="2" name="标题 1">
             <a:extLst>
               <a:ext uri="{FF2B5EF4-FFF2-40B4-BE49-F238E27FC236}">
-                <a16:creationId xmlns:a16="http://schemas.microsoft.com/office/drawing/2014/main" xmlns="" id="{69CDAD2D-316F-48F3-A7A6-362C960555DC}"/>
+                <a16:creationId xmlns:a16="http://schemas.microsoft.com/office/drawing/2014/main" id="{69CDAD2D-316F-48F3-A7A6-362C960555DC}"/>
               </a:ext>
             </a:extLst>
           </p:cNvPr>
@@ -20323,7 +20857,7 @@
               <a:t>CNN </a:t>
             </a:r>
             <a:r>
-              <a:rPr lang="en-US" altLang="zh-CN" sz="4700" dirty="0" smtClean="0">
+              <a:rPr lang="en-US" altLang="zh-CN" sz="4700" dirty="0">
                 <a:solidFill>
                   <a:srgbClr val="FFFFFF"/>
                 </a:solidFill>
@@ -20346,10 +20880,10 @@
           <p:cNvPr id="11" name="Straight Connector 10">
             <a:extLst>
               <a:ext uri="{FF2B5EF4-FFF2-40B4-BE49-F238E27FC236}">
-                <a16:creationId xmlns:a16="http://schemas.microsoft.com/office/drawing/2014/main" xmlns="" id="{7E7C77BC-7138-40B1-A15B-20F57A494629}"/>
+                <a16:creationId xmlns:a16="http://schemas.microsoft.com/office/drawing/2014/main" id="{7E7C77BC-7138-40B1-A15B-20F57A494629}"/>
               </a:ext>
               <a:ext uri="{C183D7F6-B498-43B3-948B-1728B52AA6E4}">
-                <adec:decorative xmlns:adec="http://schemas.microsoft.com/office/drawing/2017/decorative" xmlns="" val="1"/>
+                <adec:decorative xmlns:adec="http://schemas.microsoft.com/office/drawing/2017/decorative" val="1"/>
               </a:ext>
             </a:extLst>
           </p:cNvPr>
@@ -20359,7 +20893,7 @@
           <p:nvPr>
             <p:extLst>
               <p:ext uri="{386F3935-93C4-4BCD-93E2-E3B085C9AB24}">
-                <p16:designElem xmlns:p16="http://schemas.microsoft.com/office/powerpoint/2015/main" xmlns="" val="1"/>
+                <p16:designElem xmlns:p16="http://schemas.microsoft.com/office/powerpoint/2015/main" val="1"/>
               </p:ext>
             </p:extLst>
           </p:nvPr>
@@ -20398,7 +20932,7 @@
           <p:cNvPr id="5" name="灯片编号占位符 4">
             <a:extLst>
               <a:ext uri="{FF2B5EF4-FFF2-40B4-BE49-F238E27FC236}">
-                <a16:creationId xmlns:a16="http://schemas.microsoft.com/office/drawing/2014/main" xmlns="" id="{D9187FD2-DD6C-4881-A254-B2C39DEADE5D}"/>
+                <a16:creationId xmlns:a16="http://schemas.microsoft.com/office/drawing/2014/main" id="{D9187FD2-DD6C-4881-A254-B2C39DEADE5D}"/>
               </a:ext>
             </a:extLst>
           </p:cNvPr>
@@ -20416,7 +20950,7 @@
           <a:p>
             <a:fld id="{C633B4E1-CAF6-4547-A76A-3005402A1943}" type="slidenum">
               <a:rPr lang="zh-CN" altLang="en-US" smtClean="0"/>
-              <a:t>16</a:t>
+              <a:t>17</a:t>
             </a:fld>
             <a:endParaRPr lang="zh-CN" altLang="en-US"/>
           </a:p>
@@ -20462,7 +20996,7 @@
   <p:clrMapOvr>
     <a:masterClrMapping/>
   </p:clrMapOvr>
-  <p:transition xmlns:p14="http://schemas.microsoft.com/office/powerpoint/2010/main">
+  <p:transition>
     <p:fade/>
   </p:transition>
 </p:sld>
@@ -20498,10 +21032,10 @@
           <p:cNvPr id="10" name="Rectangle 9">
             <a:extLst>
               <a:ext uri="{FF2B5EF4-FFF2-40B4-BE49-F238E27FC236}">
-                <a16:creationId xmlns:a16="http://schemas.microsoft.com/office/drawing/2014/main" xmlns="" id="{BE95D989-81FA-4BAD-9AD5-E46CEDA91B36}"/>
+                <a16:creationId xmlns:a16="http://schemas.microsoft.com/office/drawing/2014/main" id="{BE95D989-81FA-4BAD-9AD5-E46CEDA91B36}"/>
               </a:ext>
               <a:ext uri="{C183D7F6-B498-43B3-948B-1728B52AA6E4}">
-                <adec:decorative xmlns:adec="http://schemas.microsoft.com/office/drawing/2017/decorative" xmlns="" val="1"/>
+                <adec:decorative xmlns:adec="http://schemas.microsoft.com/office/drawing/2017/decorative" val="1"/>
               </a:ext>
             </a:extLst>
           </p:cNvPr>
@@ -20511,7 +21045,7 @@
           <p:nvPr>
             <p:extLst>
               <p:ext uri="{386F3935-93C4-4BCD-93E2-E3B085C9AB24}">
-                <p16:designElem xmlns:p16="http://schemas.microsoft.com/office/powerpoint/2015/main" xmlns="" val="1"/>
+                <p16:designElem xmlns:p16="http://schemas.microsoft.com/office/powerpoint/2015/main" val="1"/>
               </p:ext>
             </p:extLst>
           </p:nvPr>
@@ -20590,7 +21124,7 @@
           <p:cNvPr id="2" name="标题 1">
             <a:extLst>
               <a:ext uri="{FF2B5EF4-FFF2-40B4-BE49-F238E27FC236}">
-                <a16:creationId xmlns:a16="http://schemas.microsoft.com/office/drawing/2014/main" xmlns="" id="{E2927668-8703-4AD7-B854-8AD56B0B784E}"/>
+                <a16:creationId xmlns:a16="http://schemas.microsoft.com/office/drawing/2014/main" id="{E2927668-8703-4AD7-B854-8AD56B0B784E}"/>
               </a:ext>
             </a:extLst>
           </p:cNvPr>
@@ -20634,10 +21168,10 @@
           <p:cNvPr id="12" name="Rectangle 11">
             <a:extLst>
               <a:ext uri="{FF2B5EF4-FFF2-40B4-BE49-F238E27FC236}">
-                <a16:creationId xmlns:a16="http://schemas.microsoft.com/office/drawing/2014/main" xmlns="" id="{156189E5-8A3E-4CFD-B71B-CCD0F8495E56}"/>
+                <a16:creationId xmlns:a16="http://schemas.microsoft.com/office/drawing/2014/main" id="{156189E5-8A3E-4CFD-B71B-CCD0F8495E56}"/>
               </a:ext>
               <a:ext uri="{C183D7F6-B498-43B3-948B-1728B52AA6E4}">
-                <adec:decorative xmlns:adec="http://schemas.microsoft.com/office/drawing/2017/decorative" xmlns="" val="1"/>
+                <adec:decorative xmlns:adec="http://schemas.microsoft.com/office/drawing/2017/decorative" val="1"/>
               </a:ext>
             </a:extLst>
           </p:cNvPr>
@@ -20647,7 +21181,7 @@
           <p:nvPr>
             <p:extLst>
               <p:ext uri="{386F3935-93C4-4BCD-93E2-E3B085C9AB24}">
-                <p16:designElem xmlns:p16="http://schemas.microsoft.com/office/powerpoint/2015/main" xmlns="" val="1"/>
+                <p16:designElem xmlns:p16="http://schemas.microsoft.com/office/powerpoint/2015/main" val="1"/>
               </p:ext>
             </p:extLst>
           </p:nvPr>
@@ -20728,7 +21262,7 @@
           <p:cNvPr id="5" name="内容占位符 2">
             <a:extLst>
               <a:ext uri="{FF2B5EF4-FFF2-40B4-BE49-F238E27FC236}">
-                <a16:creationId xmlns:a16="http://schemas.microsoft.com/office/drawing/2014/main" xmlns="" id="{5D907973-764A-4686-BECE-C7191A383121}"/>
+                <a16:creationId xmlns:a16="http://schemas.microsoft.com/office/drawing/2014/main" id="{5D907973-764A-4686-BECE-C7191A383121}"/>
               </a:ext>
             </a:extLst>
           </p:cNvPr>
@@ -20759,7 +21293,7 @@
           <p:cNvPr id="4" name="灯片编号占位符 3">
             <a:extLst>
               <a:ext uri="{FF2B5EF4-FFF2-40B4-BE49-F238E27FC236}">
-                <a16:creationId xmlns:a16="http://schemas.microsoft.com/office/drawing/2014/main" xmlns="" id="{0F0C4065-C91B-4393-B727-EF46EFFF8F87}"/>
+                <a16:creationId xmlns:a16="http://schemas.microsoft.com/office/drawing/2014/main" id="{0F0C4065-C91B-4393-B727-EF46EFFF8F87}"/>
               </a:ext>
             </a:extLst>
           </p:cNvPr>
@@ -20793,7 +21327,7 @@
   <p:clrMapOvr>
     <a:masterClrMapping/>
   </p:clrMapOvr>
-  <p:transition xmlns:p14="http://schemas.microsoft.com/office/powerpoint/2010/main">
+  <p:transition>
     <p:fade/>
   </p:transition>
 </p:sld>
@@ -20829,10 +21363,10 @@
           <p:cNvPr id="147" name="Rectangle 146">
             <a:extLst>
               <a:ext uri="{FF2B5EF4-FFF2-40B4-BE49-F238E27FC236}">
-                <a16:creationId xmlns:a16="http://schemas.microsoft.com/office/drawing/2014/main" xmlns="" id="{7AE95D8F-9825-4222-8846-E3461598CC62}"/>
+                <a16:creationId xmlns:a16="http://schemas.microsoft.com/office/drawing/2014/main" id="{7AE95D8F-9825-4222-8846-E3461598CC62}"/>
               </a:ext>
               <a:ext uri="{C183D7F6-B498-43B3-948B-1728B52AA6E4}">
-                <adec:decorative xmlns:adec="http://schemas.microsoft.com/office/drawing/2017/decorative" xmlns="" val="1"/>
+                <adec:decorative xmlns:adec="http://schemas.microsoft.com/office/drawing/2017/decorative" val="1"/>
               </a:ext>
             </a:extLst>
           </p:cNvPr>
@@ -20842,7 +21376,7 @@
           <p:nvPr>
             <p:extLst>
               <p:ext uri="{386F3935-93C4-4BCD-93E2-E3B085C9AB24}">
-                <p16:designElem xmlns:p16="http://schemas.microsoft.com/office/powerpoint/2015/main" xmlns="" val="1"/>
+                <p16:designElem xmlns:p16="http://schemas.microsoft.com/office/powerpoint/2015/main" val="1"/>
               </p:ext>
             </p:extLst>
           </p:nvPr>
@@ -20894,7 +21428,7 @@
           <p:cNvPr id="2" name="标题 1">
             <a:extLst>
               <a:ext uri="{FF2B5EF4-FFF2-40B4-BE49-F238E27FC236}">
-                <a16:creationId xmlns:a16="http://schemas.microsoft.com/office/drawing/2014/main" xmlns="" id="{E2927668-8703-4AD7-B854-8AD56B0B784E}"/>
+                <a16:creationId xmlns:a16="http://schemas.microsoft.com/office/drawing/2014/main" id="{E2927668-8703-4AD7-B854-8AD56B0B784E}"/>
               </a:ext>
             </a:extLst>
           </p:cNvPr>
@@ -20934,10 +21468,10 @@
           <p:cNvPr id="153" name="Straight Connector 152">
             <a:extLst>
               <a:ext uri="{FF2B5EF4-FFF2-40B4-BE49-F238E27FC236}">
-                <a16:creationId xmlns:a16="http://schemas.microsoft.com/office/drawing/2014/main" xmlns="" id="{3217665F-0036-444A-8D4A-33AF36A36A42}"/>
+                <a16:creationId xmlns:a16="http://schemas.microsoft.com/office/drawing/2014/main" id="{3217665F-0036-444A-8D4A-33AF36A36A42}"/>
               </a:ext>
               <a:ext uri="{C183D7F6-B498-43B3-948B-1728B52AA6E4}">
-                <adec:decorative xmlns:adec="http://schemas.microsoft.com/office/drawing/2017/decorative" xmlns="" val="1"/>
+                <adec:decorative xmlns:adec="http://schemas.microsoft.com/office/drawing/2017/decorative" val="1"/>
               </a:ext>
             </a:extLst>
           </p:cNvPr>
@@ -20947,7 +21481,7 @@
           <p:nvPr>
             <p:extLst>
               <p:ext uri="{386F3935-93C4-4BCD-93E2-E3B085C9AB24}">
-                <p16:designElem xmlns:p16="http://schemas.microsoft.com/office/powerpoint/2015/main" xmlns="" val="1"/>
+                <p16:designElem xmlns:p16="http://schemas.microsoft.com/office/powerpoint/2015/main" val="1"/>
               </p:ext>
             </p:extLst>
           </p:nvPr>
@@ -20986,7 +21520,7 @@
           <p:cNvPr id="3" name="灯片编号占位符 2">
             <a:extLst>
               <a:ext uri="{FF2B5EF4-FFF2-40B4-BE49-F238E27FC236}">
-                <a16:creationId xmlns:a16="http://schemas.microsoft.com/office/drawing/2014/main" xmlns="" id="{236374F2-86F2-428A-AE4E-139BB8835B89}"/>
+                <a16:creationId xmlns:a16="http://schemas.microsoft.com/office/drawing/2014/main" id="{236374F2-86F2-428A-AE4E-139BB8835B89}"/>
               </a:ext>
             </a:extLst>
           </p:cNvPr>
@@ -21080,7 +21614,7 @@
   <p:clrMapOvr>
     <a:masterClrMapping/>
   </p:clrMapOvr>
-  <p:transition xmlns:p14="http://schemas.microsoft.com/office/powerpoint/2010/main">
+  <p:transition>
     <p:fade/>
   </p:transition>
 </p:sld>
@@ -21116,10 +21650,10 @@
           <p:cNvPr id="10" name="Rectangle 9">
             <a:extLst>
               <a:ext uri="{FF2B5EF4-FFF2-40B4-BE49-F238E27FC236}">
-                <a16:creationId xmlns:a16="http://schemas.microsoft.com/office/drawing/2014/main" xmlns="" id="{BE95D989-81FA-4BAD-9AD5-E46CEDA91B36}"/>
+                <a16:creationId xmlns:a16="http://schemas.microsoft.com/office/drawing/2014/main" id="{BE95D989-81FA-4BAD-9AD5-E46CEDA91B36}"/>
               </a:ext>
               <a:ext uri="{C183D7F6-B498-43B3-948B-1728B52AA6E4}">
-                <adec:decorative xmlns:adec="http://schemas.microsoft.com/office/drawing/2017/decorative" xmlns="" val="1"/>
+                <adec:decorative xmlns:adec="http://schemas.microsoft.com/office/drawing/2017/decorative" val="1"/>
               </a:ext>
             </a:extLst>
           </p:cNvPr>
@@ -21129,7 +21663,7 @@
           <p:nvPr>
             <p:extLst>
               <p:ext uri="{386F3935-93C4-4BCD-93E2-E3B085C9AB24}">
-                <p16:designElem xmlns:p16="http://schemas.microsoft.com/office/powerpoint/2015/main" xmlns="" val="1"/>
+                <p16:designElem xmlns:p16="http://schemas.microsoft.com/office/powerpoint/2015/main" val="1"/>
               </p:ext>
             </p:extLst>
           </p:nvPr>
@@ -21208,7 +21742,7 @@
           <p:cNvPr id="2" name="标题 1">
             <a:extLst>
               <a:ext uri="{FF2B5EF4-FFF2-40B4-BE49-F238E27FC236}">
-                <a16:creationId xmlns:a16="http://schemas.microsoft.com/office/drawing/2014/main" xmlns="" id="{C7952902-E554-4167-8DE8-F4B342D05BF3}"/>
+                <a16:creationId xmlns:a16="http://schemas.microsoft.com/office/drawing/2014/main" id="{C7952902-E554-4167-8DE8-F4B342D05BF3}"/>
               </a:ext>
             </a:extLst>
           </p:cNvPr>
@@ -21252,10 +21786,10 @@
           <p:cNvPr id="12" name="Rectangle 11">
             <a:extLst>
               <a:ext uri="{FF2B5EF4-FFF2-40B4-BE49-F238E27FC236}">
-                <a16:creationId xmlns:a16="http://schemas.microsoft.com/office/drawing/2014/main" xmlns="" id="{156189E5-8A3E-4CFD-B71B-CCD0F8495E56}"/>
+                <a16:creationId xmlns:a16="http://schemas.microsoft.com/office/drawing/2014/main" id="{156189E5-8A3E-4CFD-B71B-CCD0F8495E56}"/>
               </a:ext>
               <a:ext uri="{C183D7F6-B498-43B3-948B-1728B52AA6E4}">
-                <adec:decorative xmlns:adec="http://schemas.microsoft.com/office/drawing/2017/decorative" xmlns="" val="1"/>
+                <adec:decorative xmlns:adec="http://schemas.microsoft.com/office/drawing/2017/decorative" val="1"/>
               </a:ext>
             </a:extLst>
           </p:cNvPr>
@@ -21265,7 +21799,7 @@
           <p:nvPr>
             <p:extLst>
               <p:ext uri="{386F3935-93C4-4BCD-93E2-E3B085C9AB24}">
-                <p16:designElem xmlns:p16="http://schemas.microsoft.com/office/powerpoint/2015/main" xmlns="" val="1"/>
+                <p16:designElem xmlns:p16="http://schemas.microsoft.com/office/powerpoint/2015/main" val="1"/>
               </p:ext>
             </p:extLst>
           </p:nvPr>
@@ -21346,7 +21880,7 @@
           <p:cNvPr id="5" name="内容占位符 2">
             <a:extLst>
               <a:ext uri="{FF2B5EF4-FFF2-40B4-BE49-F238E27FC236}">
-                <a16:creationId xmlns:a16="http://schemas.microsoft.com/office/drawing/2014/main" xmlns="" id="{21E180BA-B67A-4A53-841E-0B25D90B451E}"/>
+                <a16:creationId xmlns:a16="http://schemas.microsoft.com/office/drawing/2014/main" id="{21E180BA-B67A-4A53-841E-0B25D90B451E}"/>
               </a:ext>
             </a:extLst>
           </p:cNvPr>
@@ -21377,7 +21911,7 @@
           <p:cNvPr id="3" name="灯片编号占位符 2">
             <a:extLst>
               <a:ext uri="{FF2B5EF4-FFF2-40B4-BE49-F238E27FC236}">
-                <a16:creationId xmlns:a16="http://schemas.microsoft.com/office/drawing/2014/main" xmlns="" id="{1F41CDB4-0851-4599-B111-D1480ED035B7}"/>
+                <a16:creationId xmlns:a16="http://schemas.microsoft.com/office/drawing/2014/main" id="{1F41CDB4-0851-4599-B111-D1480ED035B7}"/>
               </a:ext>
             </a:extLst>
           </p:cNvPr>
@@ -21411,7 +21945,7 @@
   <p:clrMapOvr>
     <a:masterClrMapping/>
   </p:clrMapOvr>
-  <p:transition xmlns:p14="http://schemas.microsoft.com/office/powerpoint/2010/main">
+  <p:transition>
     <p:fade/>
   </p:transition>
 </p:sld>
@@ -21450,7 +21984,7 @@
           <p:cNvPr id="4" name="内容占位符 3">
             <a:extLst>
               <a:ext uri="{FF2B5EF4-FFF2-40B4-BE49-F238E27FC236}">
-                <a16:creationId xmlns:a16="http://schemas.microsoft.com/office/drawing/2014/main" xmlns="" id="{130B6D0E-9192-431E-A5F1-E2DF94748290}"/>
+                <a16:creationId xmlns:a16="http://schemas.microsoft.com/office/drawing/2014/main" id="{130B6D0E-9192-431E-A5F1-E2DF94748290}"/>
               </a:ext>
             </a:extLst>
           </p:cNvPr>
@@ -21522,10 +22056,10 @@
           <p:cNvPr id="14" name="Rectangle 13">
             <a:extLst>
               <a:ext uri="{FF2B5EF4-FFF2-40B4-BE49-F238E27FC236}">
-                <a16:creationId xmlns:a16="http://schemas.microsoft.com/office/drawing/2014/main" xmlns="" id="{003713C1-2FB2-413B-BF91-3AE41726FB7A}"/>
+                <a16:creationId xmlns:a16="http://schemas.microsoft.com/office/drawing/2014/main" id="{003713C1-2FB2-413B-BF91-3AE41726FB7A}"/>
               </a:ext>
               <a:ext uri="{C183D7F6-B498-43B3-948B-1728B52AA6E4}">
-                <adec:decorative xmlns:adec="http://schemas.microsoft.com/office/drawing/2017/decorative" xmlns="" val="1"/>
+                <adec:decorative xmlns:adec="http://schemas.microsoft.com/office/drawing/2017/decorative" val="1"/>
               </a:ext>
             </a:extLst>
           </p:cNvPr>
@@ -21535,7 +22069,7 @@
           <p:nvPr>
             <p:extLst>
               <p:ext uri="{386F3935-93C4-4BCD-93E2-E3B085C9AB24}">
-                <p16:designElem xmlns:p16="http://schemas.microsoft.com/office/powerpoint/2015/main" xmlns="" val="1"/>
+                <p16:designElem xmlns:p16="http://schemas.microsoft.com/office/powerpoint/2015/main" val="1"/>
               </p:ext>
             </p:extLst>
           </p:nvPr>
@@ -21614,10 +22148,10 @@
           <p:cNvPr id="16" name="Rectangle 15">
             <a:extLst>
               <a:ext uri="{FF2B5EF4-FFF2-40B4-BE49-F238E27FC236}">
-                <a16:creationId xmlns:a16="http://schemas.microsoft.com/office/drawing/2014/main" xmlns="" id="{90795B4D-5022-4A7F-A01D-8D880B7CDBE6}"/>
+                <a16:creationId xmlns:a16="http://schemas.microsoft.com/office/drawing/2014/main" id="{90795B4D-5022-4A7F-A01D-8D880B7CDBE6}"/>
               </a:ext>
               <a:ext uri="{C183D7F6-B498-43B3-948B-1728B52AA6E4}">
-                <adec:decorative xmlns:adec="http://schemas.microsoft.com/office/drawing/2017/decorative" xmlns="" val="1"/>
+                <adec:decorative xmlns:adec="http://schemas.microsoft.com/office/drawing/2017/decorative" val="1"/>
               </a:ext>
             </a:extLst>
           </p:cNvPr>
@@ -21627,7 +22161,7 @@
           <p:nvPr>
             <p:extLst>
               <p:ext uri="{386F3935-93C4-4BCD-93E2-E3B085C9AB24}">
-                <p16:designElem xmlns:p16="http://schemas.microsoft.com/office/powerpoint/2015/main" xmlns="" val="1"/>
+                <p16:designElem xmlns:p16="http://schemas.microsoft.com/office/powerpoint/2015/main" val="1"/>
               </p:ext>
             </p:extLst>
           </p:nvPr>
@@ -21710,10 +22244,10 @@
           <p:cNvPr id="18" name="Rectangle 17">
             <a:extLst>
               <a:ext uri="{FF2B5EF4-FFF2-40B4-BE49-F238E27FC236}">
-                <a16:creationId xmlns:a16="http://schemas.microsoft.com/office/drawing/2014/main" xmlns="" id="{AFD19018-DE7C-4796-ADF2-AD2EB0FC0D9C}"/>
+                <a16:creationId xmlns:a16="http://schemas.microsoft.com/office/drawing/2014/main" id="{AFD19018-DE7C-4796-ADF2-AD2EB0FC0D9C}"/>
               </a:ext>
               <a:ext uri="{C183D7F6-B498-43B3-948B-1728B52AA6E4}">
-                <adec:decorative xmlns:adec="http://schemas.microsoft.com/office/drawing/2017/decorative" xmlns="" val="1"/>
+                <adec:decorative xmlns:adec="http://schemas.microsoft.com/office/drawing/2017/decorative" val="1"/>
               </a:ext>
             </a:extLst>
           </p:cNvPr>
@@ -21723,7 +22257,7 @@
           <p:nvPr>
             <p:extLst>
               <p:ext uri="{386F3935-93C4-4BCD-93E2-E3B085C9AB24}">
-                <p16:designElem xmlns:p16="http://schemas.microsoft.com/office/powerpoint/2015/main" xmlns="" val="1"/>
+                <p16:designElem xmlns:p16="http://schemas.microsoft.com/office/powerpoint/2015/main" val="1"/>
               </p:ext>
             </p:extLst>
           </p:nvPr>
@@ -21802,7 +22336,7 @@
           <p:cNvPr id="5" name="图片 4">
             <a:extLst>
               <a:ext uri="{FF2B5EF4-FFF2-40B4-BE49-F238E27FC236}">
-                <a16:creationId xmlns:a16="http://schemas.microsoft.com/office/drawing/2014/main" xmlns="" id="{229976DC-0FD7-4732-82F4-A5948496431E}"/>
+                <a16:creationId xmlns:a16="http://schemas.microsoft.com/office/drawing/2014/main" id="{229976DC-0FD7-4732-82F4-A5948496431E}"/>
               </a:ext>
             </a:extLst>
           </p:cNvPr>
@@ -21838,10 +22372,10 @@
           <p:cNvPr id="20" name="Rectangle 19">
             <a:extLst>
               <a:ext uri="{FF2B5EF4-FFF2-40B4-BE49-F238E27FC236}">
-                <a16:creationId xmlns:a16="http://schemas.microsoft.com/office/drawing/2014/main" xmlns="" id="{B1A0A2C2-4F85-44AF-8708-8DCA4B550CB8}"/>
+                <a16:creationId xmlns:a16="http://schemas.microsoft.com/office/drawing/2014/main" id="{B1A0A2C2-4F85-44AF-8708-8DCA4B550CB8}"/>
               </a:ext>
               <a:ext uri="{C183D7F6-B498-43B3-948B-1728B52AA6E4}">
-                <adec:decorative xmlns:adec="http://schemas.microsoft.com/office/drawing/2017/decorative" xmlns="" val="1"/>
+                <adec:decorative xmlns:adec="http://schemas.microsoft.com/office/drawing/2017/decorative" val="1"/>
               </a:ext>
             </a:extLst>
           </p:cNvPr>
@@ -21851,7 +22385,7 @@
           <p:nvPr>
             <p:extLst>
               <p:ext uri="{386F3935-93C4-4BCD-93E2-E3B085C9AB24}">
-                <p16:designElem xmlns:p16="http://schemas.microsoft.com/office/powerpoint/2015/main" xmlns="" val="1"/>
+                <p16:designElem xmlns:p16="http://schemas.microsoft.com/office/powerpoint/2015/main" val="1"/>
               </p:ext>
             </p:extLst>
           </p:nvPr>
@@ -21930,7 +22464,7 @@
           <p:cNvPr id="7" name="图片 6" descr="图片包含 文字&#10;&#10;已生成高可信度的说明">
             <a:extLst>
               <a:ext uri="{FF2B5EF4-FFF2-40B4-BE49-F238E27FC236}">
-                <a16:creationId xmlns:a16="http://schemas.microsoft.com/office/drawing/2014/main" xmlns="" id="{8733EF15-9A01-4ADC-9F98-352093AA3B1A}"/>
+                <a16:creationId xmlns:a16="http://schemas.microsoft.com/office/drawing/2014/main" id="{8733EF15-9A01-4ADC-9F98-352093AA3B1A}"/>
               </a:ext>
             </a:extLst>
           </p:cNvPr>
@@ -21966,7 +22500,7 @@
           <p:cNvPr id="9" name="图片 8" descr="图片包含 文字&#10;&#10;已生成极高可信度的说明">
             <a:extLst>
               <a:ext uri="{FF2B5EF4-FFF2-40B4-BE49-F238E27FC236}">
-                <a16:creationId xmlns:a16="http://schemas.microsoft.com/office/drawing/2014/main" xmlns="" id="{98400454-D28D-4C9C-9BB3-BCE4B14948D8}"/>
+                <a16:creationId xmlns:a16="http://schemas.microsoft.com/office/drawing/2014/main" id="{98400454-D28D-4C9C-9BB3-BCE4B14948D8}"/>
               </a:ext>
             </a:extLst>
           </p:cNvPr>
@@ -22002,7 +22536,7 @@
           <p:cNvPr id="2" name="灯片编号占位符 1">
             <a:extLst>
               <a:ext uri="{FF2B5EF4-FFF2-40B4-BE49-F238E27FC236}">
-                <a16:creationId xmlns:a16="http://schemas.microsoft.com/office/drawing/2014/main" xmlns="" id="{3441A0C7-FBBA-428B-BF4D-119887262F41}"/>
+                <a16:creationId xmlns:a16="http://schemas.microsoft.com/office/drawing/2014/main" id="{3441A0C7-FBBA-428B-BF4D-119887262F41}"/>
               </a:ext>
             </a:extLst>
           </p:cNvPr>
@@ -22036,7 +22570,7 @@
   <p:clrMapOvr>
     <a:overrideClrMapping bg1="dk1" tx1="lt1" bg2="dk2" tx2="lt2" accent1="accent1" accent2="accent2" accent3="accent3" accent4="accent4" accent5="accent5" accent6="accent6" hlink="hlink" folHlink="folHlink"/>
   </p:clrMapOvr>
-  <p:transition xmlns:p14="http://schemas.microsoft.com/office/powerpoint/2010/main">
+  <p:transition>
     <p:fade/>
   </p:transition>
 </p:sld>
@@ -22072,10 +22606,10 @@
           <p:cNvPr id="10" name="Rectangle 9">
             <a:extLst>
               <a:ext uri="{FF2B5EF4-FFF2-40B4-BE49-F238E27FC236}">
-                <a16:creationId xmlns:a16="http://schemas.microsoft.com/office/drawing/2014/main" xmlns="" id="{867D4867-5BA7-4462-B2F6-A23F4A622AA7}"/>
+                <a16:creationId xmlns:a16="http://schemas.microsoft.com/office/drawing/2014/main" id="{867D4867-5BA7-4462-B2F6-A23F4A622AA7}"/>
               </a:ext>
               <a:ext uri="{C183D7F6-B498-43B3-948B-1728B52AA6E4}">
-                <adec:decorative xmlns:adec="http://schemas.microsoft.com/office/drawing/2017/decorative" xmlns="" val="1"/>
+                <adec:decorative xmlns:adec="http://schemas.microsoft.com/office/drawing/2017/decorative" val="1"/>
               </a:ext>
             </a:extLst>
           </p:cNvPr>
@@ -22085,7 +22619,7 @@
           <p:nvPr>
             <p:extLst>
               <p:ext uri="{386F3935-93C4-4BCD-93E2-E3B085C9AB24}">
-                <p16:designElem xmlns:p16="http://schemas.microsoft.com/office/powerpoint/2015/main" xmlns="" val="1"/>
+                <p16:designElem xmlns:p16="http://schemas.microsoft.com/office/powerpoint/2015/main" val="1"/>
               </p:ext>
             </p:extLst>
           </p:nvPr>
@@ -22136,7 +22670,7 @@
           <p:cNvPr id="2" name="标题 1">
             <a:extLst>
               <a:ext uri="{FF2B5EF4-FFF2-40B4-BE49-F238E27FC236}">
-                <a16:creationId xmlns:a16="http://schemas.microsoft.com/office/drawing/2014/main" xmlns="" id="{10CCFFF7-0B20-42E2-8EB3-941D84D1ACE2}"/>
+                <a16:creationId xmlns:a16="http://schemas.microsoft.com/office/drawing/2014/main" id="{10CCFFF7-0B20-42E2-8EB3-941D84D1ACE2}"/>
               </a:ext>
             </a:extLst>
           </p:cNvPr>
@@ -22187,7 +22721,7 @@
           <p:cNvPr id="3" name="内容占位符 2">
             <a:extLst>
               <a:ext uri="{FF2B5EF4-FFF2-40B4-BE49-F238E27FC236}">
-                <a16:creationId xmlns:a16="http://schemas.microsoft.com/office/drawing/2014/main" xmlns="" id="{0A82E0FC-0D17-4A1D-9BF3-1A023A8B0D53}"/>
+                <a16:creationId xmlns:a16="http://schemas.microsoft.com/office/drawing/2014/main" id="{0A82E0FC-0D17-4A1D-9BF3-1A023A8B0D53}"/>
               </a:ext>
             </a:extLst>
           </p:cNvPr>
@@ -22291,7 +22825,7 @@
           <p:cNvPr id="5" name="图片 4" descr="图片包含 文字&#10;&#10;已生成高可信度的说明">
             <a:extLst>
               <a:ext uri="{FF2B5EF4-FFF2-40B4-BE49-F238E27FC236}">
-                <a16:creationId xmlns:a16="http://schemas.microsoft.com/office/drawing/2014/main" xmlns="" id="{34BD7681-7742-4575-9034-72C51E796063}"/>
+                <a16:creationId xmlns:a16="http://schemas.microsoft.com/office/drawing/2014/main" id="{34BD7681-7742-4575-9034-72C51E796063}"/>
               </a:ext>
             </a:extLst>
           </p:cNvPr>
@@ -22327,7 +22861,7 @@
           <p:cNvPr id="4" name="灯片编号占位符 3">
             <a:extLst>
               <a:ext uri="{FF2B5EF4-FFF2-40B4-BE49-F238E27FC236}">
-                <a16:creationId xmlns:a16="http://schemas.microsoft.com/office/drawing/2014/main" xmlns="" id="{F0BADC9E-60F4-432B-AFEB-16C43B1A9A94}"/>
+                <a16:creationId xmlns:a16="http://schemas.microsoft.com/office/drawing/2014/main" id="{F0BADC9E-60F4-432B-AFEB-16C43B1A9A94}"/>
               </a:ext>
             </a:extLst>
           </p:cNvPr>
@@ -22361,7 +22895,7 @@
   <p:clrMapOvr>
     <a:masterClrMapping/>
   </p:clrMapOvr>
-  <p:transition xmlns:p14="http://schemas.microsoft.com/office/powerpoint/2010/main">
+  <p:transition>
     <p:fade/>
   </p:transition>
 </p:sld>
@@ -22397,10 +22931,10 @@
           <p:cNvPr id="9" name="Rectangle 8">
             <a:extLst>
               <a:ext uri="{FF2B5EF4-FFF2-40B4-BE49-F238E27FC236}">
-                <a16:creationId xmlns:a16="http://schemas.microsoft.com/office/drawing/2014/main" xmlns="" id="{867D4867-5BA7-4462-B2F6-A23F4A622AA7}"/>
+                <a16:creationId xmlns:a16="http://schemas.microsoft.com/office/drawing/2014/main" id="{867D4867-5BA7-4462-B2F6-A23F4A622AA7}"/>
               </a:ext>
               <a:ext uri="{C183D7F6-B498-43B3-948B-1728B52AA6E4}">
-                <adec:decorative xmlns:adec="http://schemas.microsoft.com/office/drawing/2017/decorative" xmlns="" val="1"/>
+                <adec:decorative xmlns:adec="http://schemas.microsoft.com/office/drawing/2017/decorative" val="1"/>
               </a:ext>
             </a:extLst>
           </p:cNvPr>
@@ -22410,7 +22944,7 @@
           <p:nvPr>
             <p:extLst>
               <p:ext uri="{386F3935-93C4-4BCD-93E2-E3B085C9AB24}">
-                <p16:designElem xmlns:p16="http://schemas.microsoft.com/office/powerpoint/2015/main" xmlns="" val="1"/>
+                <p16:designElem xmlns:p16="http://schemas.microsoft.com/office/powerpoint/2015/main" val="1"/>
               </p:ext>
             </p:extLst>
           </p:nvPr>
@@ -22461,7 +22995,7 @@
           <p:cNvPr id="2" name="标题 1">
             <a:extLst>
               <a:ext uri="{FF2B5EF4-FFF2-40B4-BE49-F238E27FC236}">
-                <a16:creationId xmlns:a16="http://schemas.microsoft.com/office/drawing/2014/main" xmlns="" id="{678AFF0B-8D8A-4046-92DF-2013BDF02B1E}"/>
+                <a16:creationId xmlns:a16="http://schemas.microsoft.com/office/drawing/2014/main" id="{678AFF0B-8D8A-4046-92DF-2013BDF02B1E}"/>
               </a:ext>
             </a:extLst>
           </p:cNvPr>
@@ -22512,7 +23046,7 @@
           <p:cNvPr id="3" name="内容占位符 2">
             <a:extLst>
               <a:ext uri="{FF2B5EF4-FFF2-40B4-BE49-F238E27FC236}">
-                <a16:creationId xmlns:a16="http://schemas.microsoft.com/office/drawing/2014/main" xmlns="" id="{F7FFF17F-6B9D-4481-9B04-D97AA2BC2C48}"/>
+                <a16:creationId xmlns:a16="http://schemas.microsoft.com/office/drawing/2014/main" id="{F7FFF17F-6B9D-4481-9B04-D97AA2BC2C48}"/>
               </a:ext>
             </a:extLst>
           </p:cNvPr>
@@ -22593,7 +23127,7 @@
           <p:cNvPr id="4" name="图片 3">
             <a:extLst>
               <a:ext uri="{FF2B5EF4-FFF2-40B4-BE49-F238E27FC236}">
-                <a16:creationId xmlns:a16="http://schemas.microsoft.com/office/drawing/2014/main" xmlns="" id="{4467D40C-8E53-4376-9C39-A9231290040C}"/>
+                <a16:creationId xmlns:a16="http://schemas.microsoft.com/office/drawing/2014/main" id="{4467D40C-8E53-4376-9C39-A9231290040C}"/>
               </a:ext>
             </a:extLst>
           </p:cNvPr>
@@ -22629,7 +23163,7 @@
           <p:cNvPr id="5" name="灯片编号占位符 4">
             <a:extLst>
               <a:ext uri="{FF2B5EF4-FFF2-40B4-BE49-F238E27FC236}">
-                <a16:creationId xmlns:a16="http://schemas.microsoft.com/office/drawing/2014/main" xmlns="" id="{67BAE0AC-AFB4-4B4F-95F0-2D2D953BB559}"/>
+                <a16:creationId xmlns:a16="http://schemas.microsoft.com/office/drawing/2014/main" id="{67BAE0AC-AFB4-4B4F-95F0-2D2D953BB559}"/>
               </a:ext>
             </a:extLst>
           </p:cNvPr>
@@ -22663,7 +23197,7 @@
   <p:clrMapOvr>
     <a:masterClrMapping/>
   </p:clrMapOvr>
-  <p:transition xmlns:p14="http://schemas.microsoft.com/office/powerpoint/2010/main">
+  <p:transition>
     <p:fade/>
   </p:transition>
 </p:sld>
@@ -22699,10 +23233,10 @@
           <p:cNvPr id="17" name="Rectangle 16">
             <a:extLst>
               <a:ext uri="{FF2B5EF4-FFF2-40B4-BE49-F238E27FC236}">
-                <a16:creationId xmlns:a16="http://schemas.microsoft.com/office/drawing/2014/main" xmlns="" id="{BE95D989-81FA-4BAD-9AD5-E46CEDA91B36}"/>
+                <a16:creationId xmlns:a16="http://schemas.microsoft.com/office/drawing/2014/main" id="{BE95D989-81FA-4BAD-9AD5-E46CEDA91B36}"/>
               </a:ext>
               <a:ext uri="{C183D7F6-B498-43B3-948B-1728B52AA6E4}">
-                <adec:decorative xmlns:adec="http://schemas.microsoft.com/office/drawing/2017/decorative" xmlns="" val="1"/>
+                <adec:decorative xmlns:adec="http://schemas.microsoft.com/office/drawing/2017/decorative" val="1"/>
               </a:ext>
             </a:extLst>
           </p:cNvPr>
@@ -22712,7 +23246,7 @@
           <p:nvPr>
             <p:extLst>
               <p:ext uri="{386F3935-93C4-4BCD-93E2-E3B085C9AB24}">
-                <p16:designElem xmlns:p16="http://schemas.microsoft.com/office/powerpoint/2015/main" xmlns="" val="1"/>
+                <p16:designElem xmlns:p16="http://schemas.microsoft.com/office/powerpoint/2015/main" val="1"/>
               </p:ext>
             </p:extLst>
           </p:nvPr>
@@ -22791,7 +23325,7 @@
           <p:cNvPr id="2" name="标题 1">
             <a:extLst>
               <a:ext uri="{FF2B5EF4-FFF2-40B4-BE49-F238E27FC236}">
-                <a16:creationId xmlns:a16="http://schemas.microsoft.com/office/drawing/2014/main" xmlns="" id="{BFA186F6-68EA-4A8C-B5DB-C61B6511B11F}"/>
+                <a16:creationId xmlns:a16="http://schemas.microsoft.com/office/drawing/2014/main" id="{BFA186F6-68EA-4A8C-B5DB-C61B6511B11F}"/>
               </a:ext>
             </a:extLst>
           </p:cNvPr>
@@ -22815,20 +23349,12 @@
           <a:lstStyle/>
           <a:p>
             <a:r>
-              <a:rPr lang="en-US" altLang="zh-CN" sz="4100" dirty="0" smtClean="0">
-                <a:solidFill>
-                  <a:srgbClr val="FFFFFF"/>
-                </a:solidFill>
-              </a:rPr>
-              <a:t>For </a:t>
-            </a:r>
-            <a:r>
               <a:rPr lang="en-US" altLang="zh-CN" sz="4100" dirty="0">
                 <a:solidFill>
                   <a:srgbClr val="FFFFFF"/>
                 </a:solidFill>
               </a:rPr>
-              <a:t>Image Super Resolution</a:t>
+              <a:t>For Image Super Resolution</a:t>
             </a:r>
             <a:endParaRPr lang="zh-CN" altLang="en-US" sz="4100" dirty="0">
               <a:solidFill>
@@ -22843,10 +23369,10 @@
           <p:cNvPr id="19" name="Rectangle 18">
             <a:extLst>
               <a:ext uri="{FF2B5EF4-FFF2-40B4-BE49-F238E27FC236}">
-                <a16:creationId xmlns:a16="http://schemas.microsoft.com/office/drawing/2014/main" xmlns="" id="{156189E5-8A3E-4CFD-B71B-CCD0F8495E56}"/>
+                <a16:creationId xmlns:a16="http://schemas.microsoft.com/office/drawing/2014/main" id="{156189E5-8A3E-4CFD-B71B-CCD0F8495E56}"/>
               </a:ext>
               <a:ext uri="{C183D7F6-B498-43B3-948B-1728B52AA6E4}">
-                <adec:decorative xmlns:adec="http://schemas.microsoft.com/office/drawing/2017/decorative" xmlns="" val="1"/>
+                <adec:decorative xmlns:adec="http://schemas.microsoft.com/office/drawing/2017/decorative" val="1"/>
               </a:ext>
             </a:extLst>
           </p:cNvPr>
@@ -22856,7 +23382,7 @@
           <p:nvPr>
             <p:extLst>
               <p:ext uri="{386F3935-93C4-4BCD-93E2-E3B085C9AB24}">
-                <p16:designElem xmlns:p16="http://schemas.microsoft.com/office/powerpoint/2015/main" xmlns="" val="1"/>
+                <p16:designElem xmlns:p16="http://schemas.microsoft.com/office/powerpoint/2015/main" val="1"/>
               </p:ext>
             </p:extLst>
           </p:nvPr>
@@ -22937,7 +23463,7 @@
           <p:cNvPr id="12" name="内容占位符 2">
             <a:extLst>
               <a:ext uri="{FF2B5EF4-FFF2-40B4-BE49-F238E27FC236}">
-                <a16:creationId xmlns:a16="http://schemas.microsoft.com/office/drawing/2014/main" xmlns="" id="{25EE2B3D-EF87-48C0-97E9-24BF1EA6C974}"/>
+                <a16:creationId xmlns:a16="http://schemas.microsoft.com/office/drawing/2014/main" id="{25EE2B3D-EF87-48C0-97E9-24BF1EA6C974}"/>
               </a:ext>
             </a:extLst>
           </p:cNvPr>
@@ -22968,7 +23494,7 @@
           <p:cNvPr id="4" name="灯片编号占位符 3">
             <a:extLst>
               <a:ext uri="{FF2B5EF4-FFF2-40B4-BE49-F238E27FC236}">
-                <a16:creationId xmlns:a16="http://schemas.microsoft.com/office/drawing/2014/main" xmlns="" id="{C67E120C-50B3-4223-9296-158E4EF98337}"/>
+                <a16:creationId xmlns:a16="http://schemas.microsoft.com/office/drawing/2014/main" id="{C67E120C-50B3-4223-9296-158E4EF98337}"/>
               </a:ext>
             </a:extLst>
           </p:cNvPr>
@@ -23002,7 +23528,7 @@
   <p:clrMapOvr>
     <a:masterClrMapping/>
   </p:clrMapOvr>
-  <p:transition xmlns:p14="http://schemas.microsoft.com/office/powerpoint/2010/main">
+  <p:transition>
     <p:fade/>
   </p:transition>
 </p:sld>
@@ -23038,10 +23564,10 @@
           <p:cNvPr id="16" name="Rectangle 15">
             <a:extLst>
               <a:ext uri="{FF2B5EF4-FFF2-40B4-BE49-F238E27FC236}">
-                <a16:creationId xmlns:a16="http://schemas.microsoft.com/office/drawing/2014/main" xmlns="" id="{AB45A142-4255-493C-8284-5D566C121B10}"/>
+                <a16:creationId xmlns:a16="http://schemas.microsoft.com/office/drawing/2014/main" id="{AB45A142-4255-493C-8284-5D566C121B10}"/>
               </a:ext>
               <a:ext uri="{C183D7F6-B498-43B3-948B-1728B52AA6E4}">
-                <adec:decorative xmlns:adec="http://schemas.microsoft.com/office/drawing/2017/decorative" xmlns="" val="1"/>
+                <adec:decorative xmlns:adec="http://schemas.microsoft.com/office/drawing/2017/decorative" val="1"/>
               </a:ext>
             </a:extLst>
           </p:cNvPr>
@@ -23051,7 +23577,7 @@
           <p:nvPr>
             <p:extLst>
               <p:ext uri="{386F3935-93C4-4BCD-93E2-E3B085C9AB24}">
-                <p16:designElem xmlns:p16="http://schemas.microsoft.com/office/powerpoint/2015/main" xmlns="" val="1"/>
+                <p16:designElem xmlns:p16="http://schemas.microsoft.com/office/powerpoint/2015/main" val="1"/>
               </p:ext>
             </p:extLst>
           </p:nvPr>
@@ -23107,7 +23633,7 @@
           <p:cNvPr id="2" name="标题 1">
             <a:extLst>
               <a:ext uri="{FF2B5EF4-FFF2-40B4-BE49-F238E27FC236}">
-                <a16:creationId xmlns:a16="http://schemas.microsoft.com/office/drawing/2014/main" xmlns="" id="{1A0C42E6-8A23-4E6E-9E80-9CED4CE6FDA6}"/>
+                <a16:creationId xmlns:a16="http://schemas.microsoft.com/office/drawing/2014/main" id="{1A0C42E6-8A23-4E6E-9E80-9CED4CE6FDA6}"/>
               </a:ext>
             </a:extLst>
           </p:cNvPr>
@@ -23150,10 +23676,10 @@
           <p:cNvPr id="18" name="Straight Connector 17">
             <a:extLst>
               <a:ext uri="{FF2B5EF4-FFF2-40B4-BE49-F238E27FC236}">
-                <a16:creationId xmlns:a16="http://schemas.microsoft.com/office/drawing/2014/main" xmlns="" id="{38FB9660-F42F-4313-BBC4-47C007FE484C}"/>
+                <a16:creationId xmlns:a16="http://schemas.microsoft.com/office/drawing/2014/main" id="{38FB9660-F42F-4313-BBC4-47C007FE484C}"/>
               </a:ext>
               <a:ext uri="{C183D7F6-B498-43B3-948B-1728B52AA6E4}">
-                <adec:decorative xmlns:adec="http://schemas.microsoft.com/office/drawing/2017/decorative" xmlns="" val="1"/>
+                <adec:decorative xmlns:adec="http://schemas.microsoft.com/office/drawing/2017/decorative" val="1"/>
               </a:ext>
             </a:extLst>
           </p:cNvPr>
@@ -23163,7 +23689,7 @@
           <p:nvPr>
             <p:extLst>
               <p:ext uri="{386F3935-93C4-4BCD-93E2-E3B085C9AB24}">
-                <p16:designElem xmlns:p16="http://schemas.microsoft.com/office/powerpoint/2015/main" xmlns="" val="1"/>
+                <p16:designElem xmlns:p16="http://schemas.microsoft.com/office/powerpoint/2015/main" val="1"/>
               </p:ext>
             </p:extLst>
           </p:nvPr>
@@ -23202,7 +23728,7 @@
           <p:cNvPr id="5" name="图片 4">
             <a:extLst>
               <a:ext uri="{FF2B5EF4-FFF2-40B4-BE49-F238E27FC236}">
-                <a16:creationId xmlns:a16="http://schemas.microsoft.com/office/drawing/2014/main" xmlns="" id="{48029893-85A4-4C44-A22E-DAFB9218BD97}"/>
+                <a16:creationId xmlns:a16="http://schemas.microsoft.com/office/drawing/2014/main" id="{48029893-85A4-4C44-A22E-DAFB9218BD97}"/>
               </a:ext>
             </a:extLst>
           </p:cNvPr>
@@ -23232,7 +23758,7 @@
           <p:cNvPr id="3" name="灯片编号占位符 2">
             <a:extLst>
               <a:ext uri="{FF2B5EF4-FFF2-40B4-BE49-F238E27FC236}">
-                <a16:creationId xmlns:a16="http://schemas.microsoft.com/office/drawing/2014/main" xmlns="" id="{0C1D1408-8F83-48BA-ADA7-3D341E611040}"/>
+                <a16:creationId xmlns:a16="http://schemas.microsoft.com/office/drawing/2014/main" id="{0C1D1408-8F83-48BA-ADA7-3D341E611040}"/>
               </a:ext>
             </a:extLst>
           </p:cNvPr>
@@ -23266,7 +23792,7 @@
   <p:clrMapOvr>
     <a:masterClrMapping/>
   </p:clrMapOvr>
-  <p:transition xmlns:p14="http://schemas.microsoft.com/office/powerpoint/2010/main">
+  <p:transition>
     <p:fade/>
   </p:transition>
 </p:sld>
@@ -23527,7 +24053,7 @@
   <a:extraClrSchemeLst/>
   <a:extLst>
     <a:ext uri="{05A4C25C-085E-4340-85A3-A5531E510DB2}">
-      <thm15:themeFamily xmlns:thm15="http://schemas.microsoft.com/office/thememl/2012/main" xmlns="" name="Office Theme" id="{62F939B6-93AF-4DB8-9C6B-D6C7DFDC589F}" vid="{4A3C46E8-61CC-4603-A589-7422A47A8E4A}"/>
+      <thm15:themeFamily xmlns:thm15="http://schemas.microsoft.com/office/thememl/2012/main" name="Office Theme" id="{62F939B6-93AF-4DB8-9C6B-D6C7DFDC589F}" vid="{4A3C46E8-61CC-4603-A589-7422A47A8E4A}"/>
     </a:ext>
   </a:extLst>
 </a:theme>
@@ -23822,7 +24348,7 @@
   <a:extraClrSchemeLst/>
   <a:extLst>
     <a:ext uri="{05A4C25C-085E-4340-85A3-A5531E510DB2}">
-      <thm15:themeFamily xmlns:thm15="http://schemas.microsoft.com/office/thememl/2012/main" xmlns="" name="Office Theme" id="{62F939B6-93AF-4DB8-9C6B-D6C7DFDC589F}" vid="{4A3C46E8-61CC-4603-A589-7422A47A8E4A}"/>
+      <thm15:themeFamily xmlns:thm15="http://schemas.microsoft.com/office/thememl/2012/main" name="Office Theme" id="{62F939B6-93AF-4DB8-9C6B-D6C7DFDC589F}" vid="{4A3C46E8-61CC-4603-A589-7422A47A8E4A}"/>
     </a:ext>
   </a:extLst>
 </a:theme>

--- a/ads ppt.pptx
+++ b/ads ppt.pptx
@@ -20,9 +20,9 @@
     <p:sldId id="282" r:id="rId11"/>
     <p:sldId id="312" r:id="rId12"/>
     <p:sldId id="281" r:id="rId13"/>
-    <p:sldId id="311" r:id="rId14"/>
-    <p:sldId id="287" r:id="rId15"/>
-    <p:sldId id="313" r:id="rId16"/>
+    <p:sldId id="287" r:id="rId14"/>
+    <p:sldId id="313" r:id="rId15"/>
+    <p:sldId id="311" r:id="rId16"/>
     <p:sldId id="300" r:id="rId17"/>
     <p:sldId id="310" r:id="rId18"/>
   </p:sldIdLst>
@@ -16160,7 +16160,7 @@
           <a:noFill/>
           <a:extLst>
             <a:ext uri="{909E8E84-426E-40dd-AFC4-6F175D3DCCD1}">
-              <a14:hiddenFill xmlns:a14="http://schemas.microsoft.com/office/drawing/2010/main" xmlns="">
+              <a14:hiddenFill xmlns="" xmlns:a14="http://schemas.microsoft.com/office/drawing/2010/main">
                 <a:solidFill>
                   <a:srgbClr val="FFFFFF"/>
                 </a:solidFill>
@@ -16215,690 +16215,6 @@
 </file>
 
 <file path=ppt/slides/slide13.xml><?xml version="1.0" encoding="utf-8"?>
-<p:sld xmlns:a="http://schemas.openxmlformats.org/drawingml/2006/main" xmlns:r="http://schemas.openxmlformats.org/officeDocument/2006/relationships" xmlns:p="http://schemas.openxmlformats.org/presentationml/2006/main">
-  <p:cSld>
-    <p:spTree>
-      <p:nvGrpSpPr>
-        <p:cNvPr id="1" name=""/>
-        <p:cNvGrpSpPr/>
-        <p:nvPr/>
-      </p:nvGrpSpPr>
-      <p:grpSpPr>
-        <a:xfrm>
-          <a:off x="0" y="0"/>
-          <a:ext cx="0" cy="0"/>
-          <a:chOff x="0" y="0"/>
-          <a:chExt cx="0" cy="0"/>
-        </a:xfrm>
-      </p:grpSpPr>
-      <p:sp>
-        <p:nvSpPr>
-          <p:cNvPr id="21" name="Rectangle 20">
-            <a:extLst>
-              <a:ext uri="{FF2B5EF4-FFF2-40B4-BE49-F238E27FC236}">
-                <a16:creationId xmlns:a16="http://schemas.microsoft.com/office/drawing/2014/main" id="{6166C6D1-23AC-49C4-BA07-238E4E9F8CEB}"/>
-              </a:ext>
-              <a:ext uri="{C183D7F6-B498-43B3-948B-1728B52AA6E4}">
-                <adec:decorative xmlns:adec="http://schemas.microsoft.com/office/drawing/2017/decorative" val="1"/>
-              </a:ext>
-            </a:extLst>
-          </p:cNvPr>
-          <p:cNvSpPr>
-            <a:spLocks noGrp="1" noRot="1" noChangeAspect="1" noMove="1" noResize="1" noEditPoints="1" noAdjustHandles="1" noChangeArrowheads="1" noChangeShapeType="1" noTextEdit="1"/>
-          </p:cNvSpPr>
-          <p:nvPr>
-            <p:extLst>
-              <p:ext uri="{386F3935-93C4-4BCD-93E2-E3B085C9AB24}">
-                <p16:designElem xmlns:p16="http://schemas.microsoft.com/office/powerpoint/2015/main" val="1"/>
-              </p:ext>
-            </p:extLst>
-          </p:nvPr>
-        </p:nvSpPr>
-        <p:spPr>
-          <a:xfrm>
-            <a:off x="346543" y="450221"/>
-            <a:ext cx="3301783" cy="3918123"/>
-          </a:xfrm>
-          <a:prstGeom prst="rect">
-            <a:avLst/>
-          </a:prstGeom>
-          <a:solidFill>
-            <a:srgbClr val="595959"/>
-          </a:solidFill>
-          <a:ln w="25400">
-            <a:noFill/>
-          </a:ln>
-        </p:spPr>
-        <p:style>
-          <a:lnRef idx="2">
-            <a:schemeClr val="accent1">
-              <a:shade val="50000"/>
-            </a:schemeClr>
-          </a:lnRef>
-          <a:fillRef idx="1">
-            <a:schemeClr val="accent1"/>
-          </a:fillRef>
-          <a:effectRef idx="0">
-            <a:schemeClr val="accent1"/>
-          </a:effectRef>
-          <a:fontRef idx="minor">
-            <a:schemeClr val="lt1"/>
-          </a:fontRef>
-        </p:style>
-        <p:txBody>
-          <a:bodyPr rtlCol="0" anchor="ctr"/>
-          <a:lstStyle/>
-          <a:p>
-            <a:pPr marL="0" marR="0" lvl="0" indent="0" algn="ctr" defTabSz="914400" rtl="0" eaLnBrk="1" fontAlgn="auto" latinLnBrk="0" hangingPunct="1">
-              <a:lnSpc>
-                <a:spcPct val="100000"/>
-              </a:lnSpc>
-              <a:spcBef>
-                <a:spcPts val="0"/>
-              </a:spcBef>
-              <a:spcAft>
-                <a:spcPts val="0"/>
-              </a:spcAft>
-              <a:buClrTx/>
-              <a:buSzTx/>
-              <a:buFontTx/>
-              <a:buNone/>
-              <a:tabLst/>
-              <a:defRPr/>
-            </a:pPr>
-            <a:endParaRPr kumimoji="0" lang="en-US" sz="1800" b="0" i="0" u="none" strike="noStrike" kern="1200" cap="none" spc="0" normalizeH="0" baseline="0" noProof="0">
-              <a:ln>
-                <a:noFill/>
-              </a:ln>
-              <a:solidFill>
-                <a:srgbClr val="FFFFFF"/>
-              </a:solidFill>
-              <a:effectLst/>
-              <a:uLnTx/>
-              <a:uFillTx/>
-              <a:latin typeface="Calibri" panose="020F0502020204030204"/>
-              <a:ea typeface="+mn-ea"/>
-              <a:cs typeface="+mn-cs"/>
-            </a:endParaRPr>
-          </a:p>
-        </p:txBody>
-      </p:sp>
-      <p:sp>
-        <p:nvSpPr>
-          <p:cNvPr id="2" name="标题 1">
-            <a:extLst>
-              <a:ext uri="{FF2B5EF4-FFF2-40B4-BE49-F238E27FC236}">
-                <a16:creationId xmlns:a16="http://schemas.microsoft.com/office/drawing/2014/main" id="{2BC47A72-AFF4-4C1C-B6CD-A4E06EBE1B9A}"/>
-              </a:ext>
-            </a:extLst>
-          </p:cNvPr>
-          <p:cNvSpPr>
-            <a:spLocks noGrp="1"/>
-          </p:cNvSpPr>
-          <p:nvPr>
-            <p:ph type="title"/>
-          </p:nvPr>
-        </p:nvSpPr>
-        <p:spPr>
-          <a:xfrm>
-            <a:off x="377748" y="780655"/>
-            <a:ext cx="3316246" cy="3261168"/>
-          </a:xfrm>
-        </p:spPr>
-        <p:txBody>
-          <a:bodyPr>
-            <a:normAutofit/>
-          </a:bodyPr>
-          <a:lstStyle/>
-          <a:p>
-            <a:r>
-              <a:rPr lang="en-US" altLang="zh-CN" dirty="0">
-                <a:solidFill>
-                  <a:srgbClr val="FFFFFF"/>
-                </a:solidFill>
-              </a:rPr>
-              <a:t>RESULT:</a:t>
-            </a:r>
-            <a:br>
-              <a:rPr lang="en-US" altLang="zh-CN" dirty="0">
-                <a:solidFill>
-                  <a:srgbClr val="FFFFFF"/>
-                </a:solidFill>
-              </a:rPr>
-            </a:br>
-            <a:r>
-              <a:rPr lang="en-US" altLang="zh-CN" dirty="0">
-                <a:solidFill>
-                  <a:srgbClr val="FFFFFF"/>
-                </a:solidFill>
-              </a:rPr>
-              <a:t>Baseline vs.</a:t>
-            </a:r>
-            <a:br>
-              <a:rPr lang="en-US" altLang="zh-CN" dirty="0">
-                <a:solidFill>
-                  <a:srgbClr val="FFFFFF"/>
-                </a:solidFill>
-              </a:rPr>
-            </a:br>
-            <a:r>
-              <a:rPr lang="en-US" altLang="zh-CN" dirty="0">
-                <a:solidFill>
-                  <a:srgbClr val="FFFFFF"/>
-                </a:solidFill>
-              </a:rPr>
-              <a:t>Improvement</a:t>
-            </a:r>
-            <a:endParaRPr lang="zh-CN" altLang="en-US" dirty="0">
-              <a:solidFill>
-                <a:srgbClr val="FFFFFF"/>
-              </a:solidFill>
-            </a:endParaRPr>
-          </a:p>
-        </p:txBody>
-      </p:sp>
-      <p:sp>
-        <p:nvSpPr>
-          <p:cNvPr id="23" name="Rectangle 22">
-            <a:extLst>
-              <a:ext uri="{FF2B5EF4-FFF2-40B4-BE49-F238E27FC236}">
-                <a16:creationId xmlns:a16="http://schemas.microsoft.com/office/drawing/2014/main" id="{B775CD93-9DF2-48CB-9F57-1BCA9A46C7FA}"/>
-              </a:ext>
-              <a:ext uri="{C183D7F6-B498-43B3-948B-1728B52AA6E4}">
-                <adec:decorative xmlns:adec="http://schemas.microsoft.com/office/drawing/2017/decorative" val="1"/>
-              </a:ext>
-            </a:extLst>
-          </p:cNvPr>
-          <p:cNvSpPr>
-            <a:spLocks noGrp="1" noRot="1" noChangeAspect="1" noMove="1" noResize="1" noEditPoints="1" noAdjustHandles="1" noChangeArrowheads="1" noChangeShapeType="1" noTextEdit="1"/>
-          </p:cNvSpPr>
-          <p:nvPr>
-            <p:extLst>
-              <p:ext uri="{386F3935-93C4-4BCD-93E2-E3B085C9AB24}">
-                <p16:designElem xmlns:p16="http://schemas.microsoft.com/office/powerpoint/2015/main" val="1"/>
-              </p:ext>
-            </p:extLst>
-          </p:nvPr>
-        </p:nvSpPr>
-        <p:spPr>
-          <a:xfrm>
-            <a:off x="3763782" y="458922"/>
-            <a:ext cx="1603552" cy="1877811"/>
-          </a:xfrm>
-          <a:prstGeom prst="rect">
-            <a:avLst/>
-          </a:prstGeom>
-          <a:solidFill>
-            <a:srgbClr val="4E342A"/>
-          </a:solidFill>
-          <a:ln w="25400">
-            <a:noFill/>
-          </a:ln>
-        </p:spPr>
-        <p:style>
-          <a:lnRef idx="2">
-            <a:schemeClr val="accent1">
-              <a:shade val="50000"/>
-            </a:schemeClr>
-          </a:lnRef>
-          <a:fillRef idx="1">
-            <a:schemeClr val="accent1"/>
-          </a:fillRef>
-          <a:effectRef idx="0">
-            <a:schemeClr val="accent1"/>
-          </a:effectRef>
-          <a:fontRef idx="minor">
-            <a:schemeClr val="lt1"/>
-          </a:fontRef>
-        </p:style>
-        <p:txBody>
-          <a:bodyPr rtlCol="0" anchor="ctr"/>
-          <a:lstStyle/>
-          <a:p>
-            <a:pPr marL="0" marR="0" lvl="0" indent="0" algn="ctr" defTabSz="914400" rtl="0" eaLnBrk="1" fontAlgn="auto" latinLnBrk="0" hangingPunct="1">
-              <a:lnSpc>
-                <a:spcPct val="100000"/>
-              </a:lnSpc>
-              <a:spcBef>
-                <a:spcPts val="0"/>
-              </a:spcBef>
-              <a:spcAft>
-                <a:spcPts val="0"/>
-              </a:spcAft>
-              <a:buClrTx/>
-              <a:buSzTx/>
-              <a:buFontTx/>
-              <a:buNone/>
-              <a:tabLst/>
-              <a:defRPr/>
-            </a:pPr>
-            <a:endParaRPr kumimoji="0" lang="en-US" sz="1800" b="0" i="0" u="none" strike="noStrike" kern="1200" cap="none" spc="0" normalizeH="0" baseline="0" noProof="0">
-              <a:ln>
-                <a:noFill/>
-              </a:ln>
-              <a:solidFill>
-                <a:srgbClr val="FFFFFF"/>
-              </a:solidFill>
-              <a:effectLst/>
-              <a:uLnTx/>
-              <a:uFillTx/>
-              <a:latin typeface="Calibri" panose="020F0502020204030204"/>
-              <a:ea typeface="+mn-ea"/>
-              <a:cs typeface="+mn-cs"/>
-            </a:endParaRPr>
-          </a:p>
-        </p:txBody>
-      </p:sp>
-      <p:sp>
-        <p:nvSpPr>
-          <p:cNvPr id="25" name="Rectangle 24">
-            <a:extLst>
-              <a:ext uri="{FF2B5EF4-FFF2-40B4-BE49-F238E27FC236}">
-                <a16:creationId xmlns:a16="http://schemas.microsoft.com/office/drawing/2014/main" id="{E186B68C-84BC-4A6E-99D1-EE87483C1349}"/>
-              </a:ext>
-              <a:ext uri="{C183D7F6-B498-43B3-948B-1728B52AA6E4}">
-                <adec:decorative xmlns:adec="http://schemas.microsoft.com/office/drawing/2017/decorative" val="1"/>
-              </a:ext>
-            </a:extLst>
-          </p:cNvPr>
-          <p:cNvSpPr>
-            <a:spLocks noGrp="1" noRot="1" noChangeAspect="1" noMove="1" noResize="1" noEditPoints="1" noAdjustHandles="1" noChangeArrowheads="1" noChangeShapeType="1" noTextEdit="1"/>
-          </p:cNvSpPr>
-          <p:nvPr>
-            <p:extLst>
-              <p:ext uri="{386F3935-93C4-4BCD-93E2-E3B085C9AB24}">
-                <p16:designElem xmlns:p16="http://schemas.microsoft.com/office/powerpoint/2015/main" val="1"/>
-              </p:ext>
-            </p:extLst>
-          </p:nvPr>
-        </p:nvSpPr>
-        <p:spPr>
-          <a:xfrm>
-            <a:off x="3763782" y="2469002"/>
-            <a:ext cx="1609521" cy="1898903"/>
-          </a:xfrm>
-          <a:prstGeom prst="rect">
-            <a:avLst/>
-          </a:prstGeom>
-          <a:solidFill>
-            <a:srgbClr val="FDB663"/>
-          </a:solidFill>
-          <a:ln w="25400">
-            <a:noFill/>
-          </a:ln>
-        </p:spPr>
-        <p:style>
-          <a:lnRef idx="2">
-            <a:schemeClr val="accent1">
-              <a:shade val="50000"/>
-            </a:schemeClr>
-          </a:lnRef>
-          <a:fillRef idx="1">
-            <a:schemeClr val="accent1"/>
-          </a:fillRef>
-          <a:effectRef idx="0">
-            <a:schemeClr val="accent1"/>
-          </a:effectRef>
-          <a:fontRef idx="minor">
-            <a:schemeClr val="lt1"/>
-          </a:fontRef>
-        </p:style>
-        <p:txBody>
-          <a:bodyPr rtlCol="0" anchor="ctr"/>
-          <a:lstStyle/>
-          <a:p>
-            <a:pPr marL="0" marR="0" lvl="0" indent="0" algn="ctr" defTabSz="914400" rtl="0" eaLnBrk="1" fontAlgn="auto" latinLnBrk="0" hangingPunct="1">
-              <a:lnSpc>
-                <a:spcPct val="100000"/>
-              </a:lnSpc>
-              <a:spcBef>
-                <a:spcPts val="0"/>
-              </a:spcBef>
-              <a:spcAft>
-                <a:spcPts val="0"/>
-              </a:spcAft>
-              <a:buClrTx/>
-              <a:buSzTx/>
-              <a:buFontTx/>
-              <a:buNone/>
-              <a:tabLst/>
-              <a:defRPr/>
-            </a:pPr>
-            <a:endParaRPr kumimoji="0" lang="en-US" sz="1800" b="0" i="0" u="none" strike="noStrike" kern="1200" cap="none" spc="0" normalizeH="0" baseline="0" noProof="0">
-              <a:ln>
-                <a:noFill/>
-              </a:ln>
-              <a:solidFill>
-                <a:srgbClr val="FFFFFF"/>
-              </a:solidFill>
-              <a:effectLst/>
-              <a:uLnTx/>
-              <a:uFillTx/>
-              <a:latin typeface="Calibri" panose="020F0502020204030204"/>
-              <a:ea typeface="+mn-ea"/>
-              <a:cs typeface="+mn-cs"/>
-            </a:endParaRPr>
-          </a:p>
-        </p:txBody>
-      </p:sp>
-      <p:sp>
-        <p:nvSpPr>
-          <p:cNvPr id="27" name="Rectangle 26">
-            <a:extLst>
-              <a:ext uri="{FF2B5EF4-FFF2-40B4-BE49-F238E27FC236}">
-                <a16:creationId xmlns:a16="http://schemas.microsoft.com/office/drawing/2014/main" id="{1C091803-41C2-48E0-9228-5148460C7479}"/>
-              </a:ext>
-              <a:ext uri="{C183D7F6-B498-43B3-948B-1728B52AA6E4}">
-                <adec:decorative xmlns:adec="http://schemas.microsoft.com/office/drawing/2017/decorative" val="1"/>
-              </a:ext>
-            </a:extLst>
-          </p:cNvPr>
-          <p:cNvSpPr>
-            <a:spLocks noGrp="1" noRot="1" noChangeAspect="1" noMove="1" noResize="1" noEditPoints="1" noAdjustHandles="1" noChangeArrowheads="1" noChangeShapeType="1" noTextEdit="1"/>
-          </p:cNvSpPr>
-          <p:nvPr>
-            <p:extLst>
-              <p:ext uri="{386F3935-93C4-4BCD-93E2-E3B085C9AB24}">
-                <p16:designElem xmlns:p16="http://schemas.microsoft.com/office/powerpoint/2015/main" val="1"/>
-              </p:ext>
-            </p:extLst>
-          </p:nvPr>
-        </p:nvSpPr>
-        <p:spPr>
-          <a:xfrm>
-            <a:off x="5483563" y="450221"/>
-            <a:ext cx="3316246" cy="5948858"/>
-          </a:xfrm>
-          <a:prstGeom prst="rect">
-            <a:avLst/>
-          </a:prstGeom>
-          <a:solidFill>
-            <a:schemeClr val="tx1">
-              <a:lumMod val="50000"/>
-              <a:lumOff val="50000"/>
-              <a:alpha val="20000"/>
-            </a:schemeClr>
-          </a:solidFill>
-          <a:ln>
-            <a:noFill/>
-          </a:ln>
-        </p:spPr>
-        <p:style>
-          <a:lnRef idx="2">
-            <a:schemeClr val="accent1">
-              <a:shade val="50000"/>
-            </a:schemeClr>
-          </a:lnRef>
-          <a:fillRef idx="1">
-            <a:schemeClr val="accent1"/>
-          </a:fillRef>
-          <a:effectRef idx="0">
-            <a:schemeClr val="accent1"/>
-          </a:effectRef>
-          <a:fontRef idx="minor">
-            <a:schemeClr val="lt1"/>
-          </a:fontRef>
-        </p:style>
-        <p:txBody>
-          <a:bodyPr rtlCol="0" anchor="ctr"/>
-          <a:lstStyle/>
-          <a:p>
-            <a:pPr marL="0" marR="0" lvl="0" indent="0" algn="ctr" defTabSz="914400" rtl="0" eaLnBrk="1" fontAlgn="auto" latinLnBrk="0" hangingPunct="1">
-              <a:lnSpc>
-                <a:spcPct val="100000"/>
-              </a:lnSpc>
-              <a:spcBef>
-                <a:spcPts val="0"/>
-              </a:spcBef>
-              <a:spcAft>
-                <a:spcPts val="0"/>
-              </a:spcAft>
-              <a:buClrTx/>
-              <a:buSzTx/>
-              <a:buFontTx/>
-              <a:buNone/>
-              <a:tabLst/>
-              <a:defRPr/>
-            </a:pPr>
-            <a:endParaRPr kumimoji="0" lang="en-US" sz="1800" b="0" i="0" u="none" strike="noStrike" kern="1200" cap="none" spc="0" normalizeH="0" baseline="0" noProof="0">
-              <a:ln>
-                <a:noFill/>
-              </a:ln>
-              <a:solidFill>
-                <a:prstClr val="white">
-                  <a:lumMod val="85000"/>
-                </a:prstClr>
-              </a:solidFill>
-              <a:effectLst/>
-              <a:uLnTx/>
-              <a:uFillTx/>
-              <a:latin typeface="Calibri" panose="020F0502020204030204"/>
-              <a:ea typeface="+mn-ea"/>
-              <a:cs typeface="+mn-cs"/>
-            </a:endParaRPr>
-          </a:p>
-        </p:txBody>
-      </p:sp>
-      <p:sp>
-        <p:nvSpPr>
-          <p:cNvPr id="4" name="灯片编号占位符 3">
-            <a:extLst>
-              <a:ext uri="{FF2B5EF4-FFF2-40B4-BE49-F238E27FC236}">
-                <a16:creationId xmlns:a16="http://schemas.microsoft.com/office/drawing/2014/main" id="{E8C679F0-8AAD-46AE-9715-74AE1F5B6EB4}"/>
-              </a:ext>
-            </a:extLst>
-          </p:cNvPr>
-          <p:cNvSpPr>
-            <a:spLocks noGrp="1"/>
-          </p:cNvSpPr>
-          <p:nvPr>
-            <p:ph type="sldNum" sz="quarter" idx="12"/>
-          </p:nvPr>
-        </p:nvSpPr>
-        <p:spPr/>
-        <p:txBody>
-          <a:bodyPr/>
-          <a:lstStyle/>
-          <a:p>
-            <a:fld id="{C633B4E1-CAF6-4547-A76A-3005402A1943}" type="slidenum">
-              <a:rPr lang="zh-CN" altLang="en-US" smtClean="0"/>
-              <a:t>13</a:t>
-            </a:fld>
-            <a:endParaRPr lang="zh-CN" altLang="en-US"/>
-          </a:p>
-        </p:txBody>
-      </p:sp>
-      <p:sp>
-        <p:nvSpPr>
-          <p:cNvPr id="9" name="文本框 8">
-            <a:extLst>
-              <a:ext uri="{FF2B5EF4-FFF2-40B4-BE49-F238E27FC236}">
-                <a16:creationId xmlns:a16="http://schemas.microsoft.com/office/drawing/2014/main" id="{7D205DD0-D437-4B6F-8766-D7F02574FA81}"/>
-              </a:ext>
-            </a:extLst>
-          </p:cNvPr>
-          <p:cNvSpPr txBox="1"/>
-          <p:nvPr/>
-        </p:nvSpPr>
-        <p:spPr>
-          <a:xfrm>
-            <a:off x="3863624" y="1058926"/>
-            <a:ext cx="1391169" cy="523220"/>
-          </a:xfrm>
-          <a:prstGeom prst="rect">
-            <a:avLst/>
-          </a:prstGeom>
-          <a:noFill/>
-        </p:spPr>
-        <p:txBody>
-          <a:bodyPr wrap="square" rtlCol="0">
-            <a:spAutoFit/>
-          </a:bodyPr>
-          <a:lstStyle/>
-          <a:p>
-            <a:r>
-              <a:rPr lang="en-US" sz="2800" dirty="0"/>
-              <a:t>Baseline</a:t>
-            </a:r>
-          </a:p>
-        </p:txBody>
-      </p:sp>
-      <p:sp>
-        <p:nvSpPr>
-          <p:cNvPr id="14" name="文本框 13">
-            <a:extLst>
-              <a:ext uri="{FF2B5EF4-FFF2-40B4-BE49-F238E27FC236}">
-                <a16:creationId xmlns:a16="http://schemas.microsoft.com/office/drawing/2014/main" id="{7E175C3D-90F0-434A-91E2-6A6A5E553839}"/>
-              </a:ext>
-            </a:extLst>
-          </p:cNvPr>
-          <p:cNvSpPr txBox="1"/>
-          <p:nvPr/>
-        </p:nvSpPr>
-        <p:spPr>
-          <a:xfrm>
-            <a:off x="3863624" y="3102591"/>
-            <a:ext cx="1634402" cy="800219"/>
-          </a:xfrm>
-          <a:prstGeom prst="rect">
-            <a:avLst/>
-          </a:prstGeom>
-          <a:noFill/>
-        </p:spPr>
-        <p:txBody>
-          <a:bodyPr wrap="square" rtlCol="0">
-            <a:spAutoFit/>
-          </a:bodyPr>
-          <a:lstStyle/>
-          <a:p>
-            <a:r>
-              <a:rPr lang="en-US" sz="2800" dirty="0"/>
-              <a:t>Improve</a:t>
-            </a:r>
-            <a:endParaRPr lang="en-US" dirty="0"/>
-          </a:p>
-          <a:p>
-            <a:endParaRPr lang="en-US" dirty="0"/>
-          </a:p>
-        </p:txBody>
-      </p:sp>
-      <p:sp>
-        <p:nvSpPr>
-          <p:cNvPr id="10" name="文本框 9">
-            <a:extLst>
-              <a:ext uri="{FF2B5EF4-FFF2-40B4-BE49-F238E27FC236}">
-                <a16:creationId xmlns:a16="http://schemas.microsoft.com/office/drawing/2014/main" id="{0CAFC3A8-C305-41CC-B4C6-E2207A52A9A8}"/>
-              </a:ext>
-            </a:extLst>
-          </p:cNvPr>
-          <p:cNvSpPr txBox="1"/>
-          <p:nvPr/>
-        </p:nvSpPr>
-        <p:spPr>
-          <a:xfrm>
-            <a:off x="5498026" y="837063"/>
-            <a:ext cx="3268225" cy="1200329"/>
-          </a:xfrm>
-          <a:prstGeom prst="rect">
-            <a:avLst/>
-          </a:prstGeom>
-          <a:noFill/>
-        </p:spPr>
-        <p:txBody>
-          <a:bodyPr wrap="square" rtlCol="0">
-            <a:spAutoFit/>
-          </a:bodyPr>
-          <a:lstStyle/>
-          <a:p>
-            <a:r>
-              <a:rPr lang="en-US" dirty="0"/>
-              <a:t>PSNR: 21.692</a:t>
-            </a:r>
-          </a:p>
-          <a:p>
-            <a:endParaRPr lang="en-US" dirty="0"/>
-          </a:p>
-          <a:p>
-            <a:r>
-              <a:rPr lang="en-US" dirty="0"/>
-              <a:t>Run Time (measured in per Pic):</a:t>
-            </a:r>
-          </a:p>
-          <a:p>
-            <a:r>
-              <a:rPr lang="en-US" dirty="0"/>
-              <a:t>6.5 seconds/picture</a:t>
-            </a:r>
-          </a:p>
-        </p:txBody>
-      </p:sp>
-      <p:sp>
-        <p:nvSpPr>
-          <p:cNvPr id="17" name="文本框 16">
-            <a:extLst>
-              <a:ext uri="{FF2B5EF4-FFF2-40B4-BE49-F238E27FC236}">
-                <a16:creationId xmlns:a16="http://schemas.microsoft.com/office/drawing/2014/main" id="{2F1B5820-3F7B-467B-A313-C57749CFBA55}"/>
-              </a:ext>
-            </a:extLst>
-          </p:cNvPr>
-          <p:cNvSpPr txBox="1"/>
-          <p:nvPr/>
-        </p:nvSpPr>
-        <p:spPr>
-          <a:xfrm>
-            <a:off x="5473145" y="2480375"/>
-            <a:ext cx="3268225" cy="1200329"/>
-          </a:xfrm>
-          <a:prstGeom prst="rect">
-            <a:avLst/>
-          </a:prstGeom>
-          <a:noFill/>
-        </p:spPr>
-        <p:txBody>
-          <a:bodyPr wrap="square" rtlCol="0">
-            <a:spAutoFit/>
-          </a:bodyPr>
-          <a:lstStyle/>
-          <a:p>
-            <a:r>
-              <a:rPr lang="en-US" dirty="0"/>
-              <a:t>PSNR: 23.499</a:t>
-            </a:r>
-          </a:p>
-          <a:p>
-            <a:endParaRPr lang="en-US" dirty="0"/>
-          </a:p>
-          <a:p>
-            <a:r>
-              <a:rPr lang="en-US" dirty="0"/>
-              <a:t>Run Time (measured in per Pic):</a:t>
-            </a:r>
-          </a:p>
-          <a:p>
-            <a:r>
-              <a:rPr lang="en-US" dirty="0"/>
-              <a:t>5.2 seconds/picture</a:t>
-            </a:r>
-          </a:p>
-        </p:txBody>
-      </p:sp>
-    </p:spTree>
-    <p:extLst>
-      <p:ext uri="{BB962C8B-B14F-4D97-AF65-F5344CB8AC3E}">
-        <p14:creationId xmlns:p14="http://schemas.microsoft.com/office/powerpoint/2010/main" val="3294612955"/>
-      </p:ext>
-    </p:extLst>
-  </p:cSld>
-  <p:clrMapOvr>
-    <a:masterClrMapping/>
-  </p:clrMapOvr>
-  <p:transition>
-    <p:fade/>
-  </p:transition>
-</p:sld>
-</file>
-
-<file path=ppt/slides/slide14.xml><?xml version="1.0" encoding="utf-8"?>
 <p:sld xmlns:a="http://schemas.openxmlformats.org/drawingml/2006/main" xmlns:r="http://schemas.openxmlformats.org/officeDocument/2006/relationships" xmlns:p="http://schemas.openxmlformats.org/presentationml/2006/main">
   <p:cSld>
     <p:bg>
@@ -17087,7 +16403,7 @@
             </a:ln>
             <a:extLst>
               <a:ext uri="{909E8E84-426E-40dd-AFC4-6F175D3DCCD1}">
-                <a14:hiddenFill xmlns:a14="http://schemas.microsoft.com/office/drawing/2010/main" xmlns="">
+                <a14:hiddenFill xmlns="" xmlns:a14="http://schemas.microsoft.com/office/drawing/2010/main">
                   <a:solidFill>
                     <a:srgbClr val="FFFFFF"/>
                   </a:solidFill>
@@ -17180,7 +16496,7 @@
             </a:ln>
             <a:extLst>
               <a:ext uri="{909E8E84-426E-40dd-AFC4-6F175D3DCCD1}">
-                <a14:hiddenFill xmlns:a14="http://schemas.microsoft.com/office/drawing/2010/main" xmlns="">
+                <a14:hiddenFill xmlns="" xmlns:a14="http://schemas.microsoft.com/office/drawing/2010/main">
                   <a:solidFill>
                     <a:srgbClr val="FFFFFF"/>
                   </a:solidFill>
@@ -17273,7 +16589,7 @@
             </a:ln>
             <a:extLst>
               <a:ext uri="{909E8E84-426E-40dd-AFC4-6F175D3DCCD1}">
-                <a14:hiddenFill xmlns:a14="http://schemas.microsoft.com/office/drawing/2010/main" xmlns="">
+                <a14:hiddenFill xmlns="" xmlns:a14="http://schemas.microsoft.com/office/drawing/2010/main">
                   <a:solidFill>
                     <a:srgbClr val="FFFFFF"/>
                   </a:solidFill>
@@ -17366,7 +16682,7 @@
             </a:ln>
             <a:extLst>
               <a:ext uri="{909E8E84-426E-40dd-AFC4-6F175D3DCCD1}">
-                <a14:hiddenFill xmlns:a14="http://schemas.microsoft.com/office/drawing/2010/main" xmlns="">
+                <a14:hiddenFill xmlns="" xmlns:a14="http://schemas.microsoft.com/office/drawing/2010/main">
                   <a:solidFill>
                     <a:srgbClr val="FFFFFF"/>
                   </a:solidFill>
@@ -17459,7 +16775,7 @@
             </a:ln>
             <a:extLst>
               <a:ext uri="{909E8E84-426E-40dd-AFC4-6F175D3DCCD1}">
-                <a14:hiddenFill xmlns:a14="http://schemas.microsoft.com/office/drawing/2010/main" xmlns="">
+                <a14:hiddenFill xmlns="" xmlns:a14="http://schemas.microsoft.com/office/drawing/2010/main">
                   <a:solidFill>
                     <a:srgbClr val="FFFFFF"/>
                   </a:solidFill>
@@ -17552,7 +16868,7 @@
             </a:ln>
             <a:extLst>
               <a:ext uri="{909E8E84-426E-40dd-AFC4-6F175D3DCCD1}">
-                <a14:hiddenFill xmlns:a14="http://schemas.microsoft.com/office/drawing/2010/main" xmlns="">
+                <a14:hiddenFill xmlns="" xmlns:a14="http://schemas.microsoft.com/office/drawing/2010/main">
                   <a:solidFill>
                     <a:srgbClr val="FFFFFF"/>
                   </a:solidFill>
@@ -17645,7 +16961,7 @@
             </a:ln>
             <a:extLst>
               <a:ext uri="{909E8E84-426E-40dd-AFC4-6F175D3DCCD1}">
-                <a14:hiddenFill xmlns:a14="http://schemas.microsoft.com/office/drawing/2010/main" xmlns="">
+                <a14:hiddenFill xmlns="" xmlns:a14="http://schemas.microsoft.com/office/drawing/2010/main">
                   <a:solidFill>
                     <a:srgbClr val="FFFFFF"/>
                   </a:solidFill>
@@ -17738,7 +17054,7 @@
             </a:ln>
             <a:extLst>
               <a:ext uri="{909E8E84-426E-40dd-AFC4-6F175D3DCCD1}">
-                <a14:hiddenFill xmlns:a14="http://schemas.microsoft.com/office/drawing/2010/main" xmlns="">
+                <a14:hiddenFill xmlns="" xmlns:a14="http://schemas.microsoft.com/office/drawing/2010/main">
                   <a:solidFill>
                     <a:srgbClr val="FFFFFF"/>
                   </a:solidFill>
@@ -17831,7 +17147,7 @@
             </a:ln>
             <a:extLst>
               <a:ext uri="{909E8E84-426E-40dd-AFC4-6F175D3DCCD1}">
-                <a14:hiddenFill xmlns:a14="http://schemas.microsoft.com/office/drawing/2010/main" xmlns="">
+                <a14:hiddenFill xmlns="" xmlns:a14="http://schemas.microsoft.com/office/drawing/2010/main">
                   <a:solidFill>
                     <a:srgbClr val="FFFFFF"/>
                   </a:solidFill>
@@ -17924,7 +17240,7 @@
             </a:ln>
             <a:extLst>
               <a:ext uri="{909E8E84-426E-40dd-AFC4-6F175D3DCCD1}">
-                <a14:hiddenFill xmlns:a14="http://schemas.microsoft.com/office/drawing/2010/main" xmlns="">
+                <a14:hiddenFill xmlns="" xmlns:a14="http://schemas.microsoft.com/office/drawing/2010/main">
                   <a:solidFill>
                     <a:srgbClr val="FFFFFF"/>
                   </a:solidFill>
@@ -18017,7 +17333,7 @@
             </a:ln>
             <a:extLst>
               <a:ext uri="{909E8E84-426E-40dd-AFC4-6F175D3DCCD1}">
-                <a14:hiddenFill xmlns:a14="http://schemas.microsoft.com/office/drawing/2010/main" xmlns="">
+                <a14:hiddenFill xmlns="" xmlns:a14="http://schemas.microsoft.com/office/drawing/2010/main">
                   <a:solidFill>
                     <a:srgbClr val="FFFFFF"/>
                   </a:solidFill>
@@ -18110,7 +17426,7 @@
             </a:ln>
             <a:extLst>
               <a:ext uri="{909E8E84-426E-40dd-AFC4-6F175D3DCCD1}">
-                <a14:hiddenFill xmlns:a14="http://schemas.microsoft.com/office/drawing/2010/main" xmlns="">
+                <a14:hiddenFill xmlns="" xmlns:a14="http://schemas.microsoft.com/office/drawing/2010/main">
                   <a:solidFill>
                     <a:srgbClr val="FFFFFF"/>
                   </a:solidFill>
@@ -18203,7 +17519,7 @@
             </a:ln>
             <a:extLst>
               <a:ext uri="{909E8E84-426E-40dd-AFC4-6F175D3DCCD1}">
-                <a14:hiddenFill xmlns:a14="http://schemas.microsoft.com/office/drawing/2010/main" xmlns="">
+                <a14:hiddenFill xmlns="" xmlns:a14="http://schemas.microsoft.com/office/drawing/2010/main">
                   <a:solidFill>
                     <a:srgbClr val="FFFFFF"/>
                   </a:solidFill>
@@ -18296,7 +17612,7 @@
             </a:ln>
             <a:extLst>
               <a:ext uri="{909E8E84-426E-40dd-AFC4-6F175D3DCCD1}">
-                <a14:hiddenFill xmlns:a14="http://schemas.microsoft.com/office/drawing/2010/main" xmlns="">
+                <a14:hiddenFill xmlns="" xmlns:a14="http://schemas.microsoft.com/office/drawing/2010/main">
                   <a:solidFill>
                     <a:srgbClr val="FFFFFF"/>
                   </a:solidFill>
@@ -18389,7 +17705,7 @@
             </a:ln>
             <a:extLst>
               <a:ext uri="{909E8E84-426E-40dd-AFC4-6F175D3DCCD1}">
-                <a14:hiddenFill xmlns:a14="http://schemas.microsoft.com/office/drawing/2010/main" xmlns="">
+                <a14:hiddenFill xmlns="" xmlns:a14="http://schemas.microsoft.com/office/drawing/2010/main">
                   <a:solidFill>
                     <a:srgbClr val="FFFFFF"/>
                   </a:solidFill>
@@ -18482,7 +17798,7 @@
             </a:ln>
             <a:extLst>
               <a:ext uri="{909E8E84-426E-40dd-AFC4-6F175D3DCCD1}">
-                <a14:hiddenFill xmlns:a14="http://schemas.microsoft.com/office/drawing/2010/main" xmlns="">
+                <a14:hiddenFill xmlns="" xmlns:a14="http://schemas.microsoft.com/office/drawing/2010/main">
                   <a:solidFill>
                     <a:srgbClr val="FFFFFF"/>
                   </a:solidFill>
@@ -18575,7 +17891,7 @@
             </a:ln>
             <a:extLst>
               <a:ext uri="{909E8E84-426E-40dd-AFC4-6F175D3DCCD1}">
-                <a14:hiddenFill xmlns:a14="http://schemas.microsoft.com/office/drawing/2010/main" xmlns="">
+                <a14:hiddenFill xmlns="" xmlns:a14="http://schemas.microsoft.com/office/drawing/2010/main">
                   <a:solidFill>
                     <a:srgbClr val="FFFFFF"/>
                   </a:solidFill>
@@ -18668,7 +17984,7 @@
             </a:ln>
             <a:extLst>
               <a:ext uri="{909E8E84-426E-40dd-AFC4-6F175D3DCCD1}">
-                <a14:hiddenFill xmlns:a14="http://schemas.microsoft.com/office/drawing/2010/main" xmlns="">
+                <a14:hiddenFill xmlns="" xmlns:a14="http://schemas.microsoft.com/office/drawing/2010/main">
                   <a:solidFill>
                     <a:srgbClr val="FFFFFF"/>
                   </a:solidFill>
@@ -18761,7 +18077,7 @@
             </a:ln>
             <a:extLst>
               <a:ext uri="{909E8E84-426E-40dd-AFC4-6F175D3DCCD1}">
-                <a14:hiddenFill xmlns:a14="http://schemas.microsoft.com/office/drawing/2010/main" xmlns="">
+                <a14:hiddenFill xmlns="" xmlns:a14="http://schemas.microsoft.com/office/drawing/2010/main">
                   <a:solidFill>
                     <a:srgbClr val="FFFFFF"/>
                   </a:solidFill>
@@ -18854,7 +18170,7 @@
             </a:ln>
             <a:extLst>
               <a:ext uri="{909E8E84-426E-40dd-AFC4-6F175D3DCCD1}">
-                <a14:hiddenFill xmlns:a14="http://schemas.microsoft.com/office/drawing/2010/main" xmlns="">
+                <a14:hiddenFill xmlns="" xmlns:a14="http://schemas.microsoft.com/office/drawing/2010/main">
                   <a:solidFill>
                     <a:srgbClr val="FFFFFF"/>
                   </a:solidFill>
@@ -18947,7 +18263,7 @@
             </a:ln>
             <a:extLst>
               <a:ext uri="{909E8E84-426E-40dd-AFC4-6F175D3DCCD1}">
-                <a14:hiddenFill xmlns:a14="http://schemas.microsoft.com/office/drawing/2010/main" xmlns="">
+                <a14:hiddenFill xmlns="" xmlns:a14="http://schemas.microsoft.com/office/drawing/2010/main">
                   <a:solidFill>
                     <a:srgbClr val="FFFFFF"/>
                   </a:solidFill>
@@ -19577,7 +18893,7 @@
             </a:ln>
             <a:extLst>
               <a:ext uri="{909E8E84-426E-40dd-AFC4-6F175D3DCCD1}">
-                <a14:hiddenFill xmlns:a14="http://schemas.microsoft.com/office/drawing/2010/main" xmlns="">
+                <a14:hiddenFill xmlns="" xmlns:a14="http://schemas.microsoft.com/office/drawing/2010/main">
                   <a:solidFill>
                     <a:srgbClr val="FFFFFF"/>
                   </a:solidFill>
@@ -19670,7 +18986,7 @@
           <a:p>
             <a:fld id="{C633B4E1-CAF6-4547-A76A-3005402A1943}" type="slidenum">
               <a:rPr lang="zh-CN" altLang="en-US" smtClean="0"/>
-              <a:t>14</a:t>
+              <a:t>13</a:t>
             </a:fld>
             <a:endParaRPr lang="zh-CN" altLang="en-US"/>
           </a:p>
@@ -19692,7 +19008,7 @@
 </p:sld>
 </file>
 
-<file path=ppt/slides/slide15.xml><?xml version="1.0" encoding="utf-8"?>
+<file path=ppt/slides/slide14.xml><?xml version="1.0" encoding="utf-8"?>
 <p:sld xmlns:a="http://schemas.openxmlformats.org/drawingml/2006/main" xmlns:r="http://schemas.openxmlformats.org/officeDocument/2006/relationships" xmlns:p="http://schemas.openxmlformats.org/presentationml/2006/main">
   <p:cSld>
     <p:spTree>
@@ -20298,7 +19614,7 @@
           <a:p>
             <a:fld id="{C633B4E1-CAF6-4547-A76A-3005402A1943}" type="slidenum">
               <a:rPr lang="zh-CN" altLang="en-US" smtClean="0"/>
-              <a:t>15</a:t>
+              <a:t>14</a:t>
             </a:fld>
             <a:endParaRPr lang="zh-CN" altLang="en-US"/>
           </a:p>
@@ -20347,6 +19663,690 @@
     <p:extLst>
       <p:ext uri="{BB962C8B-B14F-4D97-AF65-F5344CB8AC3E}">
         <p14:creationId xmlns:p14="http://schemas.microsoft.com/office/powerpoint/2010/main" val="535738343"/>
+      </p:ext>
+    </p:extLst>
+  </p:cSld>
+  <p:clrMapOvr>
+    <a:masterClrMapping/>
+  </p:clrMapOvr>
+  <p:transition>
+    <p:fade/>
+  </p:transition>
+</p:sld>
+</file>
+
+<file path=ppt/slides/slide15.xml><?xml version="1.0" encoding="utf-8"?>
+<p:sld xmlns:a="http://schemas.openxmlformats.org/drawingml/2006/main" xmlns:r="http://schemas.openxmlformats.org/officeDocument/2006/relationships" xmlns:p="http://schemas.openxmlformats.org/presentationml/2006/main">
+  <p:cSld>
+    <p:spTree>
+      <p:nvGrpSpPr>
+        <p:cNvPr id="1" name=""/>
+        <p:cNvGrpSpPr/>
+        <p:nvPr/>
+      </p:nvGrpSpPr>
+      <p:grpSpPr>
+        <a:xfrm>
+          <a:off x="0" y="0"/>
+          <a:ext cx="0" cy="0"/>
+          <a:chOff x="0" y="0"/>
+          <a:chExt cx="0" cy="0"/>
+        </a:xfrm>
+      </p:grpSpPr>
+      <p:sp>
+        <p:nvSpPr>
+          <p:cNvPr id="21" name="Rectangle 20">
+            <a:extLst>
+              <a:ext uri="{FF2B5EF4-FFF2-40B4-BE49-F238E27FC236}">
+                <a16:creationId xmlns:a16="http://schemas.microsoft.com/office/drawing/2014/main" id="{6166C6D1-23AC-49C4-BA07-238E4E9F8CEB}"/>
+              </a:ext>
+              <a:ext uri="{C183D7F6-B498-43B3-948B-1728B52AA6E4}">
+                <adec:decorative xmlns:adec="http://schemas.microsoft.com/office/drawing/2017/decorative" val="1"/>
+              </a:ext>
+            </a:extLst>
+          </p:cNvPr>
+          <p:cNvSpPr>
+            <a:spLocks noGrp="1" noRot="1" noChangeAspect="1" noMove="1" noResize="1" noEditPoints="1" noAdjustHandles="1" noChangeArrowheads="1" noChangeShapeType="1" noTextEdit="1"/>
+          </p:cNvSpPr>
+          <p:nvPr>
+            <p:extLst>
+              <p:ext uri="{386F3935-93C4-4BCD-93E2-E3B085C9AB24}">
+                <p16:designElem xmlns:p16="http://schemas.microsoft.com/office/powerpoint/2015/main" val="1"/>
+              </p:ext>
+            </p:extLst>
+          </p:nvPr>
+        </p:nvSpPr>
+        <p:spPr>
+          <a:xfrm>
+            <a:off x="346543" y="450221"/>
+            <a:ext cx="3301783" cy="3918123"/>
+          </a:xfrm>
+          <a:prstGeom prst="rect">
+            <a:avLst/>
+          </a:prstGeom>
+          <a:solidFill>
+            <a:srgbClr val="595959"/>
+          </a:solidFill>
+          <a:ln w="25400">
+            <a:noFill/>
+          </a:ln>
+        </p:spPr>
+        <p:style>
+          <a:lnRef idx="2">
+            <a:schemeClr val="accent1">
+              <a:shade val="50000"/>
+            </a:schemeClr>
+          </a:lnRef>
+          <a:fillRef idx="1">
+            <a:schemeClr val="accent1"/>
+          </a:fillRef>
+          <a:effectRef idx="0">
+            <a:schemeClr val="accent1"/>
+          </a:effectRef>
+          <a:fontRef idx="minor">
+            <a:schemeClr val="lt1"/>
+          </a:fontRef>
+        </p:style>
+        <p:txBody>
+          <a:bodyPr rtlCol="0" anchor="ctr"/>
+          <a:lstStyle/>
+          <a:p>
+            <a:pPr marL="0" marR="0" lvl="0" indent="0" algn="ctr" defTabSz="914400" rtl="0" eaLnBrk="1" fontAlgn="auto" latinLnBrk="0" hangingPunct="1">
+              <a:lnSpc>
+                <a:spcPct val="100000"/>
+              </a:lnSpc>
+              <a:spcBef>
+                <a:spcPts val="0"/>
+              </a:spcBef>
+              <a:spcAft>
+                <a:spcPts val="0"/>
+              </a:spcAft>
+              <a:buClrTx/>
+              <a:buSzTx/>
+              <a:buFontTx/>
+              <a:buNone/>
+              <a:tabLst/>
+              <a:defRPr/>
+            </a:pPr>
+            <a:endParaRPr kumimoji="0" lang="en-US" sz="1800" b="0" i="0" u="none" strike="noStrike" kern="1200" cap="none" spc="0" normalizeH="0" baseline="0" noProof="0">
+              <a:ln>
+                <a:noFill/>
+              </a:ln>
+              <a:solidFill>
+                <a:srgbClr val="FFFFFF"/>
+              </a:solidFill>
+              <a:effectLst/>
+              <a:uLnTx/>
+              <a:uFillTx/>
+              <a:latin typeface="Calibri" panose="020F0502020204030204"/>
+              <a:ea typeface="+mn-ea"/>
+              <a:cs typeface="+mn-cs"/>
+            </a:endParaRPr>
+          </a:p>
+        </p:txBody>
+      </p:sp>
+      <p:sp>
+        <p:nvSpPr>
+          <p:cNvPr id="2" name="标题 1">
+            <a:extLst>
+              <a:ext uri="{FF2B5EF4-FFF2-40B4-BE49-F238E27FC236}">
+                <a16:creationId xmlns:a16="http://schemas.microsoft.com/office/drawing/2014/main" id="{2BC47A72-AFF4-4C1C-B6CD-A4E06EBE1B9A}"/>
+              </a:ext>
+            </a:extLst>
+          </p:cNvPr>
+          <p:cNvSpPr>
+            <a:spLocks noGrp="1"/>
+          </p:cNvSpPr>
+          <p:nvPr>
+            <p:ph type="title"/>
+          </p:nvPr>
+        </p:nvSpPr>
+        <p:spPr>
+          <a:xfrm>
+            <a:off x="377748" y="780655"/>
+            <a:ext cx="3316246" cy="3261168"/>
+          </a:xfrm>
+        </p:spPr>
+        <p:txBody>
+          <a:bodyPr>
+            <a:normAutofit/>
+          </a:bodyPr>
+          <a:lstStyle/>
+          <a:p>
+            <a:r>
+              <a:rPr lang="en-US" altLang="zh-CN" dirty="0">
+                <a:solidFill>
+                  <a:srgbClr val="FFFFFF"/>
+                </a:solidFill>
+              </a:rPr>
+              <a:t>RESULT:</a:t>
+            </a:r>
+            <a:br>
+              <a:rPr lang="en-US" altLang="zh-CN" dirty="0">
+                <a:solidFill>
+                  <a:srgbClr val="FFFFFF"/>
+                </a:solidFill>
+              </a:rPr>
+            </a:br>
+            <a:r>
+              <a:rPr lang="en-US" altLang="zh-CN" dirty="0">
+                <a:solidFill>
+                  <a:srgbClr val="FFFFFF"/>
+                </a:solidFill>
+              </a:rPr>
+              <a:t>Baseline vs.</a:t>
+            </a:r>
+            <a:br>
+              <a:rPr lang="en-US" altLang="zh-CN" dirty="0">
+                <a:solidFill>
+                  <a:srgbClr val="FFFFFF"/>
+                </a:solidFill>
+              </a:rPr>
+            </a:br>
+            <a:r>
+              <a:rPr lang="en-US" altLang="zh-CN" dirty="0">
+                <a:solidFill>
+                  <a:srgbClr val="FFFFFF"/>
+                </a:solidFill>
+              </a:rPr>
+              <a:t>Improvement</a:t>
+            </a:r>
+            <a:endParaRPr lang="zh-CN" altLang="en-US" dirty="0">
+              <a:solidFill>
+                <a:srgbClr val="FFFFFF"/>
+              </a:solidFill>
+            </a:endParaRPr>
+          </a:p>
+        </p:txBody>
+      </p:sp>
+      <p:sp>
+        <p:nvSpPr>
+          <p:cNvPr id="23" name="Rectangle 22">
+            <a:extLst>
+              <a:ext uri="{FF2B5EF4-FFF2-40B4-BE49-F238E27FC236}">
+                <a16:creationId xmlns:a16="http://schemas.microsoft.com/office/drawing/2014/main" id="{B775CD93-9DF2-48CB-9F57-1BCA9A46C7FA}"/>
+              </a:ext>
+              <a:ext uri="{C183D7F6-B498-43B3-948B-1728B52AA6E4}">
+                <adec:decorative xmlns:adec="http://schemas.microsoft.com/office/drawing/2017/decorative" val="1"/>
+              </a:ext>
+            </a:extLst>
+          </p:cNvPr>
+          <p:cNvSpPr>
+            <a:spLocks noGrp="1" noRot="1" noChangeAspect="1" noMove="1" noResize="1" noEditPoints="1" noAdjustHandles="1" noChangeArrowheads="1" noChangeShapeType="1" noTextEdit="1"/>
+          </p:cNvSpPr>
+          <p:nvPr>
+            <p:extLst>
+              <p:ext uri="{386F3935-93C4-4BCD-93E2-E3B085C9AB24}">
+                <p16:designElem xmlns:p16="http://schemas.microsoft.com/office/powerpoint/2015/main" val="1"/>
+              </p:ext>
+            </p:extLst>
+          </p:nvPr>
+        </p:nvSpPr>
+        <p:spPr>
+          <a:xfrm>
+            <a:off x="3763782" y="458922"/>
+            <a:ext cx="1603552" cy="1877811"/>
+          </a:xfrm>
+          <a:prstGeom prst="rect">
+            <a:avLst/>
+          </a:prstGeom>
+          <a:solidFill>
+            <a:srgbClr val="4E342A"/>
+          </a:solidFill>
+          <a:ln w="25400">
+            <a:noFill/>
+          </a:ln>
+        </p:spPr>
+        <p:style>
+          <a:lnRef idx="2">
+            <a:schemeClr val="accent1">
+              <a:shade val="50000"/>
+            </a:schemeClr>
+          </a:lnRef>
+          <a:fillRef idx="1">
+            <a:schemeClr val="accent1"/>
+          </a:fillRef>
+          <a:effectRef idx="0">
+            <a:schemeClr val="accent1"/>
+          </a:effectRef>
+          <a:fontRef idx="minor">
+            <a:schemeClr val="lt1"/>
+          </a:fontRef>
+        </p:style>
+        <p:txBody>
+          <a:bodyPr rtlCol="0" anchor="ctr"/>
+          <a:lstStyle/>
+          <a:p>
+            <a:pPr marL="0" marR="0" lvl="0" indent="0" algn="ctr" defTabSz="914400" rtl="0" eaLnBrk="1" fontAlgn="auto" latinLnBrk="0" hangingPunct="1">
+              <a:lnSpc>
+                <a:spcPct val="100000"/>
+              </a:lnSpc>
+              <a:spcBef>
+                <a:spcPts val="0"/>
+              </a:spcBef>
+              <a:spcAft>
+                <a:spcPts val="0"/>
+              </a:spcAft>
+              <a:buClrTx/>
+              <a:buSzTx/>
+              <a:buFontTx/>
+              <a:buNone/>
+              <a:tabLst/>
+              <a:defRPr/>
+            </a:pPr>
+            <a:endParaRPr kumimoji="0" lang="en-US" sz="1800" b="0" i="0" u="none" strike="noStrike" kern="1200" cap="none" spc="0" normalizeH="0" baseline="0" noProof="0">
+              <a:ln>
+                <a:noFill/>
+              </a:ln>
+              <a:solidFill>
+                <a:srgbClr val="FFFFFF"/>
+              </a:solidFill>
+              <a:effectLst/>
+              <a:uLnTx/>
+              <a:uFillTx/>
+              <a:latin typeface="Calibri" panose="020F0502020204030204"/>
+              <a:ea typeface="+mn-ea"/>
+              <a:cs typeface="+mn-cs"/>
+            </a:endParaRPr>
+          </a:p>
+        </p:txBody>
+      </p:sp>
+      <p:sp>
+        <p:nvSpPr>
+          <p:cNvPr id="25" name="Rectangle 24">
+            <a:extLst>
+              <a:ext uri="{FF2B5EF4-FFF2-40B4-BE49-F238E27FC236}">
+                <a16:creationId xmlns:a16="http://schemas.microsoft.com/office/drawing/2014/main" id="{E186B68C-84BC-4A6E-99D1-EE87483C1349}"/>
+              </a:ext>
+              <a:ext uri="{C183D7F6-B498-43B3-948B-1728B52AA6E4}">
+                <adec:decorative xmlns:adec="http://schemas.microsoft.com/office/drawing/2017/decorative" val="1"/>
+              </a:ext>
+            </a:extLst>
+          </p:cNvPr>
+          <p:cNvSpPr>
+            <a:spLocks noGrp="1" noRot="1" noChangeAspect="1" noMove="1" noResize="1" noEditPoints="1" noAdjustHandles="1" noChangeArrowheads="1" noChangeShapeType="1" noTextEdit="1"/>
+          </p:cNvSpPr>
+          <p:nvPr>
+            <p:extLst>
+              <p:ext uri="{386F3935-93C4-4BCD-93E2-E3B085C9AB24}">
+                <p16:designElem xmlns:p16="http://schemas.microsoft.com/office/powerpoint/2015/main" val="1"/>
+              </p:ext>
+            </p:extLst>
+          </p:nvPr>
+        </p:nvSpPr>
+        <p:spPr>
+          <a:xfrm>
+            <a:off x="3763782" y="2469002"/>
+            <a:ext cx="1609521" cy="1898903"/>
+          </a:xfrm>
+          <a:prstGeom prst="rect">
+            <a:avLst/>
+          </a:prstGeom>
+          <a:solidFill>
+            <a:srgbClr val="FDB663"/>
+          </a:solidFill>
+          <a:ln w="25400">
+            <a:noFill/>
+          </a:ln>
+        </p:spPr>
+        <p:style>
+          <a:lnRef idx="2">
+            <a:schemeClr val="accent1">
+              <a:shade val="50000"/>
+            </a:schemeClr>
+          </a:lnRef>
+          <a:fillRef idx="1">
+            <a:schemeClr val="accent1"/>
+          </a:fillRef>
+          <a:effectRef idx="0">
+            <a:schemeClr val="accent1"/>
+          </a:effectRef>
+          <a:fontRef idx="minor">
+            <a:schemeClr val="lt1"/>
+          </a:fontRef>
+        </p:style>
+        <p:txBody>
+          <a:bodyPr rtlCol="0" anchor="ctr"/>
+          <a:lstStyle/>
+          <a:p>
+            <a:pPr marL="0" marR="0" lvl="0" indent="0" algn="ctr" defTabSz="914400" rtl="0" eaLnBrk="1" fontAlgn="auto" latinLnBrk="0" hangingPunct="1">
+              <a:lnSpc>
+                <a:spcPct val="100000"/>
+              </a:lnSpc>
+              <a:spcBef>
+                <a:spcPts val="0"/>
+              </a:spcBef>
+              <a:spcAft>
+                <a:spcPts val="0"/>
+              </a:spcAft>
+              <a:buClrTx/>
+              <a:buSzTx/>
+              <a:buFontTx/>
+              <a:buNone/>
+              <a:tabLst/>
+              <a:defRPr/>
+            </a:pPr>
+            <a:endParaRPr kumimoji="0" lang="en-US" sz="1800" b="0" i="0" u="none" strike="noStrike" kern="1200" cap="none" spc="0" normalizeH="0" baseline="0" noProof="0">
+              <a:ln>
+                <a:noFill/>
+              </a:ln>
+              <a:solidFill>
+                <a:srgbClr val="FFFFFF"/>
+              </a:solidFill>
+              <a:effectLst/>
+              <a:uLnTx/>
+              <a:uFillTx/>
+              <a:latin typeface="Calibri" panose="020F0502020204030204"/>
+              <a:ea typeface="+mn-ea"/>
+              <a:cs typeface="+mn-cs"/>
+            </a:endParaRPr>
+          </a:p>
+        </p:txBody>
+      </p:sp>
+      <p:sp>
+        <p:nvSpPr>
+          <p:cNvPr id="27" name="Rectangle 26">
+            <a:extLst>
+              <a:ext uri="{FF2B5EF4-FFF2-40B4-BE49-F238E27FC236}">
+                <a16:creationId xmlns:a16="http://schemas.microsoft.com/office/drawing/2014/main" id="{1C091803-41C2-48E0-9228-5148460C7479}"/>
+              </a:ext>
+              <a:ext uri="{C183D7F6-B498-43B3-948B-1728B52AA6E4}">
+                <adec:decorative xmlns:adec="http://schemas.microsoft.com/office/drawing/2017/decorative" val="1"/>
+              </a:ext>
+            </a:extLst>
+          </p:cNvPr>
+          <p:cNvSpPr>
+            <a:spLocks noGrp="1" noRot="1" noChangeAspect="1" noMove="1" noResize="1" noEditPoints="1" noAdjustHandles="1" noChangeArrowheads="1" noChangeShapeType="1" noTextEdit="1"/>
+          </p:cNvSpPr>
+          <p:nvPr>
+            <p:extLst>
+              <p:ext uri="{386F3935-93C4-4BCD-93E2-E3B085C9AB24}">
+                <p16:designElem xmlns:p16="http://schemas.microsoft.com/office/powerpoint/2015/main" val="1"/>
+              </p:ext>
+            </p:extLst>
+          </p:nvPr>
+        </p:nvSpPr>
+        <p:spPr>
+          <a:xfrm>
+            <a:off x="5483563" y="450221"/>
+            <a:ext cx="3316246" cy="5948858"/>
+          </a:xfrm>
+          <a:prstGeom prst="rect">
+            <a:avLst/>
+          </a:prstGeom>
+          <a:solidFill>
+            <a:schemeClr val="tx1">
+              <a:lumMod val="50000"/>
+              <a:lumOff val="50000"/>
+              <a:alpha val="20000"/>
+            </a:schemeClr>
+          </a:solidFill>
+          <a:ln>
+            <a:noFill/>
+          </a:ln>
+        </p:spPr>
+        <p:style>
+          <a:lnRef idx="2">
+            <a:schemeClr val="accent1">
+              <a:shade val="50000"/>
+            </a:schemeClr>
+          </a:lnRef>
+          <a:fillRef idx="1">
+            <a:schemeClr val="accent1"/>
+          </a:fillRef>
+          <a:effectRef idx="0">
+            <a:schemeClr val="accent1"/>
+          </a:effectRef>
+          <a:fontRef idx="minor">
+            <a:schemeClr val="lt1"/>
+          </a:fontRef>
+        </p:style>
+        <p:txBody>
+          <a:bodyPr rtlCol="0" anchor="ctr"/>
+          <a:lstStyle/>
+          <a:p>
+            <a:pPr marL="0" marR="0" lvl="0" indent="0" algn="ctr" defTabSz="914400" rtl="0" eaLnBrk="1" fontAlgn="auto" latinLnBrk="0" hangingPunct="1">
+              <a:lnSpc>
+                <a:spcPct val="100000"/>
+              </a:lnSpc>
+              <a:spcBef>
+                <a:spcPts val="0"/>
+              </a:spcBef>
+              <a:spcAft>
+                <a:spcPts val="0"/>
+              </a:spcAft>
+              <a:buClrTx/>
+              <a:buSzTx/>
+              <a:buFontTx/>
+              <a:buNone/>
+              <a:tabLst/>
+              <a:defRPr/>
+            </a:pPr>
+            <a:endParaRPr kumimoji="0" lang="en-US" sz="1800" b="0" i="0" u="none" strike="noStrike" kern="1200" cap="none" spc="0" normalizeH="0" baseline="0" noProof="0">
+              <a:ln>
+                <a:noFill/>
+              </a:ln>
+              <a:solidFill>
+                <a:prstClr val="white">
+                  <a:lumMod val="85000"/>
+                </a:prstClr>
+              </a:solidFill>
+              <a:effectLst/>
+              <a:uLnTx/>
+              <a:uFillTx/>
+              <a:latin typeface="Calibri" panose="020F0502020204030204"/>
+              <a:ea typeface="+mn-ea"/>
+              <a:cs typeface="+mn-cs"/>
+            </a:endParaRPr>
+          </a:p>
+        </p:txBody>
+      </p:sp>
+      <p:sp>
+        <p:nvSpPr>
+          <p:cNvPr id="4" name="灯片编号占位符 3">
+            <a:extLst>
+              <a:ext uri="{FF2B5EF4-FFF2-40B4-BE49-F238E27FC236}">
+                <a16:creationId xmlns:a16="http://schemas.microsoft.com/office/drawing/2014/main" id="{E8C679F0-8AAD-46AE-9715-74AE1F5B6EB4}"/>
+              </a:ext>
+            </a:extLst>
+          </p:cNvPr>
+          <p:cNvSpPr>
+            <a:spLocks noGrp="1"/>
+          </p:cNvSpPr>
+          <p:nvPr>
+            <p:ph type="sldNum" sz="quarter" idx="12"/>
+          </p:nvPr>
+        </p:nvSpPr>
+        <p:spPr/>
+        <p:txBody>
+          <a:bodyPr/>
+          <a:lstStyle/>
+          <a:p>
+            <a:fld id="{C633B4E1-CAF6-4547-A76A-3005402A1943}" type="slidenum">
+              <a:rPr lang="zh-CN" altLang="en-US" smtClean="0"/>
+              <a:t>15</a:t>
+            </a:fld>
+            <a:endParaRPr lang="zh-CN" altLang="en-US"/>
+          </a:p>
+        </p:txBody>
+      </p:sp>
+      <p:sp>
+        <p:nvSpPr>
+          <p:cNvPr id="9" name="文本框 8">
+            <a:extLst>
+              <a:ext uri="{FF2B5EF4-FFF2-40B4-BE49-F238E27FC236}">
+                <a16:creationId xmlns:a16="http://schemas.microsoft.com/office/drawing/2014/main" id="{7D205DD0-D437-4B6F-8766-D7F02574FA81}"/>
+              </a:ext>
+            </a:extLst>
+          </p:cNvPr>
+          <p:cNvSpPr txBox="1"/>
+          <p:nvPr/>
+        </p:nvSpPr>
+        <p:spPr>
+          <a:xfrm>
+            <a:off x="3863624" y="1058926"/>
+            <a:ext cx="1391169" cy="523220"/>
+          </a:xfrm>
+          <a:prstGeom prst="rect">
+            <a:avLst/>
+          </a:prstGeom>
+          <a:noFill/>
+        </p:spPr>
+        <p:txBody>
+          <a:bodyPr wrap="square" rtlCol="0">
+            <a:spAutoFit/>
+          </a:bodyPr>
+          <a:lstStyle/>
+          <a:p>
+            <a:r>
+              <a:rPr lang="en-US" sz="2800" dirty="0"/>
+              <a:t>Baseline</a:t>
+            </a:r>
+          </a:p>
+        </p:txBody>
+      </p:sp>
+      <p:sp>
+        <p:nvSpPr>
+          <p:cNvPr id="14" name="文本框 13">
+            <a:extLst>
+              <a:ext uri="{FF2B5EF4-FFF2-40B4-BE49-F238E27FC236}">
+                <a16:creationId xmlns:a16="http://schemas.microsoft.com/office/drawing/2014/main" id="{7E175C3D-90F0-434A-91E2-6A6A5E553839}"/>
+              </a:ext>
+            </a:extLst>
+          </p:cNvPr>
+          <p:cNvSpPr txBox="1"/>
+          <p:nvPr/>
+        </p:nvSpPr>
+        <p:spPr>
+          <a:xfrm>
+            <a:off x="3863624" y="3102591"/>
+            <a:ext cx="1634402" cy="800219"/>
+          </a:xfrm>
+          <a:prstGeom prst="rect">
+            <a:avLst/>
+          </a:prstGeom>
+          <a:noFill/>
+        </p:spPr>
+        <p:txBody>
+          <a:bodyPr wrap="square" rtlCol="0">
+            <a:spAutoFit/>
+          </a:bodyPr>
+          <a:lstStyle/>
+          <a:p>
+            <a:r>
+              <a:rPr lang="en-US" sz="2800" dirty="0"/>
+              <a:t>Improve</a:t>
+            </a:r>
+            <a:endParaRPr lang="en-US" dirty="0"/>
+          </a:p>
+          <a:p>
+            <a:endParaRPr lang="en-US" dirty="0"/>
+          </a:p>
+        </p:txBody>
+      </p:sp>
+      <p:sp>
+        <p:nvSpPr>
+          <p:cNvPr id="10" name="文本框 9">
+            <a:extLst>
+              <a:ext uri="{FF2B5EF4-FFF2-40B4-BE49-F238E27FC236}">
+                <a16:creationId xmlns:a16="http://schemas.microsoft.com/office/drawing/2014/main" id="{0CAFC3A8-C305-41CC-B4C6-E2207A52A9A8}"/>
+              </a:ext>
+            </a:extLst>
+          </p:cNvPr>
+          <p:cNvSpPr txBox="1"/>
+          <p:nvPr/>
+        </p:nvSpPr>
+        <p:spPr>
+          <a:xfrm>
+            <a:off x="5498026" y="837063"/>
+            <a:ext cx="3268225" cy="1200329"/>
+          </a:xfrm>
+          <a:prstGeom prst="rect">
+            <a:avLst/>
+          </a:prstGeom>
+          <a:noFill/>
+        </p:spPr>
+        <p:txBody>
+          <a:bodyPr wrap="square" rtlCol="0">
+            <a:spAutoFit/>
+          </a:bodyPr>
+          <a:lstStyle/>
+          <a:p>
+            <a:r>
+              <a:rPr lang="en-US" dirty="0"/>
+              <a:t>PSNR: 21.692</a:t>
+            </a:r>
+          </a:p>
+          <a:p>
+            <a:endParaRPr lang="en-US" dirty="0"/>
+          </a:p>
+          <a:p>
+            <a:r>
+              <a:rPr lang="en-US" dirty="0"/>
+              <a:t>Run Time (measured in per Pic):</a:t>
+            </a:r>
+          </a:p>
+          <a:p>
+            <a:r>
+              <a:rPr lang="en-US" dirty="0"/>
+              <a:t>6.5 seconds/picture</a:t>
+            </a:r>
+          </a:p>
+        </p:txBody>
+      </p:sp>
+      <p:sp>
+        <p:nvSpPr>
+          <p:cNvPr id="17" name="文本框 16">
+            <a:extLst>
+              <a:ext uri="{FF2B5EF4-FFF2-40B4-BE49-F238E27FC236}">
+                <a16:creationId xmlns:a16="http://schemas.microsoft.com/office/drawing/2014/main" id="{2F1B5820-3F7B-467B-A313-C57749CFBA55}"/>
+              </a:ext>
+            </a:extLst>
+          </p:cNvPr>
+          <p:cNvSpPr txBox="1"/>
+          <p:nvPr/>
+        </p:nvSpPr>
+        <p:spPr>
+          <a:xfrm>
+            <a:off x="5473145" y="2480375"/>
+            <a:ext cx="3268225" cy="1200329"/>
+          </a:xfrm>
+          <a:prstGeom prst="rect">
+            <a:avLst/>
+          </a:prstGeom>
+          <a:noFill/>
+        </p:spPr>
+        <p:txBody>
+          <a:bodyPr wrap="square" rtlCol="0">
+            <a:spAutoFit/>
+          </a:bodyPr>
+          <a:lstStyle/>
+          <a:p>
+            <a:r>
+              <a:rPr lang="en-US" dirty="0"/>
+              <a:t>PSNR: 23.499</a:t>
+            </a:r>
+          </a:p>
+          <a:p>
+            <a:endParaRPr lang="en-US" dirty="0"/>
+          </a:p>
+          <a:p>
+            <a:r>
+              <a:rPr lang="en-US" dirty="0"/>
+              <a:t>Run Time (measured in per Pic):</a:t>
+            </a:r>
+          </a:p>
+          <a:p>
+            <a:r>
+              <a:rPr lang="en-US" dirty="0"/>
+              <a:t>5.2 seconds/picture</a:t>
+            </a:r>
+          </a:p>
+        </p:txBody>
+      </p:sp>
+    </p:spTree>
+    <p:extLst>
+      <p:ext uri="{BB962C8B-B14F-4D97-AF65-F5344CB8AC3E}">
+        <p14:creationId xmlns:p14="http://schemas.microsoft.com/office/powerpoint/2010/main" val="3294612955"/>
       </p:ext>
     </p:extLst>
   </p:cSld>
